--- a/Slides/091521.pptx
+++ b/Slides/091521.pptx
@@ -33,7 +33,7 @@
     <p:sldId id="526" r:id="rId21"/>
     <p:sldId id="527" r:id="rId22"/>
     <p:sldId id="528" r:id="rId23"/>
-    <p:sldId id="529" r:id="rId24"/>
+    <p:sldId id="624" r:id="rId24"/>
     <p:sldId id="595" r:id="rId25"/>
     <p:sldId id="503" r:id="rId26"/>
     <p:sldId id="598" r:id="rId27"/>
@@ -743,10 +743,10 @@
           </a:ln>
           <a:extLst>
             <a:ext uri="{FAA26D3D-D897-4be2-8F04-BA451C77F1D7}">
-              <ma14:placeholderFlag xmlns:ma14="http://schemas.microsoft.com/office/mac/drawingml/2011/main" xmlns="" val="1"/>
+              <ma14:placeholderFlag xmlns="" xmlns:ma14="http://schemas.microsoft.com/office/mac/drawingml/2011/main" val="1"/>
             </a:ext>
             <a:ext uri="{909E8E84-426E-40dd-AFC4-6F175D3DCCD1}">
-              <a14:hiddenFill xmlns:a14="http://schemas.microsoft.com/office/drawing/2010/main" xmlns="">
+              <a14:hiddenFill xmlns="" xmlns:a14="http://schemas.microsoft.com/office/drawing/2010/main">
                 <a:solidFill>
                   <a:srgbClr val="FFFFFF"/>
                 </a:solidFill>
@@ -921,14 +921,14 @@
           <a:ln/>
           <a:extLst>
             <a:ext uri="{909E8E84-426E-40dd-AFC4-6F175D3DCCD1}">
-              <a14:hiddenFill xmlns:a14="http://schemas.microsoft.com/office/drawing/2010/main" xmlns="">
+              <a14:hiddenFill xmlns="" xmlns:a14="http://schemas.microsoft.com/office/drawing/2010/main">
                 <a:solidFill>
                   <a:srgbClr val="FFFFFF"/>
                 </a:solidFill>
               </a14:hiddenFill>
             </a:ext>
             <a:ext uri="{91240B29-F687-4f45-9708-019B960494DF}">
-              <a14:hiddenLine xmlns:a14="http://schemas.microsoft.com/office/drawing/2010/main" xmlns="" w="9525">
+              <a14:hiddenLine xmlns="" xmlns:a14="http://schemas.microsoft.com/office/drawing/2010/main" w="9525">
                 <a:solidFill>
                   <a:srgbClr val="000000"/>
                 </a:solidFill>
@@ -1096,17 +1096,17 @@
           <a:ln/>
           <a:extLst>
             <a:ext uri="{FAA26D3D-D897-4be2-8F04-BA451C77F1D7}">
-              <ma14:placeholderFlag xmlns:ma14="http://schemas.microsoft.com/office/mac/drawingml/2011/main" xmlns="" val="1"/>
+              <ma14:placeholderFlag xmlns="" xmlns:ma14="http://schemas.microsoft.com/office/mac/drawingml/2011/main" val="1"/>
             </a:ext>
             <a:ext uri="{909E8E84-426E-40dd-AFC4-6F175D3DCCD1}">
-              <a14:hiddenFill xmlns:a14="http://schemas.microsoft.com/office/drawing/2010/main" xmlns="">
+              <a14:hiddenFill xmlns="" xmlns:a14="http://schemas.microsoft.com/office/drawing/2010/main">
                 <a:solidFill>
                   <a:srgbClr val="FFFFFF"/>
                 </a:solidFill>
               </a14:hiddenFill>
             </a:ext>
             <a:ext uri="{91240B29-F687-4f45-9708-019B960494DF}">
-              <a14:hiddenLine xmlns:a14="http://schemas.microsoft.com/office/drawing/2010/main" xmlns="" w="9525">
+              <a14:hiddenLine xmlns="" xmlns:a14="http://schemas.microsoft.com/office/drawing/2010/main" w="9525">
                 <a:solidFill>
                   <a:srgbClr val="000000"/>
                 </a:solidFill>
@@ -1160,7 +1160,192 @@
       </p:grpSpPr>
       <p:sp>
         <p:nvSpPr>
-          <p:cNvPr id="74754" name="Rectangle 7"/>
+          <p:cNvPr id="102403" name="Rectangle 2"/>
+          <p:cNvSpPr>
+            <a:spLocks noGrp="1" noRot="1" noChangeAspect="1" noChangeArrowheads="1"/>
+          </p:cNvSpPr>
+          <p:nvPr>
+            <p:ph type="sldImg"/>
+          </p:nvPr>
+        </p:nvSpPr>
+        <p:spPr>
+          <a:solidFill>
+            <a:srgbClr val="FFFFFF"/>
+          </a:solidFill>
+          <a:ln/>
+        </p:spPr>
+      </p:sp>
+      <p:sp>
+        <p:nvSpPr>
+          <p:cNvPr id="102404" name="Rectangle 3"/>
+          <p:cNvSpPr>
+            <a:spLocks noGrp="1" noChangeArrowheads="1"/>
+          </p:cNvSpPr>
+          <p:nvPr>
+            <p:ph type="body" idx="1"/>
+          </p:nvPr>
+        </p:nvSpPr>
+        <p:spPr>
+          <a:solidFill>
+            <a:srgbClr val="FFFFFF"/>
+          </a:solidFill>
+          <a:ln>
+            <a:solidFill>
+              <a:srgbClr val="000000"/>
+            </a:solidFill>
+          </a:ln>
+          <a:extLst>
+            <a:ext uri="{FAA26D3D-D897-4be2-8F04-BA451C77F1D7}">
+              <ma14:placeholderFlag xmlns="" xmlns:ma14="http://schemas.microsoft.com/office/mac/drawingml/2011/main" val="1"/>
+            </a:ext>
+          </a:extLst>
+        </p:spPr>
+        <p:txBody>
+          <a:bodyPr/>
+          <a:lstStyle/>
+          <a:p>
+            <a:endParaRPr lang="en-US">
+              <a:ea typeface="ＭＳ Ｐゴシック" charset="0"/>
+              <a:cs typeface="ＭＳ Ｐゴシック" charset="0"/>
+            </a:endParaRPr>
+          </a:p>
+        </p:txBody>
+      </p:sp>
+    </p:spTree>
+    <p:extLst>
+      <p:ext uri="{BB962C8B-B14F-4D97-AF65-F5344CB8AC3E}">
+        <p14:creationId xmlns:p14="http://schemas.microsoft.com/office/powerpoint/2010/main" val="210176365"/>
+      </p:ext>
+    </p:extLst>
+  </p:cSld>
+  <p:clrMapOvr>
+    <a:masterClrMapping/>
+  </p:clrMapOvr>
+</p:notes>
+</file>
+
+<file path=ppt/notesSlides/notesSlide11.xml><?xml version="1.0" encoding="utf-8"?>
+<p:notes xmlns:a="http://schemas.openxmlformats.org/drawingml/2006/main" xmlns:r="http://schemas.openxmlformats.org/officeDocument/2006/relationships" xmlns:p="http://schemas.openxmlformats.org/presentationml/2006/main">
+  <p:cSld>
+    <p:spTree>
+      <p:nvGrpSpPr>
+        <p:cNvPr id="1" name=""/>
+        <p:cNvGrpSpPr/>
+        <p:nvPr/>
+      </p:nvGrpSpPr>
+      <p:grpSpPr>
+        <a:xfrm>
+          <a:off x="0" y="0"/>
+          <a:ext cx="0" cy="0"/>
+          <a:chOff x="0" y="0"/>
+          <a:chExt cx="0" cy="0"/>
+        </a:xfrm>
+      </p:grpSpPr>
+      <p:sp>
+        <p:nvSpPr>
+          <p:cNvPr id="81923" name="Rectangle 2"/>
+          <p:cNvSpPr>
+            <a:spLocks noGrp="1" noRot="1" noChangeAspect="1" noChangeArrowheads="1"/>
+          </p:cNvSpPr>
+          <p:nvPr>
+            <p:ph type="sldImg"/>
+          </p:nvPr>
+        </p:nvSpPr>
+        <p:spPr>
+          <a:solidFill>
+            <a:srgbClr val="FFFFFF"/>
+          </a:solidFill>
+          <a:ln/>
+        </p:spPr>
+      </p:sp>
+      <p:sp>
+        <p:nvSpPr>
+          <p:cNvPr id="81924" name="Rectangle 3"/>
+          <p:cNvSpPr>
+            <a:spLocks noGrp="1" noChangeArrowheads="1"/>
+          </p:cNvSpPr>
+          <p:nvPr>
+            <p:ph type="body" idx="1"/>
+          </p:nvPr>
+        </p:nvSpPr>
+        <p:spPr>
+          <a:solidFill>
+            <a:srgbClr val="FFFFFF"/>
+          </a:solidFill>
+          <a:ln>
+            <a:solidFill>
+              <a:srgbClr val="000000"/>
+            </a:solidFill>
+          </a:ln>
+          <a:extLst>
+            <a:ext uri="{FAA26D3D-D897-4be2-8F04-BA451C77F1D7}">
+              <ma14:placeholderFlag xmlns="" xmlns:ma14="http://schemas.microsoft.com/office/mac/drawingml/2011/main" val="1"/>
+            </a:ext>
+          </a:extLst>
+        </p:spPr>
+        <p:txBody>
+          <a:bodyPr/>
+          <a:lstStyle/>
+          <a:p>
+            <a:r>
+              <a:rPr lang="en-US" dirty="0">
+                <a:ea typeface="ＭＳ Ｐゴシック" charset="0"/>
+                <a:cs typeface="ＭＳ Ｐゴシック" charset="0"/>
+              </a:rPr>
+              <a:t>DHCP: </a:t>
+            </a:r>
+            <a:r>
+              <a:rPr lang="en-US" sz="1200" b="0" i="0" kern="1200" dirty="0">
+                <a:solidFill>
+                  <a:schemeClr val="tx1"/>
+                </a:solidFill>
+                <a:effectLst/>
+                <a:latin typeface="Arial" charset="0"/>
+                <a:ea typeface="ＭＳ Ｐゴシック" charset="-128"/>
+                <a:cs typeface="ＭＳ Ｐゴシック" charset="-128"/>
+              </a:rPr>
+              <a:t>Dynamic Host Configuration Protocol</a:t>
+            </a:r>
+            <a:endParaRPr lang="en-US" dirty="0">
+              <a:ea typeface="ＭＳ Ｐゴシック" charset="0"/>
+              <a:cs typeface="ＭＳ Ｐゴシック" charset="0"/>
+            </a:endParaRPr>
+          </a:p>
+        </p:txBody>
+      </p:sp>
+    </p:spTree>
+    <p:extLst>
+      <p:ext uri="{BB962C8B-B14F-4D97-AF65-F5344CB8AC3E}">
+        <p14:creationId xmlns:p14="http://schemas.microsoft.com/office/powerpoint/2010/main" val="369519187"/>
+      </p:ext>
+    </p:extLst>
+  </p:cSld>
+  <p:clrMapOvr>
+    <a:masterClrMapping/>
+  </p:clrMapOvr>
+</p:notes>
+</file>
+
+<file path=ppt/notesSlides/notesSlide12.xml><?xml version="1.0" encoding="utf-8"?>
+<p:notes xmlns:a="http://schemas.openxmlformats.org/drawingml/2006/main" xmlns:r="http://schemas.openxmlformats.org/officeDocument/2006/relationships" xmlns:p="http://schemas.openxmlformats.org/presentationml/2006/main">
+  <p:cSld>
+    <p:spTree>
+      <p:nvGrpSpPr>
+        <p:cNvPr id="1" name=""/>
+        <p:cNvGrpSpPr/>
+        <p:nvPr/>
+      </p:nvGrpSpPr>
+      <p:grpSpPr>
+        <a:xfrm>
+          <a:off x="0" y="0"/>
+          <a:ext cx="0" cy="0"/>
+          <a:chOff x="0" y="0"/>
+          <a:chExt cx="0" cy="0"/>
+        </a:xfrm>
+      </p:grpSpPr>
+      <p:sp>
+        <p:nvSpPr>
+          <p:cNvPr id="100354" name="Rectangle 7"/>
           <p:cNvSpPr>
             <a:spLocks noGrp="1" noChangeArrowheads="1"/>
           </p:cNvSpPr>
@@ -1173,14 +1358,14 @@
           <a:ln/>
           <a:extLst>
             <a:ext uri="{909E8E84-426E-40dd-AFC4-6F175D3DCCD1}">
-              <a14:hiddenFill xmlns:a14="http://schemas.microsoft.com/office/drawing/2010/main" xmlns="">
+              <a14:hiddenFill xmlns="" xmlns:a14="http://schemas.microsoft.com/office/drawing/2010/main">
                 <a:solidFill>
                   <a:srgbClr val="FFFFFF"/>
                 </a:solidFill>
               </a14:hiddenFill>
             </a:ext>
             <a:ext uri="{91240B29-F687-4f45-9708-019B960494DF}">
-              <a14:hiddenLine xmlns:a14="http://schemas.microsoft.com/office/drawing/2010/main" xmlns="" w="9525">
+              <a14:hiddenLine xmlns="" xmlns:a14="http://schemas.microsoft.com/office/drawing/2010/main" w="9525">
                 <a:solidFill>
                   <a:srgbClr val="000000"/>
                 </a:solidFill>
@@ -1311,12 +1496,12 @@
           </a:lstStyle>
           <a:p>
             <a:pPr eaLnBrk="1" hangingPunct="1"/>
-            <a:fld id="{8CA0CCB1-5C77-7B45-BE5D-9DEF4DCAA666}" type="slidenum">
+            <a:fld id="{8E6DECEB-02F6-8C41-99F5-759492C41FD1}" type="slidenum">
               <a:rPr lang="en-US" sz="1300" b="0">
                 <a:latin typeface="Times New Roman" charset="0"/>
               </a:rPr>
               <a:pPr eaLnBrk="1" hangingPunct="1"/>
-              <a:t>23</a:t>
+              <a:t>40</a:t>
             </a:fld>
             <a:endParaRPr lang="en-US" sz="1300" b="0">
               <a:latin typeface="Times New Roman" charset="0"/>
@@ -1326,7 +1511,7 @@
       </p:sp>
       <p:sp>
         <p:nvSpPr>
-          <p:cNvPr id="74755" name="Rectangle 2"/>
+          <p:cNvPr id="100355" name="Rectangle 2"/>
           <p:cNvSpPr>
             <a:spLocks noGrp="1" noRot="1" noChangeAspect="1" noChangeArrowheads="1"/>
           </p:cNvSpPr>
@@ -1343,7 +1528,7 @@
       </p:sp>
       <p:sp>
         <p:nvSpPr>
-          <p:cNvPr id="74756" name="Rectangle 3"/>
+          <p:cNvPr id="100356" name="Rectangle 3"/>
           <p:cNvSpPr>
             <a:spLocks noGrp="1" noChangeArrowheads="1"/>
           </p:cNvSpPr>
@@ -1362,7 +1547,7 @@
           </a:ln>
           <a:extLst>
             <a:ext uri="{FAA26D3D-D897-4be2-8F04-BA451C77F1D7}">
-              <ma14:placeholderFlag xmlns:ma14="http://schemas.microsoft.com/office/mac/drawingml/2011/main" xmlns="" val="1"/>
+              <ma14:placeholderFlag xmlns="" xmlns:ma14="http://schemas.microsoft.com/office/mac/drawingml/2011/main" val="1"/>
             </a:ext>
           </a:extLst>
         </p:spPr>
@@ -1380,192 +1565,7 @@
     </p:spTree>
     <p:extLst>
       <p:ext uri="{BB962C8B-B14F-4D97-AF65-F5344CB8AC3E}">
-        <p14:creationId xmlns:p14="http://schemas.microsoft.com/office/powerpoint/2010/main" val="1450100610"/>
-      </p:ext>
-    </p:extLst>
-  </p:cSld>
-  <p:clrMapOvr>
-    <a:masterClrMapping/>
-  </p:clrMapOvr>
-</p:notes>
-</file>
-
-<file path=ppt/notesSlides/notesSlide11.xml><?xml version="1.0" encoding="utf-8"?>
-<p:notes xmlns:a="http://schemas.openxmlformats.org/drawingml/2006/main" xmlns:r="http://schemas.openxmlformats.org/officeDocument/2006/relationships" xmlns:p="http://schemas.openxmlformats.org/presentationml/2006/main">
-  <p:cSld>
-    <p:spTree>
-      <p:nvGrpSpPr>
-        <p:cNvPr id="1" name=""/>
-        <p:cNvGrpSpPr/>
-        <p:nvPr/>
-      </p:nvGrpSpPr>
-      <p:grpSpPr>
-        <a:xfrm>
-          <a:off x="0" y="0"/>
-          <a:ext cx="0" cy="0"/>
-          <a:chOff x="0" y="0"/>
-          <a:chExt cx="0" cy="0"/>
-        </a:xfrm>
-      </p:grpSpPr>
-      <p:sp>
-        <p:nvSpPr>
-          <p:cNvPr id="102403" name="Rectangle 2"/>
-          <p:cNvSpPr>
-            <a:spLocks noGrp="1" noRot="1" noChangeAspect="1" noChangeArrowheads="1"/>
-          </p:cNvSpPr>
-          <p:nvPr>
-            <p:ph type="sldImg"/>
-          </p:nvPr>
-        </p:nvSpPr>
-        <p:spPr>
-          <a:solidFill>
-            <a:srgbClr val="FFFFFF"/>
-          </a:solidFill>
-          <a:ln/>
-        </p:spPr>
-      </p:sp>
-      <p:sp>
-        <p:nvSpPr>
-          <p:cNvPr id="102404" name="Rectangle 3"/>
-          <p:cNvSpPr>
-            <a:spLocks noGrp="1" noChangeArrowheads="1"/>
-          </p:cNvSpPr>
-          <p:nvPr>
-            <p:ph type="body" idx="1"/>
-          </p:nvPr>
-        </p:nvSpPr>
-        <p:spPr>
-          <a:solidFill>
-            <a:srgbClr val="FFFFFF"/>
-          </a:solidFill>
-          <a:ln>
-            <a:solidFill>
-              <a:srgbClr val="000000"/>
-            </a:solidFill>
-          </a:ln>
-          <a:extLst>
-            <a:ext uri="{FAA26D3D-D897-4be2-8F04-BA451C77F1D7}">
-              <ma14:placeholderFlag xmlns:ma14="http://schemas.microsoft.com/office/mac/drawingml/2011/main" xmlns="" val="1"/>
-            </a:ext>
-          </a:extLst>
-        </p:spPr>
-        <p:txBody>
-          <a:bodyPr/>
-          <a:lstStyle/>
-          <a:p>
-            <a:endParaRPr lang="en-US">
-              <a:ea typeface="ＭＳ Ｐゴシック" charset="0"/>
-              <a:cs typeface="ＭＳ Ｐゴシック" charset="0"/>
-            </a:endParaRPr>
-          </a:p>
-        </p:txBody>
-      </p:sp>
-    </p:spTree>
-    <p:extLst>
-      <p:ext uri="{BB962C8B-B14F-4D97-AF65-F5344CB8AC3E}">
-        <p14:creationId xmlns:p14="http://schemas.microsoft.com/office/powerpoint/2010/main" val="210176365"/>
-      </p:ext>
-    </p:extLst>
-  </p:cSld>
-  <p:clrMapOvr>
-    <a:masterClrMapping/>
-  </p:clrMapOvr>
-</p:notes>
-</file>
-
-<file path=ppt/notesSlides/notesSlide12.xml><?xml version="1.0" encoding="utf-8"?>
-<p:notes xmlns:a="http://schemas.openxmlformats.org/drawingml/2006/main" xmlns:r="http://schemas.openxmlformats.org/officeDocument/2006/relationships" xmlns:p="http://schemas.openxmlformats.org/presentationml/2006/main">
-  <p:cSld>
-    <p:spTree>
-      <p:nvGrpSpPr>
-        <p:cNvPr id="1" name=""/>
-        <p:cNvGrpSpPr/>
-        <p:nvPr/>
-      </p:nvGrpSpPr>
-      <p:grpSpPr>
-        <a:xfrm>
-          <a:off x="0" y="0"/>
-          <a:ext cx="0" cy="0"/>
-          <a:chOff x="0" y="0"/>
-          <a:chExt cx="0" cy="0"/>
-        </a:xfrm>
-      </p:grpSpPr>
-      <p:sp>
-        <p:nvSpPr>
-          <p:cNvPr id="81923" name="Rectangle 2"/>
-          <p:cNvSpPr>
-            <a:spLocks noGrp="1" noRot="1" noChangeAspect="1" noChangeArrowheads="1"/>
-          </p:cNvSpPr>
-          <p:nvPr>
-            <p:ph type="sldImg"/>
-          </p:nvPr>
-        </p:nvSpPr>
-        <p:spPr>
-          <a:solidFill>
-            <a:srgbClr val="FFFFFF"/>
-          </a:solidFill>
-          <a:ln/>
-        </p:spPr>
-      </p:sp>
-      <p:sp>
-        <p:nvSpPr>
-          <p:cNvPr id="81924" name="Rectangle 3"/>
-          <p:cNvSpPr>
-            <a:spLocks noGrp="1" noChangeArrowheads="1"/>
-          </p:cNvSpPr>
-          <p:nvPr>
-            <p:ph type="body" idx="1"/>
-          </p:nvPr>
-        </p:nvSpPr>
-        <p:spPr>
-          <a:solidFill>
-            <a:srgbClr val="FFFFFF"/>
-          </a:solidFill>
-          <a:ln>
-            <a:solidFill>
-              <a:srgbClr val="000000"/>
-            </a:solidFill>
-          </a:ln>
-          <a:extLst>
-            <a:ext uri="{FAA26D3D-D897-4be2-8F04-BA451C77F1D7}">
-              <ma14:placeholderFlag xmlns:ma14="http://schemas.microsoft.com/office/mac/drawingml/2011/main" xmlns="" val="1"/>
-            </a:ext>
-          </a:extLst>
-        </p:spPr>
-        <p:txBody>
-          <a:bodyPr/>
-          <a:lstStyle/>
-          <a:p>
-            <a:r>
-              <a:rPr lang="en-US" dirty="0">
-                <a:ea typeface="ＭＳ Ｐゴシック" charset="0"/>
-                <a:cs typeface="ＭＳ Ｐゴシック" charset="0"/>
-              </a:rPr>
-              <a:t>DHCP: </a:t>
-            </a:r>
-            <a:r>
-              <a:rPr lang="en-US" sz="1200" b="0" i="0" kern="1200" dirty="0">
-                <a:solidFill>
-                  <a:schemeClr val="tx1"/>
-                </a:solidFill>
-                <a:effectLst/>
-                <a:latin typeface="Arial" charset="0"/>
-                <a:ea typeface="ＭＳ Ｐゴシック" charset="-128"/>
-                <a:cs typeface="ＭＳ Ｐゴシック" charset="-128"/>
-              </a:rPr>
-              <a:t>Dynamic Host Configuration Protocol</a:t>
-            </a:r>
-            <a:endParaRPr lang="en-US" dirty="0">
-              <a:ea typeface="ＭＳ Ｐゴシック" charset="0"/>
-              <a:cs typeface="ＭＳ Ｐゴシック" charset="0"/>
-            </a:endParaRPr>
-          </a:p>
-        </p:txBody>
-      </p:sp>
-    </p:spTree>
-    <p:extLst>
-      <p:ext uri="{BB962C8B-B14F-4D97-AF65-F5344CB8AC3E}">
-        <p14:creationId xmlns:p14="http://schemas.microsoft.com/office/powerpoint/2010/main" val="369519187"/>
+        <p14:creationId xmlns:p14="http://schemas.microsoft.com/office/powerpoint/2010/main" val="2127717998"/>
       </p:ext>
     </p:extLst>
   </p:cSld>
@@ -1594,7 +1594,7 @@
       </p:grpSpPr>
       <p:sp>
         <p:nvSpPr>
-          <p:cNvPr id="100354" name="Rectangle 7"/>
+          <p:cNvPr id="92162" name="Rectangle 7"/>
           <p:cNvSpPr>
             <a:spLocks noGrp="1" noChangeArrowheads="1"/>
           </p:cNvSpPr>
@@ -1607,14 +1607,14 @@
           <a:ln/>
           <a:extLst>
             <a:ext uri="{909E8E84-426E-40dd-AFC4-6F175D3DCCD1}">
-              <a14:hiddenFill xmlns:a14="http://schemas.microsoft.com/office/drawing/2010/main" xmlns="">
+              <a14:hiddenFill xmlns="" xmlns:a14="http://schemas.microsoft.com/office/drawing/2010/main">
                 <a:solidFill>
                   <a:srgbClr val="FFFFFF"/>
                 </a:solidFill>
               </a14:hiddenFill>
             </a:ext>
             <a:ext uri="{91240B29-F687-4f45-9708-019B960494DF}">
-              <a14:hiddenLine xmlns:a14="http://schemas.microsoft.com/office/drawing/2010/main" xmlns="" w="9525">
+              <a14:hiddenLine xmlns="" xmlns:a14="http://schemas.microsoft.com/office/drawing/2010/main" w="9525">
                 <a:solidFill>
                   <a:srgbClr val="000000"/>
                 </a:solidFill>
@@ -1745,12 +1745,12 @@
           </a:lstStyle>
           <a:p>
             <a:pPr eaLnBrk="1" hangingPunct="1"/>
-            <a:fld id="{8E6DECEB-02F6-8C41-99F5-759492C41FD1}" type="slidenum">
+            <a:fld id="{5E7A2AF4-21A1-4549-972D-2D4D3C966DCF}" type="slidenum">
               <a:rPr lang="en-US" sz="1300" b="0">
                 <a:latin typeface="Times New Roman" charset="0"/>
               </a:rPr>
               <a:pPr eaLnBrk="1" hangingPunct="1"/>
-              <a:t>40</a:t>
+              <a:t>42</a:t>
             </a:fld>
             <a:endParaRPr lang="en-US" sz="1300" b="0">
               <a:latin typeface="Times New Roman" charset="0"/>
@@ -1760,7 +1760,7 @@
       </p:sp>
       <p:sp>
         <p:nvSpPr>
-          <p:cNvPr id="100355" name="Rectangle 2"/>
+          <p:cNvPr id="92163" name="Rectangle 2"/>
           <p:cNvSpPr>
             <a:spLocks noGrp="1" noRot="1" noChangeAspect="1" noChangeArrowheads="1"/>
           </p:cNvSpPr>
@@ -1777,7 +1777,7 @@
       </p:sp>
       <p:sp>
         <p:nvSpPr>
-          <p:cNvPr id="100356" name="Rectangle 3"/>
+          <p:cNvPr id="92164" name="Rectangle 3"/>
           <p:cNvSpPr>
             <a:spLocks noGrp="1" noChangeArrowheads="1"/>
           </p:cNvSpPr>
@@ -1796,7 +1796,7 @@
           </a:ln>
           <a:extLst>
             <a:ext uri="{FAA26D3D-D897-4be2-8F04-BA451C77F1D7}">
-              <ma14:placeholderFlag xmlns:ma14="http://schemas.microsoft.com/office/mac/drawingml/2011/main" xmlns="" val="1"/>
+              <ma14:placeholderFlag xmlns="" xmlns:ma14="http://schemas.microsoft.com/office/mac/drawingml/2011/main" val="1"/>
             </a:ext>
           </a:extLst>
         </p:spPr>
@@ -1814,7 +1814,7 @@
     </p:spTree>
     <p:extLst>
       <p:ext uri="{BB962C8B-B14F-4D97-AF65-F5344CB8AC3E}">
-        <p14:creationId xmlns:p14="http://schemas.microsoft.com/office/powerpoint/2010/main" val="2127717998"/>
+        <p14:creationId xmlns:p14="http://schemas.microsoft.com/office/powerpoint/2010/main" val="899712033"/>
       </p:ext>
     </p:extLst>
   </p:cSld>
@@ -1843,7 +1843,95 @@
       </p:grpSpPr>
       <p:sp>
         <p:nvSpPr>
-          <p:cNvPr id="92162" name="Rectangle 7"/>
+          <p:cNvPr id="2" name="Slide Image Placeholder 1"/>
+          <p:cNvSpPr>
+            <a:spLocks noGrp="1" noRot="1" noChangeAspect="1"/>
+          </p:cNvSpPr>
+          <p:nvPr>
+            <p:ph type="sldImg"/>
+          </p:nvPr>
+        </p:nvSpPr>
+        <p:spPr/>
+      </p:sp>
+      <p:sp>
+        <p:nvSpPr>
+          <p:cNvPr id="3" name="Notes Placeholder 2"/>
+          <p:cNvSpPr>
+            <a:spLocks noGrp="1"/>
+          </p:cNvSpPr>
+          <p:nvPr>
+            <p:ph type="body" idx="1"/>
+          </p:nvPr>
+        </p:nvSpPr>
+        <p:spPr/>
+        <p:txBody>
+          <a:bodyPr/>
+          <a:lstStyle/>
+          <a:p>
+            <a:r>
+              <a:rPr lang="en-US" dirty="0"/>
+              <a:t>60 Seconds</a:t>
+            </a:r>
+          </a:p>
+        </p:txBody>
+      </p:sp>
+      <p:sp>
+        <p:nvSpPr>
+          <p:cNvPr id="4" name="Slide Number Placeholder 3"/>
+          <p:cNvSpPr>
+            <a:spLocks noGrp="1"/>
+          </p:cNvSpPr>
+          <p:nvPr>
+            <p:ph type="sldNum" sz="quarter" idx="5"/>
+          </p:nvPr>
+        </p:nvSpPr>
+        <p:spPr/>
+        <p:txBody>
+          <a:bodyPr/>
+          <a:lstStyle/>
+          <a:p>
+            <a:fld id="{C7E9A20B-E167-2E4E-BE18-AA9F5BF5FBB1}" type="slidenum">
+              <a:rPr lang="en-US" smtClean="0"/>
+              <a:pPr/>
+              <a:t>43</a:t>
+            </a:fld>
+            <a:endParaRPr lang="en-US"/>
+          </a:p>
+        </p:txBody>
+      </p:sp>
+    </p:spTree>
+    <p:extLst>
+      <p:ext uri="{BB962C8B-B14F-4D97-AF65-F5344CB8AC3E}">
+        <p14:creationId xmlns:p14="http://schemas.microsoft.com/office/powerpoint/2010/main" val="1226546239"/>
+      </p:ext>
+    </p:extLst>
+  </p:cSld>
+  <p:clrMapOvr>
+    <a:masterClrMapping/>
+  </p:clrMapOvr>
+</p:notes>
+</file>
+
+<file path=ppt/notesSlides/notesSlide15.xml><?xml version="1.0" encoding="utf-8"?>
+<p:notes xmlns:a="http://schemas.openxmlformats.org/drawingml/2006/main" xmlns:r="http://schemas.openxmlformats.org/officeDocument/2006/relationships" xmlns:p="http://schemas.openxmlformats.org/presentationml/2006/main">
+  <p:cSld>
+    <p:spTree>
+      <p:nvGrpSpPr>
+        <p:cNvPr id="1" name=""/>
+        <p:cNvGrpSpPr/>
+        <p:nvPr/>
+      </p:nvGrpSpPr>
+      <p:grpSpPr>
+        <a:xfrm>
+          <a:off x="0" y="0"/>
+          <a:ext cx="0" cy="0"/>
+          <a:chOff x="0" y="0"/>
+          <a:chExt cx="0" cy="0"/>
+        </a:xfrm>
+      </p:grpSpPr>
+      <p:sp>
+        <p:nvSpPr>
+          <p:cNvPr id="94210" name="Rectangle 7"/>
           <p:cNvSpPr>
             <a:spLocks noGrp="1" noChangeArrowheads="1"/>
           </p:cNvSpPr>
@@ -1856,14 +1944,14 @@
           <a:ln/>
           <a:extLst>
             <a:ext uri="{909E8E84-426E-40dd-AFC4-6F175D3DCCD1}">
-              <a14:hiddenFill xmlns:a14="http://schemas.microsoft.com/office/drawing/2010/main" xmlns="">
+              <a14:hiddenFill xmlns="" xmlns:a14="http://schemas.microsoft.com/office/drawing/2010/main">
                 <a:solidFill>
                   <a:srgbClr val="FFFFFF"/>
                 </a:solidFill>
               </a14:hiddenFill>
             </a:ext>
             <a:ext uri="{91240B29-F687-4f45-9708-019B960494DF}">
-              <a14:hiddenLine xmlns:a14="http://schemas.microsoft.com/office/drawing/2010/main" xmlns="" w="9525">
+              <a14:hiddenLine xmlns="" xmlns:a14="http://schemas.microsoft.com/office/drawing/2010/main" w="9525">
                 <a:solidFill>
                   <a:srgbClr val="000000"/>
                 </a:solidFill>
@@ -1994,12 +2082,12 @@
           </a:lstStyle>
           <a:p>
             <a:pPr eaLnBrk="1" hangingPunct="1"/>
-            <a:fld id="{5E7A2AF4-21A1-4549-972D-2D4D3C966DCF}" type="slidenum">
+            <a:fld id="{F244B183-CBA1-BA47-8281-488AF6A9CE4D}" type="slidenum">
               <a:rPr lang="en-US" sz="1300" b="0">
                 <a:latin typeface="Times New Roman" charset="0"/>
               </a:rPr>
               <a:pPr eaLnBrk="1" hangingPunct="1"/>
-              <a:t>42</a:t>
+              <a:t>44</a:t>
             </a:fld>
             <a:endParaRPr lang="en-US" sz="1300" b="0">
               <a:latin typeface="Times New Roman" charset="0"/>
@@ -2009,7 +2097,7 @@
       </p:sp>
       <p:sp>
         <p:nvSpPr>
-          <p:cNvPr id="92163" name="Rectangle 2"/>
+          <p:cNvPr id="94211" name="Rectangle 2"/>
           <p:cNvSpPr>
             <a:spLocks noGrp="1" noRot="1" noChangeAspect="1" noChangeArrowheads="1"/>
           </p:cNvSpPr>
@@ -2026,7 +2114,7 @@
       </p:sp>
       <p:sp>
         <p:nvSpPr>
-          <p:cNvPr id="92164" name="Rectangle 3"/>
+          <p:cNvPr id="94212" name="Rectangle 3"/>
           <p:cNvSpPr>
             <a:spLocks noGrp="1" noChangeArrowheads="1"/>
           </p:cNvSpPr>
@@ -2045,7 +2133,7 @@
           </a:ln>
           <a:extLst>
             <a:ext uri="{FAA26D3D-D897-4be2-8F04-BA451C77F1D7}">
-              <ma14:placeholderFlag xmlns:ma14="http://schemas.microsoft.com/office/mac/drawingml/2011/main" xmlns="" val="1"/>
+              <ma14:placeholderFlag xmlns="" xmlns:ma14="http://schemas.microsoft.com/office/mac/drawingml/2011/main" val="1"/>
             </a:ext>
           </a:extLst>
         </p:spPr>
@@ -2063,7 +2151,7 @@
     </p:spTree>
     <p:extLst>
       <p:ext uri="{BB962C8B-B14F-4D97-AF65-F5344CB8AC3E}">
-        <p14:creationId xmlns:p14="http://schemas.microsoft.com/office/powerpoint/2010/main" val="899712033"/>
+        <p14:creationId xmlns:p14="http://schemas.microsoft.com/office/powerpoint/2010/main" val="1689235107"/>
       </p:ext>
     </p:extLst>
   </p:cSld>
@@ -2073,7 +2161,7 @@
 </p:notes>
 </file>
 
-<file path=ppt/notesSlides/notesSlide15.xml><?xml version="1.0" encoding="utf-8"?>
+<file path=ppt/notesSlides/notesSlide16.xml><?xml version="1.0" encoding="utf-8"?>
 <p:notes xmlns:a="http://schemas.openxmlformats.org/drawingml/2006/main" xmlns:r="http://schemas.openxmlformats.org/officeDocument/2006/relationships" xmlns:p="http://schemas.openxmlformats.org/presentationml/2006/main">
   <p:cSld>
     <p:spTree>
@@ -2092,7 +2180,7 @@
       </p:grpSpPr>
       <p:sp>
         <p:nvSpPr>
-          <p:cNvPr id="94210" name="Rectangle 7"/>
+          <p:cNvPr id="64514" name="Rectangle 7"/>
           <p:cNvSpPr>
             <a:spLocks noGrp="1" noChangeArrowheads="1"/>
           </p:cNvSpPr>
@@ -2105,14 +2193,14 @@
           <a:ln/>
           <a:extLst>
             <a:ext uri="{909E8E84-426E-40dd-AFC4-6F175D3DCCD1}">
-              <a14:hiddenFill xmlns:a14="http://schemas.microsoft.com/office/drawing/2010/main" xmlns="">
+              <a14:hiddenFill xmlns="" xmlns:a14="http://schemas.microsoft.com/office/drawing/2010/main">
                 <a:solidFill>
                   <a:srgbClr val="FFFFFF"/>
                 </a:solidFill>
               </a14:hiddenFill>
             </a:ext>
             <a:ext uri="{91240B29-F687-4f45-9708-019B960494DF}">
-              <a14:hiddenLine xmlns:a14="http://schemas.microsoft.com/office/drawing/2010/main" xmlns="" w="9525">
+              <a14:hiddenLine xmlns="" xmlns:a14="http://schemas.microsoft.com/office/drawing/2010/main" w="9525">
                 <a:solidFill>
                   <a:srgbClr val="000000"/>
                 </a:solidFill>
@@ -2243,12 +2331,12 @@
           </a:lstStyle>
           <a:p>
             <a:pPr eaLnBrk="1" hangingPunct="1"/>
-            <a:fld id="{F244B183-CBA1-BA47-8281-488AF6A9CE4D}" type="slidenum">
+            <a:fld id="{F2A1D53B-0B65-174C-A832-8F76934966BD}" type="slidenum">
               <a:rPr lang="en-US" sz="1300" b="0">
                 <a:latin typeface="Times New Roman" charset="0"/>
               </a:rPr>
               <a:pPr eaLnBrk="1" hangingPunct="1"/>
-              <a:t>44</a:t>
+              <a:t>46</a:t>
             </a:fld>
             <a:endParaRPr lang="en-US" sz="1300" b="0">
               <a:latin typeface="Times New Roman" charset="0"/>
@@ -2258,7 +2346,7 @@
       </p:sp>
       <p:sp>
         <p:nvSpPr>
-          <p:cNvPr id="94211" name="Rectangle 2"/>
+          <p:cNvPr id="64515" name="Rectangle 2"/>
           <p:cNvSpPr>
             <a:spLocks noGrp="1" noRot="1" noChangeAspect="1" noChangeArrowheads="1"/>
           </p:cNvSpPr>
@@ -2275,7 +2363,7 @@
       </p:sp>
       <p:sp>
         <p:nvSpPr>
-          <p:cNvPr id="94212" name="Rectangle 3"/>
+          <p:cNvPr id="64516" name="Rectangle 3"/>
           <p:cNvSpPr>
             <a:spLocks noGrp="1" noChangeArrowheads="1"/>
           </p:cNvSpPr>
@@ -2294,7 +2382,7 @@
           </a:ln>
           <a:extLst>
             <a:ext uri="{FAA26D3D-D897-4be2-8F04-BA451C77F1D7}">
-              <ma14:placeholderFlag xmlns:ma14="http://schemas.microsoft.com/office/mac/drawingml/2011/main" xmlns="" val="1"/>
+              <ma14:placeholderFlag xmlns="" xmlns:ma14="http://schemas.microsoft.com/office/mac/drawingml/2011/main" val="1"/>
             </a:ext>
           </a:extLst>
         </p:spPr>
@@ -2312,7 +2400,7 @@
     </p:spTree>
     <p:extLst>
       <p:ext uri="{BB962C8B-B14F-4D97-AF65-F5344CB8AC3E}">
-        <p14:creationId xmlns:p14="http://schemas.microsoft.com/office/powerpoint/2010/main" val="1689235107"/>
+        <p14:creationId xmlns:p14="http://schemas.microsoft.com/office/powerpoint/2010/main" val="618252872"/>
       </p:ext>
     </p:extLst>
   </p:cSld>
@@ -2322,7 +2410,7 @@
 </p:notes>
 </file>
 
-<file path=ppt/notesSlides/notesSlide16.xml><?xml version="1.0" encoding="utf-8"?>
+<file path=ppt/notesSlides/notesSlide17.xml><?xml version="1.0" encoding="utf-8"?>
 <p:notes xmlns:a="http://schemas.openxmlformats.org/drawingml/2006/main" xmlns:r="http://schemas.openxmlformats.org/officeDocument/2006/relationships" xmlns:p="http://schemas.openxmlformats.org/presentationml/2006/main">
   <p:cSld>
     <p:spTree>
@@ -2341,12 +2429,281 @@
       </p:grpSpPr>
       <p:sp>
         <p:nvSpPr>
-          <p:cNvPr id="64514" name="Rectangle 7"/>
+          <p:cNvPr id="2" name="Slide Image Placeholder 1"/>
+          <p:cNvSpPr>
+            <a:spLocks noGrp="1" noRot="1" noChangeAspect="1"/>
+          </p:cNvSpPr>
+          <p:nvPr>
+            <p:ph type="sldImg"/>
+          </p:nvPr>
+        </p:nvSpPr>
+        <p:spPr/>
+      </p:sp>
+      <p:sp>
+        <p:nvSpPr>
+          <p:cNvPr id="3" name="Notes Placeholder 2"/>
+          <p:cNvSpPr>
+            <a:spLocks noGrp="1"/>
+          </p:cNvSpPr>
+          <p:nvPr>
+            <p:ph type="body" idx="1"/>
+          </p:nvPr>
+        </p:nvSpPr>
+        <p:spPr/>
+        <p:txBody>
+          <a:bodyPr/>
+          <a:lstStyle/>
+          <a:p>
+            <a:endParaRPr lang="en-US"/>
+          </a:p>
+        </p:txBody>
+      </p:sp>
+      <p:sp>
+        <p:nvSpPr>
+          <p:cNvPr id="4" name="Slide Number Placeholder 3"/>
+          <p:cNvSpPr>
+            <a:spLocks noGrp="1"/>
+          </p:cNvSpPr>
+          <p:nvPr>
+            <p:ph type="sldNum" sz="quarter" idx="10"/>
+          </p:nvPr>
+        </p:nvSpPr>
+        <p:spPr/>
+        <p:txBody>
+          <a:bodyPr/>
+          <a:lstStyle/>
+          <a:p>
+            <a:fld id="{C7E9A20B-E167-2E4E-BE18-AA9F5BF5FBB1}" type="slidenum">
+              <a:rPr lang="en-US" smtClean="0"/>
+              <a:pPr/>
+              <a:t>47</a:t>
+            </a:fld>
+            <a:endParaRPr lang="en-US"/>
+          </a:p>
+        </p:txBody>
+      </p:sp>
+    </p:spTree>
+    <p:extLst>
+      <p:ext uri="{BB962C8B-B14F-4D97-AF65-F5344CB8AC3E}">
+        <p14:creationId xmlns:p14="http://schemas.microsoft.com/office/powerpoint/2010/main" val="1271755660"/>
+      </p:ext>
+    </p:extLst>
+  </p:cSld>
+  <p:clrMapOvr>
+    <a:masterClrMapping/>
+  </p:clrMapOvr>
+</p:notes>
+</file>
+
+<file path=ppt/notesSlides/notesSlide2.xml><?xml version="1.0" encoding="utf-8"?>
+<p:notes xmlns:a="http://schemas.openxmlformats.org/drawingml/2006/main" xmlns:r="http://schemas.openxmlformats.org/officeDocument/2006/relationships" xmlns:p="http://schemas.openxmlformats.org/presentationml/2006/main">
+  <p:cSld>
+    <p:spTree>
+      <p:nvGrpSpPr>
+        <p:cNvPr id="1" name=""/>
+        <p:cNvGrpSpPr/>
+        <p:nvPr/>
+      </p:nvGrpSpPr>
+      <p:grpSpPr>
+        <a:xfrm>
+          <a:off x="0" y="0"/>
+          <a:ext cx="0" cy="0"/>
+          <a:chOff x="0" y="0"/>
+          <a:chExt cx="0" cy="0"/>
+        </a:xfrm>
+      </p:grpSpPr>
+      <p:sp>
+        <p:nvSpPr>
+          <p:cNvPr id="2" name="Slide Image Placeholder 1"/>
+          <p:cNvSpPr>
+            <a:spLocks noGrp="1" noRot="1" noChangeAspect="1"/>
+          </p:cNvSpPr>
+          <p:nvPr>
+            <p:ph type="sldImg"/>
+          </p:nvPr>
+        </p:nvSpPr>
+        <p:spPr/>
+      </p:sp>
+      <p:sp>
+        <p:nvSpPr>
+          <p:cNvPr id="3" name="Notes Placeholder 2"/>
+          <p:cNvSpPr>
+            <a:spLocks noGrp="1"/>
+          </p:cNvSpPr>
+          <p:nvPr>
+            <p:ph type="body" idx="1"/>
+          </p:nvPr>
+        </p:nvSpPr>
+        <p:spPr/>
+        <p:txBody>
+          <a:bodyPr/>
+          <a:lstStyle/>
+          <a:p>
+            <a:endParaRPr lang="en-US"/>
+          </a:p>
+        </p:txBody>
+      </p:sp>
+      <p:sp>
+        <p:nvSpPr>
+          <p:cNvPr id="4" name="Slide Number Placeholder 3"/>
+          <p:cNvSpPr>
+            <a:spLocks noGrp="1"/>
+          </p:cNvSpPr>
+          <p:nvPr>
+            <p:ph type="sldNum" sz="quarter" idx="10"/>
+          </p:nvPr>
+        </p:nvSpPr>
+        <p:spPr/>
+        <p:txBody>
+          <a:bodyPr/>
+          <a:lstStyle/>
+          <a:p>
+            <a:fld id="{C7E9A20B-E167-2E4E-BE18-AA9F5BF5FBB1}" type="slidenum">
+              <a:rPr lang="en-US" smtClean="0"/>
+              <a:pPr/>
+              <a:t>2</a:t>
+            </a:fld>
+            <a:endParaRPr lang="en-US"/>
+          </a:p>
+        </p:txBody>
+      </p:sp>
+    </p:spTree>
+    <p:extLst>
+      <p:ext uri="{BB962C8B-B14F-4D97-AF65-F5344CB8AC3E}">
+        <p14:creationId xmlns:p14="http://schemas.microsoft.com/office/powerpoint/2010/main" val="961720608"/>
+      </p:ext>
+    </p:extLst>
+  </p:cSld>
+  <p:clrMapOvr>
+    <a:masterClrMapping/>
+  </p:clrMapOvr>
+</p:notes>
+</file>
+
+<file path=ppt/notesSlides/notesSlide3.xml><?xml version="1.0" encoding="utf-8"?>
+<p:notes xmlns:a="http://schemas.openxmlformats.org/drawingml/2006/main" xmlns:r="http://schemas.openxmlformats.org/officeDocument/2006/relationships" xmlns:p="http://schemas.openxmlformats.org/presentationml/2006/main">
+  <p:cSld>
+    <p:spTree>
+      <p:nvGrpSpPr>
+        <p:cNvPr id="1" name=""/>
+        <p:cNvGrpSpPr/>
+        <p:nvPr/>
+      </p:nvGrpSpPr>
+      <p:grpSpPr>
+        <a:xfrm>
+          <a:off x="0" y="0"/>
+          <a:ext cx="0" cy="0"/>
+          <a:chOff x="0" y="0"/>
+          <a:chExt cx="0" cy="0"/>
+        </a:xfrm>
+      </p:grpSpPr>
+      <p:sp>
+        <p:nvSpPr>
+          <p:cNvPr id="2" name="Slide Image Placeholder 1"/>
+          <p:cNvSpPr>
+            <a:spLocks noGrp="1" noRot="1" noChangeAspect="1"/>
+          </p:cNvSpPr>
+          <p:nvPr>
+            <p:ph type="sldImg"/>
+          </p:nvPr>
+        </p:nvSpPr>
+        <p:spPr/>
+      </p:sp>
+      <p:sp>
+        <p:nvSpPr>
+          <p:cNvPr id="3" name="Notes Placeholder 2"/>
+          <p:cNvSpPr>
+            <a:spLocks noGrp="1"/>
+          </p:cNvSpPr>
+          <p:nvPr>
+            <p:ph type="body" idx="1"/>
+          </p:nvPr>
+        </p:nvSpPr>
+        <p:spPr/>
+        <p:txBody>
+          <a:bodyPr/>
+          <a:lstStyle/>
+          <a:p>
+            <a:endParaRPr lang="en-US"/>
+          </a:p>
+        </p:txBody>
+      </p:sp>
+      <p:sp>
+        <p:nvSpPr>
+          <p:cNvPr id="4" name="Slide Number Placeholder 3"/>
+          <p:cNvSpPr>
+            <a:spLocks noGrp="1"/>
+          </p:cNvSpPr>
+          <p:nvPr>
+            <p:ph type="sldNum" sz="quarter" idx="10"/>
+          </p:nvPr>
+        </p:nvSpPr>
+        <p:spPr/>
+        <p:txBody>
+          <a:bodyPr/>
+          <a:lstStyle/>
+          <a:p>
+            <a:fld id="{C7E9A20B-E167-2E4E-BE18-AA9F5BF5FBB1}" type="slidenum">
+              <a:rPr lang="en-US" smtClean="0"/>
+              <a:pPr/>
+              <a:t>3</a:t>
+            </a:fld>
+            <a:endParaRPr lang="en-US"/>
+          </a:p>
+        </p:txBody>
+      </p:sp>
+    </p:spTree>
+    <p:extLst>
+      <p:ext uri="{BB962C8B-B14F-4D97-AF65-F5344CB8AC3E}">
+        <p14:creationId xmlns:p14="http://schemas.microsoft.com/office/powerpoint/2010/main" val="821622620"/>
+      </p:ext>
+    </p:extLst>
+  </p:cSld>
+  <p:clrMapOvr>
+    <a:masterClrMapping/>
+  </p:clrMapOvr>
+</p:notes>
+</file>
+
+<file path=ppt/notesSlides/notesSlide4.xml><?xml version="1.0" encoding="utf-8"?>
+<p:notes xmlns:a="http://schemas.openxmlformats.org/drawingml/2006/main" xmlns:r="http://schemas.openxmlformats.org/officeDocument/2006/relationships" xmlns:p="http://schemas.openxmlformats.org/presentationml/2006/main">
+  <p:cSld>
+    <p:spTree>
+      <p:nvGrpSpPr>
+        <p:cNvPr id="1" name=""/>
+        <p:cNvGrpSpPr/>
+        <p:nvPr/>
+      </p:nvGrpSpPr>
+      <p:grpSpPr>
+        <a:xfrm>
+          <a:off x="0" y="0"/>
+          <a:ext cx="0" cy="0"/>
+          <a:chOff x="0" y="0"/>
+          <a:chExt cx="0" cy="0"/>
+        </a:xfrm>
+      </p:grpSpPr>
+      <p:sp>
+        <p:nvSpPr>
+          <p:cNvPr id="105475" name="Rectangle 2"/>
+          <p:cNvSpPr>
+            <a:spLocks noGrp="1" noRot="1" noChangeAspect="1" noChangeArrowheads="1" noTextEdit="1"/>
+          </p:cNvSpPr>
+          <p:nvPr>
+            <p:ph type="sldImg"/>
+          </p:nvPr>
+        </p:nvSpPr>
+        <p:spPr>
+          <a:ln/>
+        </p:spPr>
+      </p:sp>
+      <p:sp>
+        <p:nvSpPr>
+          <p:cNvPr id="105476" name="Rectangle 3"/>
           <p:cNvSpPr>
             <a:spLocks noGrp="1" noChangeArrowheads="1"/>
           </p:cNvSpPr>
           <p:nvPr>
-            <p:ph type="sldNum" sz="quarter" idx="5"/>
+            <p:ph type="body" idx="1"/>
           </p:nvPr>
         </p:nvSpPr>
         <p:spPr>
@@ -2354,14 +2711,402 @@
           <a:ln/>
           <a:extLst>
             <a:ext uri="{909E8E84-426E-40dd-AFC4-6F175D3DCCD1}">
-              <a14:hiddenFill xmlns:a14="http://schemas.microsoft.com/office/drawing/2010/main" xmlns="">
+              <a14:hiddenFill xmlns="" xmlns:a14="http://schemas.microsoft.com/office/drawing/2010/main">
                 <a:solidFill>
                   <a:srgbClr val="FFFFFF"/>
                 </a:solidFill>
               </a14:hiddenFill>
             </a:ext>
             <a:ext uri="{91240B29-F687-4f45-9708-019B960494DF}">
-              <a14:hiddenLine xmlns:a14="http://schemas.microsoft.com/office/drawing/2010/main" xmlns="" w="9525">
+              <a14:hiddenLine xmlns="" xmlns:a14="http://schemas.microsoft.com/office/drawing/2010/main" w="9525">
+                <a:solidFill>
+                  <a:srgbClr val="000000"/>
+                </a:solidFill>
+                <a:miter lim="800000"/>
+                <a:headEnd/>
+                <a:tailEnd/>
+              </a14:hiddenLine>
+            </a:ext>
+          </a:extLst>
+        </p:spPr>
+        <p:txBody>
+          <a:bodyPr/>
+          <a:lstStyle/>
+          <a:p>
+            <a:r>
+              <a:rPr lang="en-US">
+                <a:ea typeface="ＭＳ Ｐゴシック" charset="0"/>
+                <a:cs typeface="ＭＳ Ｐゴシック" charset="0"/>
+              </a:rPr>
+              <a:t>Transcoding = change compression rate per user</a:t>
+            </a:r>
+            <a:r>
+              <a:rPr lang="ja-JP" altLang="en-US">
+                <a:ea typeface="ＭＳ Ｐゴシック" charset="0"/>
+                <a:cs typeface="ＭＳ Ｐゴシック" charset="0"/>
+              </a:rPr>
+              <a:t>’</a:t>
+            </a:r>
+            <a:r>
+              <a:rPr lang="en-US">
+                <a:ea typeface="ＭＳ Ｐゴシック" charset="0"/>
+                <a:cs typeface="ＭＳ Ｐゴシック" charset="0"/>
+              </a:rPr>
+              <a:t>s bandwidth</a:t>
+            </a:r>
+          </a:p>
+        </p:txBody>
+      </p:sp>
+    </p:spTree>
+    <p:extLst>
+      <p:ext uri="{BB962C8B-B14F-4D97-AF65-F5344CB8AC3E}">
+        <p14:creationId xmlns:p14="http://schemas.microsoft.com/office/powerpoint/2010/main" val="1570659550"/>
+      </p:ext>
+    </p:extLst>
+  </p:cSld>
+  <p:clrMapOvr>
+    <a:masterClrMapping/>
+  </p:clrMapOvr>
+</p:notes>
+</file>
+
+<file path=ppt/notesSlides/notesSlide5.xml><?xml version="1.0" encoding="utf-8"?>
+<p:notes xmlns:a="http://schemas.openxmlformats.org/drawingml/2006/main" xmlns:r="http://schemas.openxmlformats.org/officeDocument/2006/relationships" xmlns:p="http://schemas.openxmlformats.org/presentationml/2006/main">
+  <p:cSld>
+    <p:spTree>
+      <p:nvGrpSpPr>
+        <p:cNvPr id="1" name=""/>
+        <p:cNvGrpSpPr/>
+        <p:nvPr/>
+      </p:nvGrpSpPr>
+      <p:grpSpPr>
+        <a:xfrm>
+          <a:off x="0" y="0"/>
+          <a:ext cx="0" cy="0"/>
+          <a:chOff x="0" y="0"/>
+          <a:chExt cx="0" cy="0"/>
+        </a:xfrm>
+      </p:grpSpPr>
+      <p:sp>
+        <p:nvSpPr>
+          <p:cNvPr id="109571" name="Rectangle 2"/>
+          <p:cNvSpPr>
+            <a:spLocks noGrp="1" noRot="1" noChangeAspect="1" noChangeArrowheads="1" noTextEdit="1"/>
+          </p:cNvSpPr>
+          <p:nvPr>
+            <p:ph type="sldImg"/>
+          </p:nvPr>
+        </p:nvSpPr>
+        <p:spPr>
+          <a:ln/>
+        </p:spPr>
+      </p:sp>
+      <p:sp>
+        <p:nvSpPr>
+          <p:cNvPr id="109572" name="Rectangle 3"/>
+          <p:cNvSpPr>
+            <a:spLocks noGrp="1" noChangeArrowheads="1"/>
+          </p:cNvSpPr>
+          <p:nvPr>
+            <p:ph type="body" idx="1"/>
+          </p:nvPr>
+        </p:nvSpPr>
+        <p:spPr>
+          <a:noFill/>
+          <a:ln/>
+          <a:extLst>
+            <a:ext uri="{FAA26D3D-D897-4be2-8F04-BA451C77F1D7}">
+              <ma14:placeholderFlag xmlns="" xmlns:ma14="http://schemas.microsoft.com/office/mac/drawingml/2011/main" val="1"/>
+            </a:ext>
+            <a:ext uri="{909E8E84-426E-40dd-AFC4-6F175D3DCCD1}">
+              <a14:hiddenFill xmlns="" xmlns:a14="http://schemas.microsoft.com/office/drawing/2010/main">
+                <a:solidFill>
+                  <a:srgbClr val="FFFFFF"/>
+                </a:solidFill>
+              </a14:hiddenFill>
+            </a:ext>
+            <a:ext uri="{91240B29-F687-4f45-9708-019B960494DF}">
+              <a14:hiddenLine xmlns="" xmlns:a14="http://schemas.microsoft.com/office/drawing/2010/main" w="9525">
+                <a:solidFill>
+                  <a:srgbClr val="000000"/>
+                </a:solidFill>
+                <a:miter lim="800000"/>
+                <a:headEnd/>
+                <a:tailEnd/>
+              </a14:hiddenLine>
+            </a:ext>
+          </a:extLst>
+        </p:spPr>
+        <p:txBody>
+          <a:bodyPr/>
+          <a:lstStyle/>
+          <a:p>
+            <a:endParaRPr lang="en-US">
+              <a:ea typeface="ＭＳ Ｐゴシック" charset="0"/>
+              <a:cs typeface="ＭＳ Ｐゴシック" charset="0"/>
+            </a:endParaRPr>
+          </a:p>
+        </p:txBody>
+      </p:sp>
+    </p:spTree>
+    <p:extLst>
+      <p:ext uri="{BB962C8B-B14F-4D97-AF65-F5344CB8AC3E}">
+        <p14:creationId xmlns:p14="http://schemas.microsoft.com/office/powerpoint/2010/main" val="1778378717"/>
+      </p:ext>
+    </p:extLst>
+  </p:cSld>
+  <p:clrMapOvr>
+    <a:masterClrMapping/>
+  </p:clrMapOvr>
+</p:notes>
+</file>
+
+<file path=ppt/notesSlides/notesSlide6.xml><?xml version="1.0" encoding="utf-8"?>
+<p:notes xmlns:a="http://schemas.openxmlformats.org/drawingml/2006/main" xmlns:r="http://schemas.openxmlformats.org/officeDocument/2006/relationships" xmlns:p="http://schemas.openxmlformats.org/presentationml/2006/main">
+  <p:cSld>
+    <p:spTree>
+      <p:nvGrpSpPr>
+        <p:cNvPr id="1" name=""/>
+        <p:cNvGrpSpPr/>
+        <p:nvPr/>
+      </p:nvGrpSpPr>
+      <p:grpSpPr>
+        <a:xfrm>
+          <a:off x="0" y="0"/>
+          <a:ext cx="0" cy="0"/>
+          <a:chOff x="0" y="0"/>
+          <a:chExt cx="0" cy="0"/>
+        </a:xfrm>
+      </p:grpSpPr>
+      <p:sp>
+        <p:nvSpPr>
+          <p:cNvPr id="109571" name="Rectangle 2"/>
+          <p:cNvSpPr>
+            <a:spLocks noGrp="1" noRot="1" noChangeAspect="1" noChangeArrowheads="1" noTextEdit="1"/>
+          </p:cNvSpPr>
+          <p:nvPr>
+            <p:ph type="sldImg"/>
+          </p:nvPr>
+        </p:nvSpPr>
+        <p:spPr>
+          <a:ln/>
+        </p:spPr>
+      </p:sp>
+      <p:sp>
+        <p:nvSpPr>
+          <p:cNvPr id="109572" name="Rectangle 3"/>
+          <p:cNvSpPr>
+            <a:spLocks noGrp="1" noChangeArrowheads="1"/>
+          </p:cNvSpPr>
+          <p:nvPr>
+            <p:ph type="body" idx="1"/>
+          </p:nvPr>
+        </p:nvSpPr>
+        <p:spPr>
+          <a:noFill/>
+          <a:ln/>
+          <a:extLst>
+            <a:ext uri="{FAA26D3D-D897-4be2-8F04-BA451C77F1D7}">
+              <ma14:placeholderFlag xmlns="" xmlns:ma14="http://schemas.microsoft.com/office/mac/drawingml/2011/main" val="1"/>
+            </a:ext>
+            <a:ext uri="{909E8E84-426E-40dd-AFC4-6F175D3DCCD1}">
+              <a14:hiddenFill xmlns="" xmlns:a14="http://schemas.microsoft.com/office/drawing/2010/main">
+                <a:solidFill>
+                  <a:srgbClr val="FFFFFF"/>
+                </a:solidFill>
+              </a14:hiddenFill>
+            </a:ext>
+            <a:ext uri="{91240B29-F687-4f45-9708-019B960494DF}">
+              <a14:hiddenLine xmlns="" xmlns:a14="http://schemas.microsoft.com/office/drawing/2010/main" w="9525">
+                <a:solidFill>
+                  <a:srgbClr val="000000"/>
+                </a:solidFill>
+                <a:miter lim="800000"/>
+                <a:headEnd/>
+                <a:tailEnd/>
+              </a14:hiddenLine>
+            </a:ext>
+          </a:extLst>
+        </p:spPr>
+        <p:txBody>
+          <a:bodyPr/>
+          <a:lstStyle/>
+          <a:p>
+            <a:endParaRPr lang="en-US">
+              <a:ea typeface="ＭＳ Ｐゴシック" charset="0"/>
+              <a:cs typeface="ＭＳ Ｐゴシック" charset="0"/>
+            </a:endParaRPr>
+          </a:p>
+        </p:txBody>
+      </p:sp>
+    </p:spTree>
+    <p:extLst>
+      <p:ext uri="{BB962C8B-B14F-4D97-AF65-F5344CB8AC3E}">
+        <p14:creationId xmlns:p14="http://schemas.microsoft.com/office/powerpoint/2010/main" val="1788035888"/>
+      </p:ext>
+    </p:extLst>
+  </p:cSld>
+  <p:clrMapOvr>
+    <a:masterClrMapping/>
+  </p:clrMapOvr>
+</p:notes>
+</file>
+
+<file path=ppt/notesSlides/notesSlide7.xml><?xml version="1.0" encoding="utf-8"?>
+<p:notes xmlns:a="http://schemas.openxmlformats.org/drawingml/2006/main" xmlns:r="http://schemas.openxmlformats.org/officeDocument/2006/relationships" xmlns:p="http://schemas.openxmlformats.org/presentationml/2006/main">
+  <p:cSld>
+    <p:spTree>
+      <p:nvGrpSpPr>
+        <p:cNvPr id="1" name=""/>
+        <p:cNvGrpSpPr/>
+        <p:nvPr/>
+      </p:nvGrpSpPr>
+      <p:grpSpPr>
+        <a:xfrm>
+          <a:off x="0" y="0"/>
+          <a:ext cx="0" cy="0"/>
+          <a:chOff x="0" y="0"/>
+          <a:chExt cx="0" cy="0"/>
+        </a:xfrm>
+      </p:grpSpPr>
+      <p:sp>
+        <p:nvSpPr>
+          <p:cNvPr id="2" name="Slide Image Placeholder 1"/>
+          <p:cNvSpPr>
+            <a:spLocks noGrp="1" noRot="1" noChangeAspect="1"/>
+          </p:cNvSpPr>
+          <p:nvPr>
+            <p:ph type="sldImg"/>
+          </p:nvPr>
+        </p:nvSpPr>
+        <p:spPr/>
+      </p:sp>
+      <p:sp>
+        <p:nvSpPr>
+          <p:cNvPr id="3" name="Notes Placeholder 2"/>
+          <p:cNvSpPr>
+            <a:spLocks noGrp="1"/>
+          </p:cNvSpPr>
+          <p:nvPr>
+            <p:ph type="body" idx="1"/>
+          </p:nvPr>
+        </p:nvSpPr>
+        <p:spPr/>
+        <p:txBody>
+          <a:bodyPr/>
+          <a:lstStyle/>
+          <a:p>
+            <a:r>
+              <a:rPr lang="en-US" dirty="0"/>
+              <a:t>ICANN: </a:t>
+            </a:r>
+            <a:r>
+              <a:rPr lang="en-US" sz="1200" b="0" i="0" kern="1200" dirty="0">
+                <a:solidFill>
+                  <a:schemeClr val="tx1"/>
+                </a:solidFill>
+                <a:effectLst/>
+                <a:latin typeface="Arial" charset="0"/>
+                <a:ea typeface="ＭＳ Ｐゴシック" charset="-128"/>
+                <a:cs typeface="ＭＳ Ｐゴシック" charset="-128"/>
+              </a:rPr>
+              <a:t>Internet Corporation for Assigned Names and Numbers</a:t>
+            </a:r>
+          </a:p>
+          <a:p>
+            <a:r>
+              <a:rPr lang="en-US" sz="1200" b="0" i="0" kern="1200" dirty="0">
+                <a:solidFill>
+                  <a:schemeClr val="tx1"/>
+                </a:solidFill>
+                <a:effectLst/>
+                <a:latin typeface="Arial" charset="0"/>
+                <a:ea typeface="ＭＳ Ｐゴシック" charset="-128"/>
+                <a:cs typeface="ＭＳ Ｐゴシック" charset="-128"/>
+              </a:rPr>
+              <a:t>IANA: Internet Assigned Numbers Authority</a:t>
+            </a:r>
+            <a:endParaRPr lang="en-US" dirty="0"/>
+          </a:p>
+        </p:txBody>
+      </p:sp>
+      <p:sp>
+        <p:nvSpPr>
+          <p:cNvPr id="4" name="Slide Number Placeholder 3"/>
+          <p:cNvSpPr>
+            <a:spLocks noGrp="1"/>
+          </p:cNvSpPr>
+          <p:nvPr>
+            <p:ph type="sldNum" sz="quarter" idx="10"/>
+          </p:nvPr>
+        </p:nvSpPr>
+        <p:spPr/>
+        <p:txBody>
+          <a:bodyPr/>
+          <a:lstStyle/>
+          <a:p>
+            <a:fld id="{C7E9A20B-E167-2E4E-BE18-AA9F5BF5FBB1}" type="slidenum">
+              <a:rPr lang="en-US" smtClean="0"/>
+              <a:pPr/>
+              <a:t>19</a:t>
+            </a:fld>
+            <a:endParaRPr lang="en-US"/>
+          </a:p>
+        </p:txBody>
+      </p:sp>
+    </p:spTree>
+    <p:extLst>
+      <p:ext uri="{BB962C8B-B14F-4D97-AF65-F5344CB8AC3E}">
+        <p14:creationId xmlns:p14="http://schemas.microsoft.com/office/powerpoint/2010/main" val="1240571068"/>
+      </p:ext>
+    </p:extLst>
+  </p:cSld>
+  <p:clrMapOvr>
+    <a:masterClrMapping/>
+  </p:clrMapOvr>
+</p:notes>
+</file>
+
+<file path=ppt/notesSlides/notesSlide8.xml><?xml version="1.0" encoding="utf-8"?>
+<p:notes xmlns:a="http://schemas.openxmlformats.org/drawingml/2006/main" xmlns:r="http://schemas.openxmlformats.org/officeDocument/2006/relationships" xmlns:p="http://schemas.openxmlformats.org/presentationml/2006/main">
+  <p:cSld>
+    <p:spTree>
+      <p:nvGrpSpPr>
+        <p:cNvPr id="1" name=""/>
+        <p:cNvGrpSpPr/>
+        <p:nvPr/>
+      </p:nvGrpSpPr>
+      <p:grpSpPr>
+        <a:xfrm>
+          <a:off x="0" y="0"/>
+          <a:ext cx="0" cy="0"/>
+          <a:chOff x="0" y="0"/>
+          <a:chExt cx="0" cy="0"/>
+        </a:xfrm>
+      </p:grpSpPr>
+      <p:sp>
+        <p:nvSpPr>
+          <p:cNvPr id="68610" name="Rectangle 7"/>
+          <p:cNvSpPr>
+            <a:spLocks noGrp="1" noChangeArrowheads="1"/>
+          </p:cNvSpPr>
+          <p:nvPr>
+            <p:ph type="sldNum" sz="quarter" idx="5"/>
+          </p:nvPr>
+        </p:nvSpPr>
+        <p:spPr>
+          <a:noFill/>
+          <a:ln/>
+          <a:extLst>
+            <a:ext uri="{909E8E84-426E-40dd-AFC4-6F175D3DCCD1}">
+              <a14:hiddenFill xmlns="" xmlns:a14="http://schemas.microsoft.com/office/drawing/2010/main">
+                <a:solidFill>
+                  <a:srgbClr val="FFFFFF"/>
+                </a:solidFill>
+              </a14:hiddenFill>
+            </a:ext>
+            <a:ext uri="{91240B29-F687-4f45-9708-019B960494DF}">
+              <a14:hiddenLine xmlns="" xmlns:a14="http://schemas.microsoft.com/office/drawing/2010/main" w="9525">
                 <a:solidFill>
                   <a:srgbClr val="000000"/>
                 </a:solidFill>
@@ -2492,12 +3237,12 @@
           </a:lstStyle>
           <a:p>
             <a:pPr eaLnBrk="1" hangingPunct="1"/>
-            <a:fld id="{F2A1D53B-0B65-174C-A832-8F76934966BD}" type="slidenum">
+            <a:fld id="{B4C77BAE-B1F9-894F-A30D-94797C2329C5}" type="slidenum">
               <a:rPr lang="en-US" sz="1300" b="0">
                 <a:latin typeface="Times New Roman" charset="0"/>
               </a:rPr>
               <a:pPr eaLnBrk="1" hangingPunct="1"/>
-              <a:t>46</a:t>
+              <a:t>20</a:t>
             </a:fld>
             <a:endParaRPr lang="en-US" sz="1300" b="0">
               <a:latin typeface="Times New Roman" charset="0"/>
@@ -2507,15 +3252,19 @@
       </p:sp>
       <p:sp>
         <p:nvSpPr>
-          <p:cNvPr id="64515" name="Rectangle 2"/>
+          <p:cNvPr id="68611" name="Rectangle 2"/>
           <p:cNvSpPr>
-            <a:spLocks noGrp="1" noRot="1" noChangeAspect="1" noChangeArrowheads="1"/>
+            <a:spLocks noGrp="1" noRot="1" noChangeAspect="1" noChangeArrowheads="1" noTextEdit="1"/>
           </p:cNvSpPr>
           <p:nvPr>
             <p:ph type="sldImg"/>
           </p:nvPr>
         </p:nvSpPr>
         <p:spPr>
+          <a:xfrm>
+            <a:off x="1250950" y="708025"/>
+            <a:ext cx="4814888" cy="3611563"/>
+          </a:xfrm>
           <a:solidFill>
             <a:srgbClr val="FFFFFF"/>
           </a:solidFill>
@@ -2524,7 +3273,7 @@
       </p:sp>
       <p:sp>
         <p:nvSpPr>
-          <p:cNvPr id="64516" name="Rectangle 3"/>
+          <p:cNvPr id="68612" name="Rectangle 3"/>
           <p:cNvSpPr>
             <a:spLocks noGrp="1" noChangeArrowheads="1"/>
           </p:cNvSpPr>
@@ -2533,6 +3282,10 @@
           </p:nvPr>
         </p:nvSpPr>
         <p:spPr>
+          <a:xfrm>
+            <a:off x="942975" y="4564063"/>
+            <a:ext cx="5429250" cy="4333875"/>
+          </a:xfrm>
           <a:solidFill>
             <a:srgbClr val="FFFFFF"/>
           </a:solidFill>
@@ -2543,7 +3296,7 @@
           </a:ln>
           <a:extLst>
             <a:ext uri="{FAA26D3D-D897-4be2-8F04-BA451C77F1D7}">
-              <ma14:placeholderFlag xmlns:ma14="http://schemas.microsoft.com/office/mac/drawingml/2011/main" xmlns="" val="1"/>
+              <ma14:placeholderFlag xmlns="" xmlns:ma14="http://schemas.microsoft.com/office/mac/drawingml/2011/main" val="1"/>
             </a:ext>
           </a:extLst>
         </p:spPr>
@@ -2551,7 +3304,7 @@
           <a:bodyPr/>
           <a:lstStyle/>
           <a:p>
-            <a:endParaRPr lang="en-US">
+            <a:endParaRPr lang="fr-FR">
               <a:ea typeface="ＭＳ Ｐゴシック" charset="0"/>
               <a:cs typeface="ＭＳ Ｐゴシック" charset="0"/>
             </a:endParaRPr>
@@ -2561,7 +3314,7 @@
     </p:spTree>
     <p:extLst>
       <p:ext uri="{BB962C8B-B14F-4D97-AF65-F5344CB8AC3E}">
-        <p14:creationId xmlns:p14="http://schemas.microsoft.com/office/powerpoint/2010/main" val="618252872"/>
+        <p14:creationId xmlns:p14="http://schemas.microsoft.com/office/powerpoint/2010/main" val="1389744674"/>
       </p:ext>
     </p:extLst>
   </p:cSld>
@@ -2571,7 +3324,7 @@
 </p:notes>
 </file>
 
-<file path=ppt/notesSlides/notesSlide17.xml><?xml version="1.0" encoding="utf-8"?>
+<file path=ppt/notesSlides/notesSlide9.xml><?xml version="1.0" encoding="utf-8"?>
 <p:notes xmlns:a="http://schemas.openxmlformats.org/drawingml/2006/main" xmlns:r="http://schemas.openxmlformats.org/officeDocument/2006/relationships" xmlns:p="http://schemas.openxmlformats.org/presentationml/2006/main">
   <p:cSld>
     <p:spTree>
@@ -2590,281 +3343,12 @@
       </p:grpSpPr>
       <p:sp>
         <p:nvSpPr>
-          <p:cNvPr id="2" name="Slide Image Placeholder 1"/>
-          <p:cNvSpPr>
-            <a:spLocks noGrp="1" noRot="1" noChangeAspect="1"/>
-          </p:cNvSpPr>
-          <p:nvPr>
-            <p:ph type="sldImg"/>
-          </p:nvPr>
-        </p:nvSpPr>
-        <p:spPr/>
-      </p:sp>
-      <p:sp>
-        <p:nvSpPr>
-          <p:cNvPr id="3" name="Notes Placeholder 2"/>
-          <p:cNvSpPr>
-            <a:spLocks noGrp="1"/>
-          </p:cNvSpPr>
-          <p:nvPr>
-            <p:ph type="body" idx="1"/>
-          </p:nvPr>
-        </p:nvSpPr>
-        <p:spPr/>
-        <p:txBody>
-          <a:bodyPr/>
-          <a:lstStyle/>
-          <a:p>
-            <a:endParaRPr lang="en-US"/>
-          </a:p>
-        </p:txBody>
-      </p:sp>
-      <p:sp>
-        <p:nvSpPr>
-          <p:cNvPr id="4" name="Slide Number Placeholder 3"/>
-          <p:cNvSpPr>
-            <a:spLocks noGrp="1"/>
-          </p:cNvSpPr>
-          <p:nvPr>
-            <p:ph type="sldNum" sz="quarter" idx="10"/>
-          </p:nvPr>
-        </p:nvSpPr>
-        <p:spPr/>
-        <p:txBody>
-          <a:bodyPr/>
-          <a:lstStyle/>
-          <a:p>
-            <a:fld id="{C7E9A20B-E167-2E4E-BE18-AA9F5BF5FBB1}" type="slidenum">
-              <a:rPr lang="en-US" smtClean="0"/>
-              <a:pPr/>
-              <a:t>47</a:t>
-            </a:fld>
-            <a:endParaRPr lang="en-US"/>
-          </a:p>
-        </p:txBody>
-      </p:sp>
-    </p:spTree>
-    <p:extLst>
-      <p:ext uri="{BB962C8B-B14F-4D97-AF65-F5344CB8AC3E}">
-        <p14:creationId xmlns:p14="http://schemas.microsoft.com/office/powerpoint/2010/main" val="1271755660"/>
-      </p:ext>
-    </p:extLst>
-  </p:cSld>
-  <p:clrMapOvr>
-    <a:masterClrMapping/>
-  </p:clrMapOvr>
-</p:notes>
-</file>
-
-<file path=ppt/notesSlides/notesSlide2.xml><?xml version="1.0" encoding="utf-8"?>
-<p:notes xmlns:a="http://schemas.openxmlformats.org/drawingml/2006/main" xmlns:r="http://schemas.openxmlformats.org/officeDocument/2006/relationships" xmlns:p="http://schemas.openxmlformats.org/presentationml/2006/main">
-  <p:cSld>
-    <p:spTree>
-      <p:nvGrpSpPr>
-        <p:cNvPr id="1" name=""/>
-        <p:cNvGrpSpPr/>
-        <p:nvPr/>
-      </p:nvGrpSpPr>
-      <p:grpSpPr>
-        <a:xfrm>
-          <a:off x="0" y="0"/>
-          <a:ext cx="0" cy="0"/>
-          <a:chOff x="0" y="0"/>
-          <a:chExt cx="0" cy="0"/>
-        </a:xfrm>
-      </p:grpSpPr>
-      <p:sp>
-        <p:nvSpPr>
-          <p:cNvPr id="2" name="Slide Image Placeholder 1"/>
-          <p:cNvSpPr>
-            <a:spLocks noGrp="1" noRot="1" noChangeAspect="1"/>
-          </p:cNvSpPr>
-          <p:nvPr>
-            <p:ph type="sldImg"/>
-          </p:nvPr>
-        </p:nvSpPr>
-        <p:spPr/>
-      </p:sp>
-      <p:sp>
-        <p:nvSpPr>
-          <p:cNvPr id="3" name="Notes Placeholder 2"/>
-          <p:cNvSpPr>
-            <a:spLocks noGrp="1"/>
-          </p:cNvSpPr>
-          <p:nvPr>
-            <p:ph type="body" idx="1"/>
-          </p:nvPr>
-        </p:nvSpPr>
-        <p:spPr/>
-        <p:txBody>
-          <a:bodyPr/>
-          <a:lstStyle/>
-          <a:p>
-            <a:endParaRPr lang="en-US"/>
-          </a:p>
-        </p:txBody>
-      </p:sp>
-      <p:sp>
-        <p:nvSpPr>
-          <p:cNvPr id="4" name="Slide Number Placeholder 3"/>
-          <p:cNvSpPr>
-            <a:spLocks noGrp="1"/>
-          </p:cNvSpPr>
-          <p:nvPr>
-            <p:ph type="sldNum" sz="quarter" idx="10"/>
-          </p:nvPr>
-        </p:nvSpPr>
-        <p:spPr/>
-        <p:txBody>
-          <a:bodyPr/>
-          <a:lstStyle/>
-          <a:p>
-            <a:fld id="{C7E9A20B-E167-2E4E-BE18-AA9F5BF5FBB1}" type="slidenum">
-              <a:rPr lang="en-US" smtClean="0"/>
-              <a:pPr/>
-              <a:t>2</a:t>
-            </a:fld>
-            <a:endParaRPr lang="en-US"/>
-          </a:p>
-        </p:txBody>
-      </p:sp>
-    </p:spTree>
-    <p:extLst>
-      <p:ext uri="{BB962C8B-B14F-4D97-AF65-F5344CB8AC3E}">
-        <p14:creationId xmlns:p14="http://schemas.microsoft.com/office/powerpoint/2010/main" val="961720608"/>
-      </p:ext>
-    </p:extLst>
-  </p:cSld>
-  <p:clrMapOvr>
-    <a:masterClrMapping/>
-  </p:clrMapOvr>
-</p:notes>
-</file>
-
-<file path=ppt/notesSlides/notesSlide3.xml><?xml version="1.0" encoding="utf-8"?>
-<p:notes xmlns:a="http://schemas.openxmlformats.org/drawingml/2006/main" xmlns:r="http://schemas.openxmlformats.org/officeDocument/2006/relationships" xmlns:p="http://schemas.openxmlformats.org/presentationml/2006/main">
-  <p:cSld>
-    <p:spTree>
-      <p:nvGrpSpPr>
-        <p:cNvPr id="1" name=""/>
-        <p:cNvGrpSpPr/>
-        <p:nvPr/>
-      </p:nvGrpSpPr>
-      <p:grpSpPr>
-        <a:xfrm>
-          <a:off x="0" y="0"/>
-          <a:ext cx="0" cy="0"/>
-          <a:chOff x="0" y="0"/>
-          <a:chExt cx="0" cy="0"/>
-        </a:xfrm>
-      </p:grpSpPr>
-      <p:sp>
-        <p:nvSpPr>
-          <p:cNvPr id="2" name="Slide Image Placeholder 1"/>
-          <p:cNvSpPr>
-            <a:spLocks noGrp="1" noRot="1" noChangeAspect="1"/>
-          </p:cNvSpPr>
-          <p:nvPr>
-            <p:ph type="sldImg"/>
-          </p:nvPr>
-        </p:nvSpPr>
-        <p:spPr/>
-      </p:sp>
-      <p:sp>
-        <p:nvSpPr>
-          <p:cNvPr id="3" name="Notes Placeholder 2"/>
-          <p:cNvSpPr>
-            <a:spLocks noGrp="1"/>
-          </p:cNvSpPr>
-          <p:nvPr>
-            <p:ph type="body" idx="1"/>
-          </p:nvPr>
-        </p:nvSpPr>
-        <p:spPr/>
-        <p:txBody>
-          <a:bodyPr/>
-          <a:lstStyle/>
-          <a:p>
-            <a:endParaRPr lang="en-US"/>
-          </a:p>
-        </p:txBody>
-      </p:sp>
-      <p:sp>
-        <p:nvSpPr>
-          <p:cNvPr id="4" name="Slide Number Placeholder 3"/>
-          <p:cNvSpPr>
-            <a:spLocks noGrp="1"/>
-          </p:cNvSpPr>
-          <p:nvPr>
-            <p:ph type="sldNum" sz="quarter" idx="10"/>
-          </p:nvPr>
-        </p:nvSpPr>
-        <p:spPr/>
-        <p:txBody>
-          <a:bodyPr/>
-          <a:lstStyle/>
-          <a:p>
-            <a:fld id="{C7E9A20B-E167-2E4E-BE18-AA9F5BF5FBB1}" type="slidenum">
-              <a:rPr lang="en-US" smtClean="0"/>
-              <a:pPr/>
-              <a:t>3</a:t>
-            </a:fld>
-            <a:endParaRPr lang="en-US"/>
-          </a:p>
-        </p:txBody>
-      </p:sp>
-    </p:spTree>
-    <p:extLst>
-      <p:ext uri="{BB962C8B-B14F-4D97-AF65-F5344CB8AC3E}">
-        <p14:creationId xmlns:p14="http://schemas.microsoft.com/office/powerpoint/2010/main" val="821622620"/>
-      </p:ext>
-    </p:extLst>
-  </p:cSld>
-  <p:clrMapOvr>
-    <a:masterClrMapping/>
-  </p:clrMapOvr>
-</p:notes>
-</file>
-
-<file path=ppt/notesSlides/notesSlide4.xml><?xml version="1.0" encoding="utf-8"?>
-<p:notes xmlns:a="http://schemas.openxmlformats.org/drawingml/2006/main" xmlns:r="http://schemas.openxmlformats.org/officeDocument/2006/relationships" xmlns:p="http://schemas.openxmlformats.org/presentationml/2006/main">
-  <p:cSld>
-    <p:spTree>
-      <p:nvGrpSpPr>
-        <p:cNvPr id="1" name=""/>
-        <p:cNvGrpSpPr/>
-        <p:nvPr/>
-      </p:nvGrpSpPr>
-      <p:grpSpPr>
-        <a:xfrm>
-          <a:off x="0" y="0"/>
-          <a:ext cx="0" cy="0"/>
-          <a:chOff x="0" y="0"/>
-          <a:chExt cx="0" cy="0"/>
-        </a:xfrm>
-      </p:grpSpPr>
-      <p:sp>
-        <p:nvSpPr>
-          <p:cNvPr id="105475" name="Rectangle 2"/>
-          <p:cNvSpPr>
-            <a:spLocks noGrp="1" noRot="1" noChangeAspect="1" noChangeArrowheads="1" noTextEdit="1"/>
-          </p:cNvSpPr>
-          <p:nvPr>
-            <p:ph type="sldImg"/>
-          </p:nvPr>
-        </p:nvSpPr>
-        <p:spPr>
-          <a:ln/>
-        </p:spPr>
-      </p:sp>
-      <p:sp>
-        <p:nvSpPr>
-          <p:cNvPr id="105476" name="Rectangle 3"/>
+          <p:cNvPr id="72706" name="Rectangle 7"/>
           <p:cNvSpPr>
             <a:spLocks noGrp="1" noChangeArrowheads="1"/>
           </p:cNvSpPr>
           <p:nvPr>
-            <p:ph type="body" idx="1"/>
+            <p:ph type="sldNum" sz="quarter" idx="5"/>
           </p:nvPr>
         </p:nvSpPr>
         <p:spPr>
@@ -2872,402 +3356,14 @@
           <a:ln/>
           <a:extLst>
             <a:ext uri="{909E8E84-426E-40dd-AFC4-6F175D3DCCD1}">
-              <a14:hiddenFill xmlns:a14="http://schemas.microsoft.com/office/drawing/2010/main" xmlns="">
+              <a14:hiddenFill xmlns="" xmlns:a14="http://schemas.microsoft.com/office/drawing/2010/main">
                 <a:solidFill>
                   <a:srgbClr val="FFFFFF"/>
                 </a:solidFill>
               </a14:hiddenFill>
             </a:ext>
             <a:ext uri="{91240B29-F687-4f45-9708-019B960494DF}">
-              <a14:hiddenLine xmlns:a14="http://schemas.microsoft.com/office/drawing/2010/main" xmlns="" w="9525">
-                <a:solidFill>
-                  <a:srgbClr val="000000"/>
-                </a:solidFill>
-                <a:miter lim="800000"/>
-                <a:headEnd/>
-                <a:tailEnd/>
-              </a14:hiddenLine>
-            </a:ext>
-          </a:extLst>
-        </p:spPr>
-        <p:txBody>
-          <a:bodyPr/>
-          <a:lstStyle/>
-          <a:p>
-            <a:r>
-              <a:rPr lang="en-US">
-                <a:ea typeface="ＭＳ Ｐゴシック" charset="0"/>
-                <a:cs typeface="ＭＳ Ｐゴシック" charset="0"/>
-              </a:rPr>
-              <a:t>Transcoding = change compression rate per user</a:t>
-            </a:r>
-            <a:r>
-              <a:rPr lang="ja-JP" altLang="en-US">
-                <a:ea typeface="ＭＳ Ｐゴシック" charset="0"/>
-                <a:cs typeface="ＭＳ Ｐゴシック" charset="0"/>
-              </a:rPr>
-              <a:t>’</a:t>
-            </a:r>
-            <a:r>
-              <a:rPr lang="en-US">
-                <a:ea typeface="ＭＳ Ｐゴシック" charset="0"/>
-                <a:cs typeface="ＭＳ Ｐゴシック" charset="0"/>
-              </a:rPr>
-              <a:t>s bandwidth</a:t>
-            </a:r>
-          </a:p>
-        </p:txBody>
-      </p:sp>
-    </p:spTree>
-    <p:extLst>
-      <p:ext uri="{BB962C8B-B14F-4D97-AF65-F5344CB8AC3E}">
-        <p14:creationId xmlns:p14="http://schemas.microsoft.com/office/powerpoint/2010/main" val="1570659550"/>
-      </p:ext>
-    </p:extLst>
-  </p:cSld>
-  <p:clrMapOvr>
-    <a:masterClrMapping/>
-  </p:clrMapOvr>
-</p:notes>
-</file>
-
-<file path=ppt/notesSlides/notesSlide5.xml><?xml version="1.0" encoding="utf-8"?>
-<p:notes xmlns:a="http://schemas.openxmlformats.org/drawingml/2006/main" xmlns:r="http://schemas.openxmlformats.org/officeDocument/2006/relationships" xmlns:p="http://schemas.openxmlformats.org/presentationml/2006/main">
-  <p:cSld>
-    <p:spTree>
-      <p:nvGrpSpPr>
-        <p:cNvPr id="1" name=""/>
-        <p:cNvGrpSpPr/>
-        <p:nvPr/>
-      </p:nvGrpSpPr>
-      <p:grpSpPr>
-        <a:xfrm>
-          <a:off x="0" y="0"/>
-          <a:ext cx="0" cy="0"/>
-          <a:chOff x="0" y="0"/>
-          <a:chExt cx="0" cy="0"/>
-        </a:xfrm>
-      </p:grpSpPr>
-      <p:sp>
-        <p:nvSpPr>
-          <p:cNvPr id="109571" name="Rectangle 2"/>
-          <p:cNvSpPr>
-            <a:spLocks noGrp="1" noRot="1" noChangeAspect="1" noChangeArrowheads="1" noTextEdit="1"/>
-          </p:cNvSpPr>
-          <p:nvPr>
-            <p:ph type="sldImg"/>
-          </p:nvPr>
-        </p:nvSpPr>
-        <p:spPr>
-          <a:ln/>
-        </p:spPr>
-      </p:sp>
-      <p:sp>
-        <p:nvSpPr>
-          <p:cNvPr id="109572" name="Rectangle 3"/>
-          <p:cNvSpPr>
-            <a:spLocks noGrp="1" noChangeArrowheads="1"/>
-          </p:cNvSpPr>
-          <p:nvPr>
-            <p:ph type="body" idx="1"/>
-          </p:nvPr>
-        </p:nvSpPr>
-        <p:spPr>
-          <a:noFill/>
-          <a:ln/>
-          <a:extLst>
-            <a:ext uri="{FAA26D3D-D897-4be2-8F04-BA451C77F1D7}">
-              <ma14:placeholderFlag xmlns:ma14="http://schemas.microsoft.com/office/mac/drawingml/2011/main" xmlns="" val="1"/>
-            </a:ext>
-            <a:ext uri="{909E8E84-426E-40dd-AFC4-6F175D3DCCD1}">
-              <a14:hiddenFill xmlns:a14="http://schemas.microsoft.com/office/drawing/2010/main" xmlns="">
-                <a:solidFill>
-                  <a:srgbClr val="FFFFFF"/>
-                </a:solidFill>
-              </a14:hiddenFill>
-            </a:ext>
-            <a:ext uri="{91240B29-F687-4f45-9708-019B960494DF}">
-              <a14:hiddenLine xmlns:a14="http://schemas.microsoft.com/office/drawing/2010/main" xmlns="" w="9525">
-                <a:solidFill>
-                  <a:srgbClr val="000000"/>
-                </a:solidFill>
-                <a:miter lim="800000"/>
-                <a:headEnd/>
-                <a:tailEnd/>
-              </a14:hiddenLine>
-            </a:ext>
-          </a:extLst>
-        </p:spPr>
-        <p:txBody>
-          <a:bodyPr/>
-          <a:lstStyle/>
-          <a:p>
-            <a:endParaRPr lang="en-US">
-              <a:ea typeface="ＭＳ Ｐゴシック" charset="0"/>
-              <a:cs typeface="ＭＳ Ｐゴシック" charset="0"/>
-            </a:endParaRPr>
-          </a:p>
-        </p:txBody>
-      </p:sp>
-    </p:spTree>
-    <p:extLst>
-      <p:ext uri="{BB962C8B-B14F-4D97-AF65-F5344CB8AC3E}">
-        <p14:creationId xmlns:p14="http://schemas.microsoft.com/office/powerpoint/2010/main" val="1778378717"/>
-      </p:ext>
-    </p:extLst>
-  </p:cSld>
-  <p:clrMapOvr>
-    <a:masterClrMapping/>
-  </p:clrMapOvr>
-</p:notes>
-</file>
-
-<file path=ppt/notesSlides/notesSlide6.xml><?xml version="1.0" encoding="utf-8"?>
-<p:notes xmlns:a="http://schemas.openxmlformats.org/drawingml/2006/main" xmlns:r="http://schemas.openxmlformats.org/officeDocument/2006/relationships" xmlns:p="http://schemas.openxmlformats.org/presentationml/2006/main">
-  <p:cSld>
-    <p:spTree>
-      <p:nvGrpSpPr>
-        <p:cNvPr id="1" name=""/>
-        <p:cNvGrpSpPr/>
-        <p:nvPr/>
-      </p:nvGrpSpPr>
-      <p:grpSpPr>
-        <a:xfrm>
-          <a:off x="0" y="0"/>
-          <a:ext cx="0" cy="0"/>
-          <a:chOff x="0" y="0"/>
-          <a:chExt cx="0" cy="0"/>
-        </a:xfrm>
-      </p:grpSpPr>
-      <p:sp>
-        <p:nvSpPr>
-          <p:cNvPr id="109571" name="Rectangle 2"/>
-          <p:cNvSpPr>
-            <a:spLocks noGrp="1" noRot="1" noChangeAspect="1" noChangeArrowheads="1" noTextEdit="1"/>
-          </p:cNvSpPr>
-          <p:nvPr>
-            <p:ph type="sldImg"/>
-          </p:nvPr>
-        </p:nvSpPr>
-        <p:spPr>
-          <a:ln/>
-        </p:spPr>
-      </p:sp>
-      <p:sp>
-        <p:nvSpPr>
-          <p:cNvPr id="109572" name="Rectangle 3"/>
-          <p:cNvSpPr>
-            <a:spLocks noGrp="1" noChangeArrowheads="1"/>
-          </p:cNvSpPr>
-          <p:nvPr>
-            <p:ph type="body" idx="1"/>
-          </p:nvPr>
-        </p:nvSpPr>
-        <p:spPr>
-          <a:noFill/>
-          <a:ln/>
-          <a:extLst>
-            <a:ext uri="{FAA26D3D-D897-4be2-8F04-BA451C77F1D7}">
-              <ma14:placeholderFlag xmlns:ma14="http://schemas.microsoft.com/office/mac/drawingml/2011/main" xmlns="" val="1"/>
-            </a:ext>
-            <a:ext uri="{909E8E84-426E-40dd-AFC4-6F175D3DCCD1}">
-              <a14:hiddenFill xmlns:a14="http://schemas.microsoft.com/office/drawing/2010/main" xmlns="">
-                <a:solidFill>
-                  <a:srgbClr val="FFFFFF"/>
-                </a:solidFill>
-              </a14:hiddenFill>
-            </a:ext>
-            <a:ext uri="{91240B29-F687-4f45-9708-019B960494DF}">
-              <a14:hiddenLine xmlns:a14="http://schemas.microsoft.com/office/drawing/2010/main" xmlns="" w="9525">
-                <a:solidFill>
-                  <a:srgbClr val="000000"/>
-                </a:solidFill>
-                <a:miter lim="800000"/>
-                <a:headEnd/>
-                <a:tailEnd/>
-              </a14:hiddenLine>
-            </a:ext>
-          </a:extLst>
-        </p:spPr>
-        <p:txBody>
-          <a:bodyPr/>
-          <a:lstStyle/>
-          <a:p>
-            <a:endParaRPr lang="en-US">
-              <a:ea typeface="ＭＳ Ｐゴシック" charset="0"/>
-              <a:cs typeface="ＭＳ Ｐゴシック" charset="0"/>
-            </a:endParaRPr>
-          </a:p>
-        </p:txBody>
-      </p:sp>
-    </p:spTree>
-    <p:extLst>
-      <p:ext uri="{BB962C8B-B14F-4D97-AF65-F5344CB8AC3E}">
-        <p14:creationId xmlns:p14="http://schemas.microsoft.com/office/powerpoint/2010/main" val="1788035888"/>
-      </p:ext>
-    </p:extLst>
-  </p:cSld>
-  <p:clrMapOvr>
-    <a:masterClrMapping/>
-  </p:clrMapOvr>
-</p:notes>
-</file>
-
-<file path=ppt/notesSlides/notesSlide7.xml><?xml version="1.0" encoding="utf-8"?>
-<p:notes xmlns:a="http://schemas.openxmlformats.org/drawingml/2006/main" xmlns:r="http://schemas.openxmlformats.org/officeDocument/2006/relationships" xmlns:p="http://schemas.openxmlformats.org/presentationml/2006/main">
-  <p:cSld>
-    <p:spTree>
-      <p:nvGrpSpPr>
-        <p:cNvPr id="1" name=""/>
-        <p:cNvGrpSpPr/>
-        <p:nvPr/>
-      </p:nvGrpSpPr>
-      <p:grpSpPr>
-        <a:xfrm>
-          <a:off x="0" y="0"/>
-          <a:ext cx="0" cy="0"/>
-          <a:chOff x="0" y="0"/>
-          <a:chExt cx="0" cy="0"/>
-        </a:xfrm>
-      </p:grpSpPr>
-      <p:sp>
-        <p:nvSpPr>
-          <p:cNvPr id="2" name="Slide Image Placeholder 1"/>
-          <p:cNvSpPr>
-            <a:spLocks noGrp="1" noRot="1" noChangeAspect="1"/>
-          </p:cNvSpPr>
-          <p:nvPr>
-            <p:ph type="sldImg"/>
-          </p:nvPr>
-        </p:nvSpPr>
-        <p:spPr/>
-      </p:sp>
-      <p:sp>
-        <p:nvSpPr>
-          <p:cNvPr id="3" name="Notes Placeholder 2"/>
-          <p:cNvSpPr>
-            <a:spLocks noGrp="1"/>
-          </p:cNvSpPr>
-          <p:nvPr>
-            <p:ph type="body" idx="1"/>
-          </p:nvPr>
-        </p:nvSpPr>
-        <p:spPr/>
-        <p:txBody>
-          <a:bodyPr/>
-          <a:lstStyle/>
-          <a:p>
-            <a:r>
-              <a:rPr lang="en-US" dirty="0"/>
-              <a:t>ICANN: </a:t>
-            </a:r>
-            <a:r>
-              <a:rPr lang="en-US" sz="1200" b="0" i="0" kern="1200" dirty="0">
-                <a:solidFill>
-                  <a:schemeClr val="tx1"/>
-                </a:solidFill>
-                <a:effectLst/>
-                <a:latin typeface="Arial" charset="0"/>
-                <a:ea typeface="ＭＳ Ｐゴシック" charset="-128"/>
-                <a:cs typeface="ＭＳ Ｐゴシック" charset="-128"/>
-              </a:rPr>
-              <a:t>Internet Corporation for Assigned Names and Numbers</a:t>
-            </a:r>
-          </a:p>
-          <a:p>
-            <a:r>
-              <a:rPr lang="en-US" sz="1200" b="0" i="0" kern="1200" dirty="0">
-                <a:solidFill>
-                  <a:schemeClr val="tx1"/>
-                </a:solidFill>
-                <a:effectLst/>
-                <a:latin typeface="Arial" charset="0"/>
-                <a:ea typeface="ＭＳ Ｐゴシック" charset="-128"/>
-                <a:cs typeface="ＭＳ Ｐゴシック" charset="-128"/>
-              </a:rPr>
-              <a:t>IANA: Internet Assigned Numbers Authority</a:t>
-            </a:r>
-            <a:endParaRPr lang="en-US" dirty="0"/>
-          </a:p>
-        </p:txBody>
-      </p:sp>
-      <p:sp>
-        <p:nvSpPr>
-          <p:cNvPr id="4" name="Slide Number Placeholder 3"/>
-          <p:cNvSpPr>
-            <a:spLocks noGrp="1"/>
-          </p:cNvSpPr>
-          <p:nvPr>
-            <p:ph type="sldNum" sz="quarter" idx="10"/>
-          </p:nvPr>
-        </p:nvSpPr>
-        <p:spPr/>
-        <p:txBody>
-          <a:bodyPr/>
-          <a:lstStyle/>
-          <a:p>
-            <a:fld id="{C7E9A20B-E167-2E4E-BE18-AA9F5BF5FBB1}" type="slidenum">
-              <a:rPr lang="en-US" smtClean="0"/>
-              <a:pPr/>
-              <a:t>19</a:t>
-            </a:fld>
-            <a:endParaRPr lang="en-US"/>
-          </a:p>
-        </p:txBody>
-      </p:sp>
-    </p:spTree>
-    <p:extLst>
-      <p:ext uri="{BB962C8B-B14F-4D97-AF65-F5344CB8AC3E}">
-        <p14:creationId xmlns:p14="http://schemas.microsoft.com/office/powerpoint/2010/main" val="1240571068"/>
-      </p:ext>
-    </p:extLst>
-  </p:cSld>
-  <p:clrMapOvr>
-    <a:masterClrMapping/>
-  </p:clrMapOvr>
-</p:notes>
-</file>
-
-<file path=ppt/notesSlides/notesSlide8.xml><?xml version="1.0" encoding="utf-8"?>
-<p:notes xmlns:a="http://schemas.openxmlformats.org/drawingml/2006/main" xmlns:r="http://schemas.openxmlformats.org/officeDocument/2006/relationships" xmlns:p="http://schemas.openxmlformats.org/presentationml/2006/main">
-  <p:cSld>
-    <p:spTree>
-      <p:nvGrpSpPr>
-        <p:cNvPr id="1" name=""/>
-        <p:cNvGrpSpPr/>
-        <p:nvPr/>
-      </p:nvGrpSpPr>
-      <p:grpSpPr>
-        <a:xfrm>
-          <a:off x="0" y="0"/>
-          <a:ext cx="0" cy="0"/>
-          <a:chOff x="0" y="0"/>
-          <a:chExt cx="0" cy="0"/>
-        </a:xfrm>
-      </p:grpSpPr>
-      <p:sp>
-        <p:nvSpPr>
-          <p:cNvPr id="68610" name="Rectangle 7"/>
-          <p:cNvSpPr>
-            <a:spLocks noGrp="1" noChangeArrowheads="1"/>
-          </p:cNvSpPr>
-          <p:nvPr>
-            <p:ph type="sldNum" sz="quarter" idx="5"/>
-          </p:nvPr>
-        </p:nvSpPr>
-        <p:spPr>
-          <a:noFill/>
-          <a:ln/>
-          <a:extLst>
-            <a:ext uri="{909E8E84-426E-40dd-AFC4-6F175D3DCCD1}">
-              <a14:hiddenFill xmlns:a14="http://schemas.microsoft.com/office/drawing/2010/main" xmlns="">
-                <a:solidFill>
-                  <a:srgbClr val="FFFFFF"/>
-                </a:solidFill>
-              </a14:hiddenFill>
-            </a:ext>
-            <a:ext uri="{91240B29-F687-4f45-9708-019B960494DF}">
-              <a14:hiddenLine xmlns:a14="http://schemas.microsoft.com/office/drawing/2010/main" xmlns="" w="9525">
+              <a14:hiddenLine xmlns="" xmlns:a14="http://schemas.microsoft.com/office/drawing/2010/main" w="9525">
                 <a:solidFill>
                   <a:srgbClr val="000000"/>
                 </a:solidFill>
@@ -3398,263 +3494,6 @@
           </a:lstStyle>
           <a:p>
             <a:pPr eaLnBrk="1" hangingPunct="1"/>
-            <a:fld id="{B4C77BAE-B1F9-894F-A30D-94797C2329C5}" type="slidenum">
-              <a:rPr lang="en-US" sz="1300" b="0">
-                <a:latin typeface="Times New Roman" charset="0"/>
-              </a:rPr>
-              <a:pPr eaLnBrk="1" hangingPunct="1"/>
-              <a:t>20</a:t>
-            </a:fld>
-            <a:endParaRPr lang="en-US" sz="1300" b="0">
-              <a:latin typeface="Times New Roman" charset="0"/>
-            </a:endParaRPr>
-          </a:p>
-        </p:txBody>
-      </p:sp>
-      <p:sp>
-        <p:nvSpPr>
-          <p:cNvPr id="68611" name="Rectangle 2"/>
-          <p:cNvSpPr>
-            <a:spLocks noGrp="1" noRot="1" noChangeAspect="1" noChangeArrowheads="1" noTextEdit="1"/>
-          </p:cNvSpPr>
-          <p:nvPr>
-            <p:ph type="sldImg"/>
-          </p:nvPr>
-        </p:nvSpPr>
-        <p:spPr>
-          <a:xfrm>
-            <a:off x="1250950" y="708025"/>
-            <a:ext cx="4814888" cy="3611563"/>
-          </a:xfrm>
-          <a:solidFill>
-            <a:srgbClr val="FFFFFF"/>
-          </a:solidFill>
-          <a:ln/>
-        </p:spPr>
-      </p:sp>
-      <p:sp>
-        <p:nvSpPr>
-          <p:cNvPr id="68612" name="Rectangle 3"/>
-          <p:cNvSpPr>
-            <a:spLocks noGrp="1" noChangeArrowheads="1"/>
-          </p:cNvSpPr>
-          <p:nvPr>
-            <p:ph type="body" idx="1"/>
-          </p:nvPr>
-        </p:nvSpPr>
-        <p:spPr>
-          <a:xfrm>
-            <a:off x="942975" y="4564063"/>
-            <a:ext cx="5429250" cy="4333875"/>
-          </a:xfrm>
-          <a:solidFill>
-            <a:srgbClr val="FFFFFF"/>
-          </a:solidFill>
-          <a:ln>
-            <a:solidFill>
-              <a:srgbClr val="000000"/>
-            </a:solidFill>
-          </a:ln>
-          <a:extLst>
-            <a:ext uri="{FAA26D3D-D897-4be2-8F04-BA451C77F1D7}">
-              <ma14:placeholderFlag xmlns:ma14="http://schemas.microsoft.com/office/mac/drawingml/2011/main" xmlns="" val="1"/>
-            </a:ext>
-          </a:extLst>
-        </p:spPr>
-        <p:txBody>
-          <a:bodyPr/>
-          <a:lstStyle/>
-          <a:p>
-            <a:endParaRPr lang="fr-FR">
-              <a:ea typeface="ＭＳ Ｐゴシック" charset="0"/>
-              <a:cs typeface="ＭＳ Ｐゴシック" charset="0"/>
-            </a:endParaRPr>
-          </a:p>
-        </p:txBody>
-      </p:sp>
-    </p:spTree>
-    <p:extLst>
-      <p:ext uri="{BB962C8B-B14F-4D97-AF65-F5344CB8AC3E}">
-        <p14:creationId xmlns:p14="http://schemas.microsoft.com/office/powerpoint/2010/main" val="1389744674"/>
-      </p:ext>
-    </p:extLst>
-  </p:cSld>
-  <p:clrMapOvr>
-    <a:masterClrMapping/>
-  </p:clrMapOvr>
-</p:notes>
-</file>
-
-<file path=ppt/notesSlides/notesSlide9.xml><?xml version="1.0" encoding="utf-8"?>
-<p:notes xmlns:a="http://schemas.openxmlformats.org/drawingml/2006/main" xmlns:r="http://schemas.openxmlformats.org/officeDocument/2006/relationships" xmlns:p="http://schemas.openxmlformats.org/presentationml/2006/main">
-  <p:cSld>
-    <p:spTree>
-      <p:nvGrpSpPr>
-        <p:cNvPr id="1" name=""/>
-        <p:cNvGrpSpPr/>
-        <p:nvPr/>
-      </p:nvGrpSpPr>
-      <p:grpSpPr>
-        <a:xfrm>
-          <a:off x="0" y="0"/>
-          <a:ext cx="0" cy="0"/>
-          <a:chOff x="0" y="0"/>
-          <a:chExt cx="0" cy="0"/>
-        </a:xfrm>
-      </p:grpSpPr>
-      <p:sp>
-        <p:nvSpPr>
-          <p:cNvPr id="72706" name="Rectangle 7"/>
-          <p:cNvSpPr>
-            <a:spLocks noGrp="1" noChangeArrowheads="1"/>
-          </p:cNvSpPr>
-          <p:nvPr>
-            <p:ph type="sldNum" sz="quarter" idx="5"/>
-          </p:nvPr>
-        </p:nvSpPr>
-        <p:spPr>
-          <a:noFill/>
-          <a:ln/>
-          <a:extLst>
-            <a:ext uri="{909E8E84-426E-40dd-AFC4-6F175D3DCCD1}">
-              <a14:hiddenFill xmlns:a14="http://schemas.microsoft.com/office/drawing/2010/main" xmlns="">
-                <a:solidFill>
-                  <a:srgbClr val="FFFFFF"/>
-                </a:solidFill>
-              </a14:hiddenFill>
-            </a:ext>
-            <a:ext uri="{91240B29-F687-4f45-9708-019B960494DF}">
-              <a14:hiddenLine xmlns:a14="http://schemas.microsoft.com/office/drawing/2010/main" xmlns="" w="9525">
-                <a:solidFill>
-                  <a:srgbClr val="000000"/>
-                </a:solidFill>
-                <a:miter lim="800000"/>
-                <a:headEnd/>
-                <a:tailEnd/>
-              </a14:hiddenLine>
-            </a:ext>
-          </a:extLst>
-        </p:spPr>
-        <p:txBody>
-          <a:bodyPr/>
-          <a:lstStyle>
-            <a:lvl1pPr defTabSz="957263" eaLnBrk="0" hangingPunct="0">
-              <a:defRPr sz="2000" b="1">
-                <a:solidFill>
-                  <a:schemeClr val="tx1"/>
-                </a:solidFill>
-                <a:latin typeface="Courier New" charset="0"/>
-                <a:ea typeface="ＭＳ Ｐゴシック" charset="0"/>
-                <a:cs typeface="Arial" charset="0"/>
-              </a:defRPr>
-            </a:lvl1pPr>
-            <a:lvl2pPr marL="37931725" indent="-37474525" defTabSz="957263" eaLnBrk="0" hangingPunct="0">
-              <a:defRPr sz="2000" b="1">
-                <a:solidFill>
-                  <a:schemeClr val="tx1"/>
-                </a:solidFill>
-                <a:latin typeface="Courier New" charset="0"/>
-                <a:ea typeface="Arial" charset="0"/>
-                <a:cs typeface="Arial" charset="0"/>
-              </a:defRPr>
-            </a:lvl2pPr>
-            <a:lvl3pPr eaLnBrk="0" hangingPunct="0">
-              <a:defRPr sz="2000" b="1">
-                <a:solidFill>
-                  <a:schemeClr val="tx1"/>
-                </a:solidFill>
-                <a:latin typeface="Courier New" charset="0"/>
-                <a:ea typeface="Arial" charset="0"/>
-                <a:cs typeface="Arial" charset="0"/>
-              </a:defRPr>
-            </a:lvl3pPr>
-            <a:lvl4pPr eaLnBrk="0" hangingPunct="0">
-              <a:defRPr sz="2000" b="1">
-                <a:solidFill>
-                  <a:schemeClr val="tx1"/>
-                </a:solidFill>
-                <a:latin typeface="Courier New" charset="0"/>
-                <a:ea typeface="Arial" charset="0"/>
-                <a:cs typeface="Arial" charset="0"/>
-              </a:defRPr>
-            </a:lvl4pPr>
-            <a:lvl5pPr eaLnBrk="0" hangingPunct="0">
-              <a:defRPr sz="2000" b="1">
-                <a:solidFill>
-                  <a:schemeClr val="tx1"/>
-                </a:solidFill>
-                <a:latin typeface="Courier New" charset="0"/>
-                <a:ea typeface="Arial" charset="0"/>
-                <a:cs typeface="Arial" charset="0"/>
-              </a:defRPr>
-            </a:lvl5pPr>
-            <a:lvl6pPr marL="457200" eaLnBrk="0" fontAlgn="base" hangingPunct="0">
-              <a:spcBef>
-                <a:spcPct val="0"/>
-              </a:spcBef>
-              <a:spcAft>
-                <a:spcPct val="0"/>
-              </a:spcAft>
-              <a:defRPr sz="2000" b="1">
-                <a:solidFill>
-                  <a:schemeClr val="tx1"/>
-                </a:solidFill>
-                <a:latin typeface="Courier New" charset="0"/>
-                <a:ea typeface="Arial" charset="0"/>
-                <a:cs typeface="Arial" charset="0"/>
-              </a:defRPr>
-            </a:lvl6pPr>
-            <a:lvl7pPr marL="914400" eaLnBrk="0" fontAlgn="base" hangingPunct="0">
-              <a:spcBef>
-                <a:spcPct val="0"/>
-              </a:spcBef>
-              <a:spcAft>
-                <a:spcPct val="0"/>
-              </a:spcAft>
-              <a:defRPr sz="2000" b="1">
-                <a:solidFill>
-                  <a:schemeClr val="tx1"/>
-                </a:solidFill>
-                <a:latin typeface="Courier New" charset="0"/>
-                <a:ea typeface="Arial" charset="0"/>
-                <a:cs typeface="Arial" charset="0"/>
-              </a:defRPr>
-            </a:lvl7pPr>
-            <a:lvl8pPr marL="1371600" eaLnBrk="0" fontAlgn="base" hangingPunct="0">
-              <a:spcBef>
-                <a:spcPct val="0"/>
-              </a:spcBef>
-              <a:spcAft>
-                <a:spcPct val="0"/>
-              </a:spcAft>
-              <a:defRPr sz="2000" b="1">
-                <a:solidFill>
-                  <a:schemeClr val="tx1"/>
-                </a:solidFill>
-                <a:latin typeface="Courier New" charset="0"/>
-                <a:ea typeface="Arial" charset="0"/>
-                <a:cs typeface="Arial" charset="0"/>
-              </a:defRPr>
-            </a:lvl8pPr>
-            <a:lvl9pPr marL="1828800" eaLnBrk="0" fontAlgn="base" hangingPunct="0">
-              <a:spcBef>
-                <a:spcPct val="0"/>
-              </a:spcBef>
-              <a:spcAft>
-                <a:spcPct val="0"/>
-              </a:spcAft>
-              <a:defRPr sz="2000" b="1">
-                <a:solidFill>
-                  <a:schemeClr val="tx1"/>
-                </a:solidFill>
-                <a:latin typeface="Courier New" charset="0"/>
-                <a:ea typeface="Arial" charset="0"/>
-                <a:cs typeface="Arial" charset="0"/>
-              </a:defRPr>
-            </a:lvl9pPr>
-          </a:lstStyle>
-          <a:p>
-            <a:pPr eaLnBrk="1" hangingPunct="1"/>
             <a:fld id="{97F5172E-D380-4348-84B1-443CFC9E7DD9}" type="slidenum">
               <a:rPr lang="en-US" sz="1300" b="0">
                 <a:latin typeface="Times New Roman" charset="0"/>
@@ -3706,7 +3545,7 @@
           </a:ln>
           <a:extLst>
             <a:ext uri="{FAA26D3D-D897-4be2-8F04-BA451C77F1D7}">
-              <ma14:placeholderFlag xmlns:ma14="http://schemas.microsoft.com/office/mac/drawingml/2011/main" xmlns="" val="1"/>
+              <ma14:placeholderFlag xmlns="" xmlns:ma14="http://schemas.microsoft.com/office/mac/drawingml/2011/main" val="1"/>
             </a:ext>
           </a:extLst>
         </p:spPr>
@@ -3724,7 +3563,7 @@
     </p:spTree>
     <p:extLst>
       <p:ext uri="{BB962C8B-B14F-4D97-AF65-F5344CB8AC3E}">
-        <p14:creationId xmlns:p14="http://schemas.microsoft.com/office/powerpoint/2010/main" val="357773818"/>
+        <p14:creationId xmlns:p14="http://schemas.microsoft.com/office/powerpoint/2010/main" val="1272268272"/>
       </p:ext>
     </p:extLst>
   </p:cSld>
@@ -6455,17 +6294,17 @@
           </a:ln>
           <a:extLst>
             <a:ext uri="{FAA26D3D-D897-4be2-8F04-BA451C77F1D7}">
-              <ma14:placeholderFlag xmlns:ma14="http://schemas.microsoft.com/office/mac/drawingml/2011/main" xmlns="" val="1"/>
+              <ma14:placeholderFlag xmlns="" xmlns:ma14="http://schemas.microsoft.com/office/mac/drawingml/2011/main" val="1"/>
             </a:ext>
             <a:ext uri="{909E8E84-426E-40dd-AFC4-6F175D3DCCD1}">
-              <a14:hiddenFill xmlns:a14="http://schemas.microsoft.com/office/drawing/2010/main" xmlns="">
+              <a14:hiddenFill xmlns="" xmlns:a14="http://schemas.microsoft.com/office/drawing/2010/main">
                 <a:solidFill>
                   <a:srgbClr val="FFFFFF"/>
                 </a:solidFill>
               </a14:hiddenFill>
             </a:ext>
             <a:ext uri="{91240B29-F687-4f45-9708-019B960494DF}">
-              <a14:hiddenLine xmlns:a14="http://schemas.microsoft.com/office/drawing/2010/main" xmlns="" w="9525">
+              <a14:hiddenLine xmlns="" xmlns:a14="http://schemas.microsoft.com/office/drawing/2010/main" w="9525">
                 <a:solidFill>
                   <a:srgbClr val="000000"/>
                 </a:solidFill>
@@ -10865,14 +10704,14 @@
           <a:effectLst/>
           <a:extLst>
             <a:ext uri="{909E8E84-426E-40dd-AFC4-6F175D3DCCD1}">
-              <a14:hiddenFill xmlns:a14="http://schemas.microsoft.com/office/drawing/2010/main" xmlns="">
+              <a14:hiddenFill xmlns="" xmlns:a14="http://schemas.microsoft.com/office/drawing/2010/main">
                 <a:solidFill>
                   <a:schemeClr val="bg2"/>
                 </a:solidFill>
               </a14:hiddenFill>
             </a:ext>
             <a:ext uri="{91240B29-F687-4f45-9708-019B960494DF}">
-              <a14:hiddenLine xmlns:a14="http://schemas.microsoft.com/office/drawing/2010/main" xmlns="" w="12700">
+              <a14:hiddenLine xmlns="" xmlns:a14="http://schemas.microsoft.com/office/drawing/2010/main" w="12700">
                 <a:solidFill>
                   <a:schemeClr val="tx1"/>
                 </a:solidFill>
@@ -10882,7 +10721,7 @@
               </a14:hiddenLine>
             </a:ext>
             <a:ext uri="{AF507438-7753-43e0-B8FC-AC1667EBCBE1}">
-              <a14:hiddenEffects xmlns:a14="http://schemas.microsoft.com/office/drawing/2010/main" xmlns="">
+              <a14:hiddenEffects xmlns="" xmlns:a14="http://schemas.microsoft.com/office/drawing/2010/main">
                 <a:effectLst>
                   <a:outerShdw blurRad="63500" dist="38099" dir="2700000" algn="ctr" rotWithShape="0">
                     <a:schemeClr val="bg2">
@@ -10933,14 +10772,14 @@
           <a:effectLst/>
           <a:extLst>
             <a:ext uri="{909E8E84-426E-40dd-AFC4-6F175D3DCCD1}">
-              <a14:hiddenFill xmlns:a14="http://schemas.microsoft.com/office/drawing/2010/main" xmlns="">
+              <a14:hiddenFill xmlns="" xmlns:a14="http://schemas.microsoft.com/office/drawing/2010/main">
                 <a:solidFill>
                   <a:schemeClr val="bg2"/>
                 </a:solidFill>
               </a14:hiddenFill>
             </a:ext>
             <a:ext uri="{91240B29-F687-4f45-9708-019B960494DF}">
-              <a14:hiddenLine xmlns:a14="http://schemas.microsoft.com/office/drawing/2010/main" xmlns="" w="12700">
+              <a14:hiddenLine xmlns="" xmlns:a14="http://schemas.microsoft.com/office/drawing/2010/main" w="12700">
                 <a:solidFill>
                   <a:schemeClr val="tx1"/>
                 </a:solidFill>
@@ -10950,7 +10789,7 @@
               </a14:hiddenLine>
             </a:ext>
             <a:ext uri="{AF507438-7753-43e0-B8FC-AC1667EBCBE1}">
-              <a14:hiddenEffects xmlns:a14="http://schemas.microsoft.com/office/drawing/2010/main" xmlns="">
+              <a14:hiddenEffects xmlns="" xmlns:a14="http://schemas.microsoft.com/office/drawing/2010/main">
                 <a:effectLst>
                   <a:outerShdw blurRad="63500" dist="38099" dir="2700000" algn="ctr" rotWithShape="0">
                     <a:schemeClr val="bg2">
@@ -11001,14 +10840,14 @@
           <a:effectLst/>
           <a:extLst>
             <a:ext uri="{909E8E84-426E-40dd-AFC4-6F175D3DCCD1}">
-              <a14:hiddenFill xmlns:a14="http://schemas.microsoft.com/office/drawing/2010/main" xmlns="">
+              <a14:hiddenFill xmlns="" xmlns:a14="http://schemas.microsoft.com/office/drawing/2010/main">
                 <a:solidFill>
                   <a:schemeClr val="bg2"/>
                 </a:solidFill>
               </a14:hiddenFill>
             </a:ext>
             <a:ext uri="{91240B29-F687-4f45-9708-019B960494DF}">
-              <a14:hiddenLine xmlns:a14="http://schemas.microsoft.com/office/drawing/2010/main" xmlns="" w="12700">
+              <a14:hiddenLine xmlns="" xmlns:a14="http://schemas.microsoft.com/office/drawing/2010/main" w="12700">
                 <a:solidFill>
                   <a:schemeClr val="tx1"/>
                 </a:solidFill>
@@ -11018,7 +10857,7 @@
               </a14:hiddenLine>
             </a:ext>
             <a:ext uri="{AF507438-7753-43e0-B8FC-AC1667EBCBE1}">
-              <a14:hiddenEffects xmlns:a14="http://schemas.microsoft.com/office/drawing/2010/main" xmlns="">
+              <a14:hiddenEffects xmlns="" xmlns:a14="http://schemas.microsoft.com/office/drawing/2010/main">
                 <a:effectLst>
                   <a:outerShdw blurRad="63500" dist="38099" dir="2700000" algn="ctr" rotWithShape="0">
                     <a:schemeClr val="bg2">
@@ -11069,14 +10908,14 @@
           <a:effectLst/>
           <a:extLst>
             <a:ext uri="{909E8E84-426E-40dd-AFC4-6F175D3DCCD1}">
-              <a14:hiddenFill xmlns:a14="http://schemas.microsoft.com/office/drawing/2010/main" xmlns="">
+              <a14:hiddenFill xmlns="" xmlns:a14="http://schemas.microsoft.com/office/drawing/2010/main">
                 <a:solidFill>
                   <a:schemeClr val="bg2"/>
                 </a:solidFill>
               </a14:hiddenFill>
             </a:ext>
             <a:ext uri="{91240B29-F687-4f45-9708-019B960494DF}">
-              <a14:hiddenLine xmlns:a14="http://schemas.microsoft.com/office/drawing/2010/main" xmlns="" w="12700">
+              <a14:hiddenLine xmlns="" xmlns:a14="http://schemas.microsoft.com/office/drawing/2010/main" w="12700">
                 <a:solidFill>
                   <a:schemeClr val="tx1"/>
                 </a:solidFill>
@@ -11086,7 +10925,7 @@
               </a14:hiddenLine>
             </a:ext>
             <a:ext uri="{AF507438-7753-43e0-B8FC-AC1667EBCBE1}">
-              <a14:hiddenEffects xmlns:a14="http://schemas.microsoft.com/office/drawing/2010/main" xmlns="">
+              <a14:hiddenEffects xmlns="" xmlns:a14="http://schemas.microsoft.com/office/drawing/2010/main">
                 <a:effectLst>
                   <a:outerShdw blurRad="63500" dist="38099" dir="2700000" algn="ctr" rotWithShape="0">
                     <a:schemeClr val="bg2">
@@ -11137,14 +10976,14 @@
           <a:effectLst/>
           <a:extLst>
             <a:ext uri="{909E8E84-426E-40dd-AFC4-6F175D3DCCD1}">
-              <a14:hiddenFill xmlns:a14="http://schemas.microsoft.com/office/drawing/2010/main" xmlns="">
+              <a14:hiddenFill xmlns="" xmlns:a14="http://schemas.microsoft.com/office/drawing/2010/main">
                 <a:solidFill>
                   <a:schemeClr val="bg2"/>
                 </a:solidFill>
               </a14:hiddenFill>
             </a:ext>
             <a:ext uri="{91240B29-F687-4f45-9708-019B960494DF}">
-              <a14:hiddenLine xmlns:a14="http://schemas.microsoft.com/office/drawing/2010/main" xmlns="" w="12700">
+              <a14:hiddenLine xmlns="" xmlns:a14="http://schemas.microsoft.com/office/drawing/2010/main" w="12700">
                 <a:solidFill>
                   <a:schemeClr val="tx1"/>
                 </a:solidFill>
@@ -11154,7 +10993,7 @@
               </a14:hiddenLine>
             </a:ext>
             <a:ext uri="{AF507438-7753-43e0-B8FC-AC1667EBCBE1}">
-              <a14:hiddenEffects xmlns:a14="http://schemas.microsoft.com/office/drawing/2010/main" xmlns="">
+              <a14:hiddenEffects xmlns="" xmlns:a14="http://schemas.microsoft.com/office/drawing/2010/main">
                 <a:effectLst>
                   <a:outerShdw blurRad="63500" dist="38099" dir="2700000" algn="ctr" rotWithShape="0">
                     <a:schemeClr val="bg2">
@@ -11205,14 +11044,14 @@
           <a:effectLst/>
           <a:extLst>
             <a:ext uri="{909E8E84-426E-40dd-AFC4-6F175D3DCCD1}">
-              <a14:hiddenFill xmlns:a14="http://schemas.microsoft.com/office/drawing/2010/main" xmlns="">
+              <a14:hiddenFill xmlns="" xmlns:a14="http://schemas.microsoft.com/office/drawing/2010/main">
                 <a:solidFill>
                   <a:schemeClr val="bg2"/>
                 </a:solidFill>
               </a14:hiddenFill>
             </a:ext>
             <a:ext uri="{91240B29-F687-4f45-9708-019B960494DF}">
-              <a14:hiddenLine xmlns:a14="http://schemas.microsoft.com/office/drawing/2010/main" xmlns="" w="12700">
+              <a14:hiddenLine xmlns="" xmlns:a14="http://schemas.microsoft.com/office/drawing/2010/main" w="12700">
                 <a:solidFill>
                   <a:schemeClr val="tx1"/>
                 </a:solidFill>
@@ -11222,7 +11061,7 @@
               </a14:hiddenLine>
             </a:ext>
             <a:ext uri="{AF507438-7753-43e0-B8FC-AC1667EBCBE1}">
-              <a14:hiddenEffects xmlns:a14="http://schemas.microsoft.com/office/drawing/2010/main" xmlns="">
+              <a14:hiddenEffects xmlns="" xmlns:a14="http://schemas.microsoft.com/office/drawing/2010/main">
                 <a:effectLst>
                   <a:outerShdw blurRad="63500" dist="38099" dir="2700000" algn="ctr" rotWithShape="0">
                     <a:schemeClr val="bg2">
@@ -11273,14 +11112,14 @@
           <a:effectLst/>
           <a:extLst>
             <a:ext uri="{909E8E84-426E-40dd-AFC4-6F175D3DCCD1}">
-              <a14:hiddenFill xmlns:a14="http://schemas.microsoft.com/office/drawing/2010/main" xmlns="">
+              <a14:hiddenFill xmlns="" xmlns:a14="http://schemas.microsoft.com/office/drawing/2010/main">
                 <a:solidFill>
                   <a:schemeClr val="bg2"/>
                 </a:solidFill>
               </a14:hiddenFill>
             </a:ext>
             <a:ext uri="{91240B29-F687-4f45-9708-019B960494DF}">
-              <a14:hiddenLine xmlns:a14="http://schemas.microsoft.com/office/drawing/2010/main" xmlns="" w="12700">
+              <a14:hiddenLine xmlns="" xmlns:a14="http://schemas.microsoft.com/office/drawing/2010/main" w="12700">
                 <a:solidFill>
                   <a:schemeClr val="tx1"/>
                 </a:solidFill>
@@ -11290,7 +11129,7 @@
               </a14:hiddenLine>
             </a:ext>
             <a:ext uri="{AF507438-7753-43e0-B8FC-AC1667EBCBE1}">
-              <a14:hiddenEffects xmlns:a14="http://schemas.microsoft.com/office/drawing/2010/main" xmlns="">
+              <a14:hiddenEffects xmlns="" xmlns:a14="http://schemas.microsoft.com/office/drawing/2010/main">
                 <a:effectLst>
                   <a:outerShdw blurRad="63500" dist="38099" dir="2700000" algn="ctr" rotWithShape="0">
                     <a:schemeClr val="bg2">
@@ -11341,14 +11180,14 @@
           <a:effectLst/>
           <a:extLst>
             <a:ext uri="{909E8E84-426E-40dd-AFC4-6F175D3DCCD1}">
-              <a14:hiddenFill xmlns:a14="http://schemas.microsoft.com/office/drawing/2010/main" xmlns="">
+              <a14:hiddenFill xmlns="" xmlns:a14="http://schemas.microsoft.com/office/drawing/2010/main">
                 <a:solidFill>
                   <a:schemeClr val="bg2"/>
                 </a:solidFill>
               </a14:hiddenFill>
             </a:ext>
             <a:ext uri="{91240B29-F687-4f45-9708-019B960494DF}">
-              <a14:hiddenLine xmlns:a14="http://schemas.microsoft.com/office/drawing/2010/main" xmlns="" w="12700">
+              <a14:hiddenLine xmlns="" xmlns:a14="http://schemas.microsoft.com/office/drawing/2010/main" w="12700">
                 <a:solidFill>
                   <a:schemeClr val="tx1"/>
                 </a:solidFill>
@@ -11358,7 +11197,7 @@
               </a14:hiddenLine>
             </a:ext>
             <a:ext uri="{AF507438-7753-43e0-B8FC-AC1667EBCBE1}">
-              <a14:hiddenEffects xmlns:a14="http://schemas.microsoft.com/office/drawing/2010/main" xmlns="">
+              <a14:hiddenEffects xmlns="" xmlns:a14="http://schemas.microsoft.com/office/drawing/2010/main">
                 <a:effectLst>
                   <a:outerShdw blurRad="63500" dist="38099" dir="2700000" algn="ctr" rotWithShape="0">
                     <a:schemeClr val="bg2">
@@ -11409,14 +11248,14 @@
           <a:effectLst/>
           <a:extLst>
             <a:ext uri="{909E8E84-426E-40dd-AFC4-6F175D3DCCD1}">
-              <a14:hiddenFill xmlns:a14="http://schemas.microsoft.com/office/drawing/2010/main" xmlns="">
+              <a14:hiddenFill xmlns="" xmlns:a14="http://schemas.microsoft.com/office/drawing/2010/main">
                 <a:solidFill>
                   <a:schemeClr val="bg2"/>
                 </a:solidFill>
               </a14:hiddenFill>
             </a:ext>
             <a:ext uri="{91240B29-F687-4f45-9708-019B960494DF}">
-              <a14:hiddenLine xmlns:a14="http://schemas.microsoft.com/office/drawing/2010/main" xmlns="" w="12700">
+              <a14:hiddenLine xmlns="" xmlns:a14="http://schemas.microsoft.com/office/drawing/2010/main" w="12700">
                 <a:solidFill>
                   <a:schemeClr val="tx1"/>
                 </a:solidFill>
@@ -11426,7 +11265,7 @@
               </a14:hiddenLine>
             </a:ext>
             <a:ext uri="{AF507438-7753-43e0-B8FC-AC1667EBCBE1}">
-              <a14:hiddenEffects xmlns:a14="http://schemas.microsoft.com/office/drawing/2010/main" xmlns="">
+              <a14:hiddenEffects xmlns="" xmlns:a14="http://schemas.microsoft.com/office/drawing/2010/main">
                 <a:effectLst>
                   <a:outerShdw blurRad="63500" dist="38099" dir="2700000" algn="ctr" rotWithShape="0">
                     <a:schemeClr val="bg2">
@@ -11477,14 +11316,14 @@
           <a:effectLst/>
           <a:extLst>
             <a:ext uri="{909E8E84-426E-40dd-AFC4-6F175D3DCCD1}">
-              <a14:hiddenFill xmlns:a14="http://schemas.microsoft.com/office/drawing/2010/main" xmlns="">
+              <a14:hiddenFill xmlns="" xmlns:a14="http://schemas.microsoft.com/office/drawing/2010/main">
                 <a:solidFill>
                   <a:schemeClr val="bg2"/>
                 </a:solidFill>
               </a14:hiddenFill>
             </a:ext>
             <a:ext uri="{91240B29-F687-4f45-9708-019B960494DF}">
-              <a14:hiddenLine xmlns:a14="http://schemas.microsoft.com/office/drawing/2010/main" xmlns="" w="12700">
+              <a14:hiddenLine xmlns="" xmlns:a14="http://schemas.microsoft.com/office/drawing/2010/main" w="12700">
                 <a:solidFill>
                   <a:schemeClr val="tx1"/>
                 </a:solidFill>
@@ -11494,7 +11333,7 @@
               </a14:hiddenLine>
             </a:ext>
             <a:ext uri="{AF507438-7753-43e0-B8FC-AC1667EBCBE1}">
-              <a14:hiddenEffects xmlns:a14="http://schemas.microsoft.com/office/drawing/2010/main" xmlns="">
+              <a14:hiddenEffects xmlns="" xmlns:a14="http://schemas.microsoft.com/office/drawing/2010/main">
                 <a:effectLst>
                   <a:outerShdw blurRad="63500" dist="38099" dir="2700000" algn="ctr" rotWithShape="0">
                     <a:schemeClr val="bg2">
@@ -11548,14 +11387,14 @@
           <a:effectLst/>
           <a:extLst>
             <a:ext uri="{909E8E84-426E-40dd-AFC4-6F175D3DCCD1}">
-              <a14:hiddenFill xmlns:a14="http://schemas.microsoft.com/office/drawing/2010/main" xmlns="">
+              <a14:hiddenFill xmlns="" xmlns:a14="http://schemas.microsoft.com/office/drawing/2010/main">
                 <a:solidFill>
                   <a:schemeClr val="bg2"/>
                 </a:solidFill>
               </a14:hiddenFill>
             </a:ext>
             <a:ext uri="{91240B29-F687-4f45-9708-019B960494DF}">
-              <a14:hiddenLine xmlns:a14="http://schemas.microsoft.com/office/drawing/2010/main" xmlns="" w="12700">
+              <a14:hiddenLine xmlns="" xmlns:a14="http://schemas.microsoft.com/office/drawing/2010/main" w="12700">
                 <a:solidFill>
                   <a:schemeClr val="tx1"/>
                 </a:solidFill>
@@ -11565,7 +11404,7 @@
               </a14:hiddenLine>
             </a:ext>
             <a:ext uri="{AF507438-7753-43e0-B8FC-AC1667EBCBE1}">
-              <a14:hiddenEffects xmlns:a14="http://schemas.microsoft.com/office/drawing/2010/main" xmlns="">
+              <a14:hiddenEffects xmlns="" xmlns:a14="http://schemas.microsoft.com/office/drawing/2010/main">
                 <a:effectLst>
                   <a:outerShdw blurRad="63500" dist="38099" dir="2700000" algn="ctr" rotWithShape="0">
                     <a:schemeClr val="bg2">
@@ -11624,12 +11463,12 @@
           <a:effectLst/>
           <a:extLst>
             <a:ext uri="{909E8E84-426E-40dd-AFC4-6F175D3DCCD1}">
-              <a14:hiddenFill xmlns:a14="http://schemas.microsoft.com/office/drawing/2010/main" xmlns="">
+              <a14:hiddenFill xmlns="" xmlns:a14="http://schemas.microsoft.com/office/drawing/2010/main">
                 <a:noFill/>
               </a14:hiddenFill>
             </a:ext>
             <a:ext uri="{AF507438-7753-43e0-B8FC-AC1667EBCBE1}">
-              <a14:hiddenEffects xmlns:a14="http://schemas.microsoft.com/office/drawing/2010/main" xmlns="">
+              <a14:hiddenEffects xmlns="" xmlns:a14="http://schemas.microsoft.com/office/drawing/2010/main">
                 <a:effectLst>
                   <a:outerShdw blurRad="63500" dist="38099" dir="2700000" algn="ctr" rotWithShape="0">
                     <a:schemeClr val="bg2">
@@ -11672,14 +11511,14 @@
           <a:effectLst/>
           <a:extLst>
             <a:ext uri="{909E8E84-426E-40dd-AFC4-6F175D3DCCD1}">
-              <a14:hiddenFill xmlns:a14="http://schemas.microsoft.com/office/drawing/2010/main" xmlns="">
+              <a14:hiddenFill xmlns="" xmlns:a14="http://schemas.microsoft.com/office/drawing/2010/main">
                 <a:solidFill>
                   <a:schemeClr val="bg2"/>
                 </a:solidFill>
               </a14:hiddenFill>
             </a:ext>
             <a:ext uri="{91240B29-F687-4f45-9708-019B960494DF}">
-              <a14:hiddenLine xmlns:a14="http://schemas.microsoft.com/office/drawing/2010/main" xmlns="" w="12700">
+              <a14:hiddenLine xmlns="" xmlns:a14="http://schemas.microsoft.com/office/drawing/2010/main" w="12700">
                 <a:solidFill>
                   <a:schemeClr val="tx1"/>
                 </a:solidFill>
@@ -11689,7 +11528,7 @@
               </a14:hiddenLine>
             </a:ext>
             <a:ext uri="{AF507438-7753-43e0-B8FC-AC1667EBCBE1}">
-              <a14:hiddenEffects xmlns:a14="http://schemas.microsoft.com/office/drawing/2010/main" xmlns="">
+              <a14:hiddenEffects xmlns="" xmlns:a14="http://schemas.microsoft.com/office/drawing/2010/main">
                 <a:effectLst>
                   <a:outerShdw blurRad="63500" dist="38099" dir="2700000" algn="ctr" rotWithShape="0">
                     <a:schemeClr val="bg2">
@@ -11748,12 +11587,12 @@
           <a:effectLst/>
           <a:extLst>
             <a:ext uri="{909E8E84-426E-40dd-AFC4-6F175D3DCCD1}">
-              <a14:hiddenFill xmlns:a14="http://schemas.microsoft.com/office/drawing/2010/main" xmlns="">
+              <a14:hiddenFill xmlns="" xmlns:a14="http://schemas.microsoft.com/office/drawing/2010/main">
                 <a:noFill/>
               </a14:hiddenFill>
             </a:ext>
             <a:ext uri="{AF507438-7753-43e0-B8FC-AC1667EBCBE1}">
-              <a14:hiddenEffects xmlns:a14="http://schemas.microsoft.com/office/drawing/2010/main" xmlns="">
+              <a14:hiddenEffects xmlns="" xmlns:a14="http://schemas.microsoft.com/office/drawing/2010/main">
                 <a:effectLst>
                   <a:outerShdw blurRad="63500" dist="38099" dir="2700000" algn="ctr" rotWithShape="0">
                     <a:schemeClr val="bg2">
@@ -11796,14 +11635,14 @@
           <a:effectLst/>
           <a:extLst>
             <a:ext uri="{909E8E84-426E-40dd-AFC4-6F175D3DCCD1}">
-              <a14:hiddenFill xmlns:a14="http://schemas.microsoft.com/office/drawing/2010/main" xmlns="">
+              <a14:hiddenFill xmlns="" xmlns:a14="http://schemas.microsoft.com/office/drawing/2010/main">
                 <a:solidFill>
                   <a:schemeClr val="bg2"/>
                 </a:solidFill>
               </a14:hiddenFill>
             </a:ext>
             <a:ext uri="{91240B29-F687-4f45-9708-019B960494DF}">
-              <a14:hiddenLine xmlns:a14="http://schemas.microsoft.com/office/drawing/2010/main" xmlns="" w="12700">
+              <a14:hiddenLine xmlns="" xmlns:a14="http://schemas.microsoft.com/office/drawing/2010/main" w="12700">
                 <a:solidFill>
                   <a:schemeClr val="tx1"/>
                 </a:solidFill>
@@ -11813,7 +11652,7 @@
               </a14:hiddenLine>
             </a:ext>
             <a:ext uri="{AF507438-7753-43e0-B8FC-AC1667EBCBE1}">
-              <a14:hiddenEffects xmlns:a14="http://schemas.microsoft.com/office/drawing/2010/main" xmlns="">
+              <a14:hiddenEffects xmlns="" xmlns:a14="http://schemas.microsoft.com/office/drawing/2010/main">
                 <a:effectLst>
                   <a:outerShdw blurRad="63500" dist="38099" dir="2700000" algn="ctr" rotWithShape="0">
                     <a:schemeClr val="bg2">
@@ -11869,12 +11708,12 @@
           <a:effectLst/>
           <a:extLst>
             <a:ext uri="{909E8E84-426E-40dd-AFC4-6F175D3DCCD1}">
-              <a14:hiddenFill xmlns:a14="http://schemas.microsoft.com/office/drawing/2010/main" xmlns="">
+              <a14:hiddenFill xmlns="" xmlns:a14="http://schemas.microsoft.com/office/drawing/2010/main">
                 <a:noFill/>
               </a14:hiddenFill>
             </a:ext>
             <a:ext uri="{AF507438-7753-43e0-B8FC-AC1667EBCBE1}">
-              <a14:hiddenEffects xmlns:a14="http://schemas.microsoft.com/office/drawing/2010/main" xmlns="">
+              <a14:hiddenEffects xmlns="" xmlns:a14="http://schemas.microsoft.com/office/drawing/2010/main">
                 <a:effectLst>
                   <a:outerShdw blurRad="63500" dist="38099" dir="2700000" algn="ctr" rotWithShape="0">
                     <a:schemeClr val="bg2">
@@ -11917,14 +11756,14 @@
           <a:effectLst/>
           <a:extLst>
             <a:ext uri="{909E8E84-426E-40dd-AFC4-6F175D3DCCD1}">
-              <a14:hiddenFill xmlns:a14="http://schemas.microsoft.com/office/drawing/2010/main" xmlns="">
+              <a14:hiddenFill xmlns="" xmlns:a14="http://schemas.microsoft.com/office/drawing/2010/main">
                 <a:solidFill>
                   <a:schemeClr val="bg2"/>
                 </a:solidFill>
               </a14:hiddenFill>
             </a:ext>
             <a:ext uri="{91240B29-F687-4f45-9708-019B960494DF}">
-              <a14:hiddenLine xmlns:a14="http://schemas.microsoft.com/office/drawing/2010/main" xmlns="" w="12700">
+              <a14:hiddenLine xmlns="" xmlns:a14="http://schemas.microsoft.com/office/drawing/2010/main" w="12700">
                 <a:solidFill>
                   <a:schemeClr val="tx1"/>
                 </a:solidFill>
@@ -11934,7 +11773,7 @@
               </a14:hiddenLine>
             </a:ext>
             <a:ext uri="{AF507438-7753-43e0-B8FC-AC1667EBCBE1}">
-              <a14:hiddenEffects xmlns:a14="http://schemas.microsoft.com/office/drawing/2010/main" xmlns="">
+              <a14:hiddenEffects xmlns="" xmlns:a14="http://schemas.microsoft.com/office/drawing/2010/main">
                 <a:effectLst>
                   <a:outerShdw blurRad="63500" dist="38099" dir="2700000" algn="ctr" rotWithShape="0">
                     <a:schemeClr val="bg2">
@@ -11993,12 +11832,12 @@
           <a:effectLst/>
           <a:extLst>
             <a:ext uri="{909E8E84-426E-40dd-AFC4-6F175D3DCCD1}">
-              <a14:hiddenFill xmlns:a14="http://schemas.microsoft.com/office/drawing/2010/main" xmlns="">
+              <a14:hiddenFill xmlns="" xmlns:a14="http://schemas.microsoft.com/office/drawing/2010/main">
                 <a:noFill/>
               </a14:hiddenFill>
             </a:ext>
             <a:ext uri="{AF507438-7753-43e0-B8FC-AC1667EBCBE1}">
-              <a14:hiddenEffects xmlns:a14="http://schemas.microsoft.com/office/drawing/2010/main" xmlns="">
+              <a14:hiddenEffects xmlns="" xmlns:a14="http://schemas.microsoft.com/office/drawing/2010/main">
                 <a:effectLst>
                   <a:outerShdw blurRad="63500" dist="38099" dir="2700000" algn="ctr" rotWithShape="0">
                     <a:schemeClr val="bg2">
@@ -12046,12 +11885,12 @@
           <a:effectLst/>
           <a:extLst>
             <a:ext uri="{909E8E84-426E-40dd-AFC4-6F175D3DCCD1}">
-              <a14:hiddenFill xmlns:a14="http://schemas.microsoft.com/office/drawing/2010/main" xmlns="">
+              <a14:hiddenFill xmlns="" xmlns:a14="http://schemas.microsoft.com/office/drawing/2010/main">
                 <a:noFill/>
               </a14:hiddenFill>
             </a:ext>
             <a:ext uri="{AF507438-7753-43e0-B8FC-AC1667EBCBE1}">
-              <a14:hiddenEffects xmlns:a14="http://schemas.microsoft.com/office/drawing/2010/main" xmlns="">
+              <a14:hiddenEffects xmlns="" xmlns:a14="http://schemas.microsoft.com/office/drawing/2010/main">
                 <a:effectLst>
                   <a:outerShdw blurRad="63500" dist="38099" dir="2700000" algn="ctr" rotWithShape="0">
                     <a:schemeClr val="bg2">
@@ -12099,12 +11938,12 @@
           <a:effectLst/>
           <a:extLst>
             <a:ext uri="{909E8E84-426E-40dd-AFC4-6F175D3DCCD1}">
-              <a14:hiddenFill xmlns:a14="http://schemas.microsoft.com/office/drawing/2010/main" xmlns="">
+              <a14:hiddenFill xmlns="" xmlns:a14="http://schemas.microsoft.com/office/drawing/2010/main">
                 <a:noFill/>
               </a14:hiddenFill>
             </a:ext>
             <a:ext uri="{AF507438-7753-43e0-B8FC-AC1667EBCBE1}">
-              <a14:hiddenEffects xmlns:a14="http://schemas.microsoft.com/office/drawing/2010/main" xmlns="">
+              <a14:hiddenEffects xmlns="" xmlns:a14="http://schemas.microsoft.com/office/drawing/2010/main">
                 <a:effectLst>
                   <a:outerShdw blurRad="63500" dist="38099" dir="2700000" algn="ctr" rotWithShape="0">
                     <a:schemeClr val="bg2">
@@ -12152,12 +11991,12 @@
           <a:effectLst/>
           <a:extLst>
             <a:ext uri="{909E8E84-426E-40dd-AFC4-6F175D3DCCD1}">
-              <a14:hiddenFill xmlns:a14="http://schemas.microsoft.com/office/drawing/2010/main" xmlns="">
+              <a14:hiddenFill xmlns="" xmlns:a14="http://schemas.microsoft.com/office/drawing/2010/main">
                 <a:noFill/>
               </a14:hiddenFill>
             </a:ext>
             <a:ext uri="{AF507438-7753-43e0-B8FC-AC1667EBCBE1}">
-              <a14:hiddenEffects xmlns:a14="http://schemas.microsoft.com/office/drawing/2010/main" xmlns="">
+              <a14:hiddenEffects xmlns="" xmlns:a14="http://schemas.microsoft.com/office/drawing/2010/main">
                 <a:effectLst>
                   <a:outerShdw blurRad="63500" dist="38099" dir="2700000" algn="ctr" rotWithShape="0">
                     <a:schemeClr val="bg2">
@@ -12205,12 +12044,12 @@
           <a:effectLst/>
           <a:extLst>
             <a:ext uri="{909E8E84-426E-40dd-AFC4-6F175D3DCCD1}">
-              <a14:hiddenFill xmlns:a14="http://schemas.microsoft.com/office/drawing/2010/main" xmlns="">
+              <a14:hiddenFill xmlns="" xmlns:a14="http://schemas.microsoft.com/office/drawing/2010/main">
                 <a:noFill/>
               </a14:hiddenFill>
             </a:ext>
             <a:ext uri="{AF507438-7753-43e0-B8FC-AC1667EBCBE1}">
-              <a14:hiddenEffects xmlns:a14="http://schemas.microsoft.com/office/drawing/2010/main" xmlns="">
+              <a14:hiddenEffects xmlns="" xmlns:a14="http://schemas.microsoft.com/office/drawing/2010/main">
                 <a:effectLst>
                   <a:outerShdw blurRad="63500" dist="38099" dir="2700000" algn="ctr" rotWithShape="0">
                     <a:schemeClr val="bg2">
@@ -12258,12 +12097,12 @@
           <a:effectLst/>
           <a:extLst>
             <a:ext uri="{909E8E84-426E-40dd-AFC4-6F175D3DCCD1}">
-              <a14:hiddenFill xmlns:a14="http://schemas.microsoft.com/office/drawing/2010/main" xmlns="">
+              <a14:hiddenFill xmlns="" xmlns:a14="http://schemas.microsoft.com/office/drawing/2010/main">
                 <a:noFill/>
               </a14:hiddenFill>
             </a:ext>
             <a:ext uri="{AF507438-7753-43e0-B8FC-AC1667EBCBE1}">
-              <a14:hiddenEffects xmlns:a14="http://schemas.microsoft.com/office/drawing/2010/main" xmlns="">
+              <a14:hiddenEffects xmlns="" xmlns:a14="http://schemas.microsoft.com/office/drawing/2010/main">
                 <a:effectLst>
                   <a:outerShdw blurRad="63500" dist="38099" dir="2700000" algn="ctr" rotWithShape="0">
                     <a:schemeClr val="bg2">
@@ -12311,12 +12150,12 @@
           <a:effectLst/>
           <a:extLst>
             <a:ext uri="{909E8E84-426E-40dd-AFC4-6F175D3DCCD1}">
-              <a14:hiddenFill xmlns:a14="http://schemas.microsoft.com/office/drawing/2010/main" xmlns="">
+              <a14:hiddenFill xmlns="" xmlns:a14="http://schemas.microsoft.com/office/drawing/2010/main">
                 <a:noFill/>
               </a14:hiddenFill>
             </a:ext>
             <a:ext uri="{AF507438-7753-43e0-B8FC-AC1667EBCBE1}">
-              <a14:hiddenEffects xmlns:a14="http://schemas.microsoft.com/office/drawing/2010/main" xmlns="">
+              <a14:hiddenEffects xmlns="" xmlns:a14="http://schemas.microsoft.com/office/drawing/2010/main">
                 <a:effectLst>
                   <a:outerShdw blurRad="63500" dist="38099" dir="2700000" algn="ctr" rotWithShape="0">
                     <a:schemeClr val="bg2">
@@ -12364,12 +12203,12 @@
           <a:effectLst/>
           <a:extLst>
             <a:ext uri="{909E8E84-426E-40dd-AFC4-6F175D3DCCD1}">
-              <a14:hiddenFill xmlns:a14="http://schemas.microsoft.com/office/drawing/2010/main" xmlns="">
+              <a14:hiddenFill xmlns="" xmlns:a14="http://schemas.microsoft.com/office/drawing/2010/main">
                 <a:noFill/>
               </a14:hiddenFill>
             </a:ext>
             <a:ext uri="{AF507438-7753-43e0-B8FC-AC1667EBCBE1}">
-              <a14:hiddenEffects xmlns:a14="http://schemas.microsoft.com/office/drawing/2010/main" xmlns="">
+              <a14:hiddenEffects xmlns="" xmlns:a14="http://schemas.microsoft.com/office/drawing/2010/main">
                 <a:effectLst>
                   <a:outerShdw blurRad="63500" dist="38099" dir="2700000" algn="ctr" rotWithShape="0">
                     <a:schemeClr val="bg2">
@@ -12417,12 +12256,12 @@
           <a:effectLst/>
           <a:extLst>
             <a:ext uri="{909E8E84-426E-40dd-AFC4-6F175D3DCCD1}">
-              <a14:hiddenFill xmlns:a14="http://schemas.microsoft.com/office/drawing/2010/main" xmlns="">
+              <a14:hiddenFill xmlns="" xmlns:a14="http://schemas.microsoft.com/office/drawing/2010/main">
                 <a:noFill/>
               </a14:hiddenFill>
             </a:ext>
             <a:ext uri="{AF507438-7753-43e0-B8FC-AC1667EBCBE1}">
-              <a14:hiddenEffects xmlns:a14="http://schemas.microsoft.com/office/drawing/2010/main" xmlns="">
+              <a14:hiddenEffects xmlns="" xmlns:a14="http://schemas.microsoft.com/office/drawing/2010/main">
                 <a:effectLst>
                   <a:outerShdw blurRad="63500" dist="38099" dir="2700000" algn="ctr" rotWithShape="0">
                     <a:schemeClr val="bg2">
@@ -12470,12 +12309,12 @@
           <a:effectLst/>
           <a:extLst>
             <a:ext uri="{909E8E84-426E-40dd-AFC4-6F175D3DCCD1}">
-              <a14:hiddenFill xmlns:a14="http://schemas.microsoft.com/office/drawing/2010/main" xmlns="">
+              <a14:hiddenFill xmlns="" xmlns:a14="http://schemas.microsoft.com/office/drawing/2010/main">
                 <a:noFill/>
               </a14:hiddenFill>
             </a:ext>
             <a:ext uri="{AF507438-7753-43e0-B8FC-AC1667EBCBE1}">
-              <a14:hiddenEffects xmlns:a14="http://schemas.microsoft.com/office/drawing/2010/main" xmlns="">
+              <a14:hiddenEffects xmlns="" xmlns:a14="http://schemas.microsoft.com/office/drawing/2010/main">
                 <a:effectLst>
                   <a:outerShdw blurRad="63500" dist="38099" dir="2700000" algn="ctr" rotWithShape="0">
                     <a:schemeClr val="bg2">
@@ -12518,14 +12357,14 @@
           <a:effectLst/>
           <a:extLst>
             <a:ext uri="{909E8E84-426E-40dd-AFC4-6F175D3DCCD1}">
-              <a14:hiddenFill xmlns:a14="http://schemas.microsoft.com/office/drawing/2010/main" xmlns="">
+              <a14:hiddenFill xmlns="" xmlns:a14="http://schemas.microsoft.com/office/drawing/2010/main">
                 <a:solidFill>
                   <a:schemeClr val="bg2"/>
                 </a:solidFill>
               </a14:hiddenFill>
             </a:ext>
             <a:ext uri="{91240B29-F687-4f45-9708-019B960494DF}">
-              <a14:hiddenLine xmlns:a14="http://schemas.microsoft.com/office/drawing/2010/main" xmlns="" w="25400">
+              <a14:hiddenLine xmlns="" xmlns:a14="http://schemas.microsoft.com/office/drawing/2010/main" w="25400">
                 <a:solidFill>
                   <a:schemeClr val="tx2"/>
                 </a:solidFill>
@@ -12535,7 +12374,7 @@
               </a14:hiddenLine>
             </a:ext>
             <a:ext uri="{AF507438-7753-43e0-B8FC-AC1667EBCBE1}">
-              <a14:hiddenEffects xmlns:a14="http://schemas.microsoft.com/office/drawing/2010/main" xmlns="">
+              <a14:hiddenEffects xmlns="" xmlns:a14="http://schemas.microsoft.com/office/drawing/2010/main">
                 <a:effectLst>
                   <a:outerShdw blurRad="63500" dist="38099" dir="2700000" algn="ctr" rotWithShape="0">
                     <a:schemeClr val="bg2">
@@ -12588,12 +12427,12 @@
           <a:effectLst/>
           <a:extLst>
             <a:ext uri="{909E8E84-426E-40dd-AFC4-6F175D3DCCD1}">
-              <a14:hiddenFill xmlns:a14="http://schemas.microsoft.com/office/drawing/2010/main" xmlns="">
+              <a14:hiddenFill xmlns="" xmlns:a14="http://schemas.microsoft.com/office/drawing/2010/main">
                 <a:noFill/>
               </a14:hiddenFill>
             </a:ext>
             <a:ext uri="{AF507438-7753-43e0-B8FC-AC1667EBCBE1}">
-              <a14:hiddenEffects xmlns:a14="http://schemas.microsoft.com/office/drawing/2010/main" xmlns="">
+              <a14:hiddenEffects xmlns="" xmlns:a14="http://schemas.microsoft.com/office/drawing/2010/main">
                 <a:effectLst>
                   <a:outerShdw blurRad="63500" dist="38099" dir="2700000" algn="ctr" rotWithShape="0">
                     <a:schemeClr val="bg2">
@@ -13464,14 +13303,14 @@
           <a:effectLst/>
           <a:extLst>
             <a:ext uri="{909E8E84-426E-40dd-AFC4-6F175D3DCCD1}">
-              <a14:hiddenFill xmlns:a14="http://schemas.microsoft.com/office/drawing/2010/main" xmlns="">
+              <a14:hiddenFill xmlns="" xmlns:a14="http://schemas.microsoft.com/office/drawing/2010/main">
                 <a:solidFill>
                   <a:schemeClr val="bg2"/>
                 </a:solidFill>
               </a14:hiddenFill>
             </a:ext>
             <a:ext uri="{91240B29-F687-4f45-9708-019B960494DF}">
-              <a14:hiddenLine xmlns:a14="http://schemas.microsoft.com/office/drawing/2010/main" xmlns="" w="12700">
+              <a14:hiddenLine xmlns="" xmlns:a14="http://schemas.microsoft.com/office/drawing/2010/main" w="12700">
                 <a:solidFill>
                   <a:schemeClr val="tx1"/>
                 </a:solidFill>
@@ -13481,7 +13320,7 @@
               </a14:hiddenLine>
             </a:ext>
             <a:ext uri="{AF507438-7753-43e0-B8FC-AC1667EBCBE1}">
-              <a14:hiddenEffects xmlns:a14="http://schemas.microsoft.com/office/drawing/2010/main" xmlns="">
+              <a14:hiddenEffects xmlns="" xmlns:a14="http://schemas.microsoft.com/office/drawing/2010/main">
                 <a:effectLst>
                   <a:outerShdw blurRad="63500" dist="38099" dir="2700000" algn="ctr" rotWithShape="0">
                     <a:schemeClr val="bg2">
@@ -13532,14 +13371,14 @@
           <a:effectLst/>
           <a:extLst>
             <a:ext uri="{909E8E84-426E-40dd-AFC4-6F175D3DCCD1}">
-              <a14:hiddenFill xmlns:a14="http://schemas.microsoft.com/office/drawing/2010/main" xmlns="">
+              <a14:hiddenFill xmlns="" xmlns:a14="http://schemas.microsoft.com/office/drawing/2010/main">
                 <a:solidFill>
                   <a:schemeClr val="bg2"/>
                 </a:solidFill>
               </a14:hiddenFill>
             </a:ext>
             <a:ext uri="{91240B29-F687-4f45-9708-019B960494DF}">
-              <a14:hiddenLine xmlns:a14="http://schemas.microsoft.com/office/drawing/2010/main" xmlns="" w="12700">
+              <a14:hiddenLine xmlns="" xmlns:a14="http://schemas.microsoft.com/office/drawing/2010/main" w="12700">
                 <a:solidFill>
                   <a:schemeClr val="tx1"/>
                 </a:solidFill>
@@ -13549,7 +13388,7 @@
               </a14:hiddenLine>
             </a:ext>
             <a:ext uri="{AF507438-7753-43e0-B8FC-AC1667EBCBE1}">
-              <a14:hiddenEffects xmlns:a14="http://schemas.microsoft.com/office/drawing/2010/main" xmlns="">
+              <a14:hiddenEffects xmlns="" xmlns:a14="http://schemas.microsoft.com/office/drawing/2010/main">
                 <a:effectLst>
                   <a:outerShdw blurRad="63500" dist="38099" dir="2700000" algn="ctr" rotWithShape="0">
                     <a:schemeClr val="bg2">
@@ -13600,14 +13439,14 @@
           <a:effectLst/>
           <a:extLst>
             <a:ext uri="{909E8E84-426E-40dd-AFC4-6F175D3DCCD1}">
-              <a14:hiddenFill xmlns:a14="http://schemas.microsoft.com/office/drawing/2010/main" xmlns="">
+              <a14:hiddenFill xmlns="" xmlns:a14="http://schemas.microsoft.com/office/drawing/2010/main">
                 <a:solidFill>
                   <a:schemeClr val="bg2"/>
                 </a:solidFill>
               </a14:hiddenFill>
             </a:ext>
             <a:ext uri="{91240B29-F687-4f45-9708-019B960494DF}">
-              <a14:hiddenLine xmlns:a14="http://schemas.microsoft.com/office/drawing/2010/main" xmlns="" w="12700">
+              <a14:hiddenLine xmlns="" xmlns:a14="http://schemas.microsoft.com/office/drawing/2010/main" w="12700">
                 <a:solidFill>
                   <a:schemeClr val="tx1"/>
                 </a:solidFill>
@@ -13617,7 +13456,7 @@
               </a14:hiddenLine>
             </a:ext>
             <a:ext uri="{AF507438-7753-43e0-B8FC-AC1667EBCBE1}">
-              <a14:hiddenEffects xmlns:a14="http://schemas.microsoft.com/office/drawing/2010/main" xmlns="">
+              <a14:hiddenEffects xmlns="" xmlns:a14="http://schemas.microsoft.com/office/drawing/2010/main">
                 <a:effectLst>
                   <a:outerShdw blurRad="63500" dist="38099" dir="2700000" algn="ctr" rotWithShape="0">
                     <a:schemeClr val="bg2">
@@ -13668,14 +13507,14 @@
           <a:effectLst/>
           <a:extLst>
             <a:ext uri="{909E8E84-426E-40dd-AFC4-6F175D3DCCD1}">
-              <a14:hiddenFill xmlns:a14="http://schemas.microsoft.com/office/drawing/2010/main" xmlns="">
+              <a14:hiddenFill xmlns="" xmlns:a14="http://schemas.microsoft.com/office/drawing/2010/main">
                 <a:solidFill>
                   <a:schemeClr val="bg2"/>
                 </a:solidFill>
               </a14:hiddenFill>
             </a:ext>
             <a:ext uri="{91240B29-F687-4f45-9708-019B960494DF}">
-              <a14:hiddenLine xmlns:a14="http://schemas.microsoft.com/office/drawing/2010/main" xmlns="" w="12700">
+              <a14:hiddenLine xmlns="" xmlns:a14="http://schemas.microsoft.com/office/drawing/2010/main" w="12700">
                 <a:solidFill>
                   <a:schemeClr val="tx1"/>
                 </a:solidFill>
@@ -13685,7 +13524,7 @@
               </a14:hiddenLine>
             </a:ext>
             <a:ext uri="{AF507438-7753-43e0-B8FC-AC1667EBCBE1}">
-              <a14:hiddenEffects xmlns:a14="http://schemas.microsoft.com/office/drawing/2010/main" xmlns="">
+              <a14:hiddenEffects xmlns="" xmlns:a14="http://schemas.microsoft.com/office/drawing/2010/main">
                 <a:effectLst>
                   <a:outerShdw blurRad="63500" dist="38099" dir="2700000" algn="ctr" rotWithShape="0">
                     <a:schemeClr val="bg2">
@@ -13736,14 +13575,14 @@
           <a:effectLst/>
           <a:extLst>
             <a:ext uri="{909E8E84-426E-40dd-AFC4-6F175D3DCCD1}">
-              <a14:hiddenFill xmlns:a14="http://schemas.microsoft.com/office/drawing/2010/main" xmlns="">
+              <a14:hiddenFill xmlns="" xmlns:a14="http://schemas.microsoft.com/office/drawing/2010/main">
                 <a:solidFill>
                   <a:schemeClr val="bg2"/>
                 </a:solidFill>
               </a14:hiddenFill>
             </a:ext>
             <a:ext uri="{91240B29-F687-4f45-9708-019B960494DF}">
-              <a14:hiddenLine xmlns:a14="http://schemas.microsoft.com/office/drawing/2010/main" xmlns="" w="12700">
+              <a14:hiddenLine xmlns="" xmlns:a14="http://schemas.microsoft.com/office/drawing/2010/main" w="12700">
                 <a:solidFill>
                   <a:schemeClr val="tx1"/>
                 </a:solidFill>
@@ -13753,7 +13592,7 @@
               </a14:hiddenLine>
             </a:ext>
             <a:ext uri="{AF507438-7753-43e0-B8FC-AC1667EBCBE1}">
-              <a14:hiddenEffects xmlns:a14="http://schemas.microsoft.com/office/drawing/2010/main" xmlns="">
+              <a14:hiddenEffects xmlns="" xmlns:a14="http://schemas.microsoft.com/office/drawing/2010/main">
                 <a:effectLst>
                   <a:outerShdw blurRad="63500" dist="38099" dir="2700000" algn="ctr" rotWithShape="0">
                     <a:schemeClr val="bg2">
@@ -13804,14 +13643,14 @@
           <a:effectLst/>
           <a:extLst>
             <a:ext uri="{909E8E84-426E-40dd-AFC4-6F175D3DCCD1}">
-              <a14:hiddenFill xmlns:a14="http://schemas.microsoft.com/office/drawing/2010/main" xmlns="">
+              <a14:hiddenFill xmlns="" xmlns:a14="http://schemas.microsoft.com/office/drawing/2010/main">
                 <a:solidFill>
                   <a:schemeClr val="bg2"/>
                 </a:solidFill>
               </a14:hiddenFill>
             </a:ext>
             <a:ext uri="{91240B29-F687-4f45-9708-019B960494DF}">
-              <a14:hiddenLine xmlns:a14="http://schemas.microsoft.com/office/drawing/2010/main" xmlns="" w="12700">
+              <a14:hiddenLine xmlns="" xmlns:a14="http://schemas.microsoft.com/office/drawing/2010/main" w="12700">
                 <a:solidFill>
                   <a:schemeClr val="tx1"/>
                 </a:solidFill>
@@ -13821,7 +13660,7 @@
               </a14:hiddenLine>
             </a:ext>
             <a:ext uri="{AF507438-7753-43e0-B8FC-AC1667EBCBE1}">
-              <a14:hiddenEffects xmlns:a14="http://schemas.microsoft.com/office/drawing/2010/main" xmlns="">
+              <a14:hiddenEffects xmlns="" xmlns:a14="http://schemas.microsoft.com/office/drawing/2010/main">
                 <a:effectLst>
                   <a:outerShdw blurRad="63500" dist="38099" dir="2700000" algn="ctr" rotWithShape="0">
                     <a:schemeClr val="bg2">
@@ -13872,14 +13711,14 @@
           <a:effectLst/>
           <a:extLst>
             <a:ext uri="{909E8E84-426E-40dd-AFC4-6F175D3DCCD1}">
-              <a14:hiddenFill xmlns:a14="http://schemas.microsoft.com/office/drawing/2010/main" xmlns="">
+              <a14:hiddenFill xmlns="" xmlns:a14="http://schemas.microsoft.com/office/drawing/2010/main">
                 <a:solidFill>
                   <a:schemeClr val="bg2"/>
                 </a:solidFill>
               </a14:hiddenFill>
             </a:ext>
             <a:ext uri="{91240B29-F687-4f45-9708-019B960494DF}">
-              <a14:hiddenLine xmlns:a14="http://schemas.microsoft.com/office/drawing/2010/main" xmlns="" w="12700">
+              <a14:hiddenLine xmlns="" xmlns:a14="http://schemas.microsoft.com/office/drawing/2010/main" w="12700">
                 <a:solidFill>
                   <a:schemeClr val="tx1"/>
                 </a:solidFill>
@@ -13889,7 +13728,7 @@
               </a14:hiddenLine>
             </a:ext>
             <a:ext uri="{AF507438-7753-43e0-B8FC-AC1667EBCBE1}">
-              <a14:hiddenEffects xmlns:a14="http://schemas.microsoft.com/office/drawing/2010/main" xmlns="">
+              <a14:hiddenEffects xmlns="" xmlns:a14="http://schemas.microsoft.com/office/drawing/2010/main">
                 <a:effectLst>
                   <a:outerShdw blurRad="63500" dist="38099" dir="2700000" algn="ctr" rotWithShape="0">
                     <a:schemeClr val="bg2">
@@ -13940,14 +13779,14 @@
           <a:effectLst/>
           <a:extLst>
             <a:ext uri="{909E8E84-426E-40dd-AFC4-6F175D3DCCD1}">
-              <a14:hiddenFill xmlns:a14="http://schemas.microsoft.com/office/drawing/2010/main" xmlns="">
+              <a14:hiddenFill xmlns="" xmlns:a14="http://schemas.microsoft.com/office/drawing/2010/main">
                 <a:solidFill>
                   <a:schemeClr val="bg2"/>
                 </a:solidFill>
               </a14:hiddenFill>
             </a:ext>
             <a:ext uri="{91240B29-F687-4f45-9708-019B960494DF}">
-              <a14:hiddenLine xmlns:a14="http://schemas.microsoft.com/office/drawing/2010/main" xmlns="" w="12700">
+              <a14:hiddenLine xmlns="" xmlns:a14="http://schemas.microsoft.com/office/drawing/2010/main" w="12700">
                 <a:solidFill>
                   <a:schemeClr val="tx1"/>
                 </a:solidFill>
@@ -13957,7 +13796,7 @@
               </a14:hiddenLine>
             </a:ext>
             <a:ext uri="{AF507438-7753-43e0-B8FC-AC1667EBCBE1}">
-              <a14:hiddenEffects xmlns:a14="http://schemas.microsoft.com/office/drawing/2010/main" xmlns="">
+              <a14:hiddenEffects xmlns="" xmlns:a14="http://schemas.microsoft.com/office/drawing/2010/main">
                 <a:effectLst>
                   <a:outerShdw blurRad="63500" dist="38099" dir="2700000" algn="ctr" rotWithShape="0">
                     <a:schemeClr val="bg2">
@@ -14008,14 +13847,14 @@
           <a:effectLst/>
           <a:extLst>
             <a:ext uri="{909E8E84-426E-40dd-AFC4-6F175D3DCCD1}">
-              <a14:hiddenFill xmlns:a14="http://schemas.microsoft.com/office/drawing/2010/main" xmlns="">
+              <a14:hiddenFill xmlns="" xmlns:a14="http://schemas.microsoft.com/office/drawing/2010/main">
                 <a:solidFill>
                   <a:schemeClr val="bg2"/>
                 </a:solidFill>
               </a14:hiddenFill>
             </a:ext>
             <a:ext uri="{91240B29-F687-4f45-9708-019B960494DF}">
-              <a14:hiddenLine xmlns:a14="http://schemas.microsoft.com/office/drawing/2010/main" xmlns="" w="12700">
+              <a14:hiddenLine xmlns="" xmlns:a14="http://schemas.microsoft.com/office/drawing/2010/main" w="12700">
                 <a:solidFill>
                   <a:schemeClr val="tx1"/>
                 </a:solidFill>
@@ -14025,7 +13864,7 @@
               </a14:hiddenLine>
             </a:ext>
             <a:ext uri="{AF507438-7753-43e0-B8FC-AC1667EBCBE1}">
-              <a14:hiddenEffects xmlns:a14="http://schemas.microsoft.com/office/drawing/2010/main" xmlns="">
+              <a14:hiddenEffects xmlns="" xmlns:a14="http://schemas.microsoft.com/office/drawing/2010/main">
                 <a:effectLst>
                   <a:outerShdw blurRad="63500" dist="38099" dir="2700000" algn="ctr" rotWithShape="0">
                     <a:schemeClr val="bg2">
@@ -14076,14 +13915,14 @@
           <a:effectLst/>
           <a:extLst>
             <a:ext uri="{909E8E84-426E-40dd-AFC4-6F175D3DCCD1}">
-              <a14:hiddenFill xmlns:a14="http://schemas.microsoft.com/office/drawing/2010/main" xmlns="">
+              <a14:hiddenFill xmlns="" xmlns:a14="http://schemas.microsoft.com/office/drawing/2010/main">
                 <a:solidFill>
                   <a:schemeClr val="bg2"/>
                 </a:solidFill>
               </a14:hiddenFill>
             </a:ext>
             <a:ext uri="{91240B29-F687-4f45-9708-019B960494DF}">
-              <a14:hiddenLine xmlns:a14="http://schemas.microsoft.com/office/drawing/2010/main" xmlns="" w="12700">
+              <a14:hiddenLine xmlns="" xmlns:a14="http://schemas.microsoft.com/office/drawing/2010/main" w="12700">
                 <a:solidFill>
                   <a:schemeClr val="tx1"/>
                 </a:solidFill>
@@ -14093,7 +13932,7 @@
               </a14:hiddenLine>
             </a:ext>
             <a:ext uri="{AF507438-7753-43e0-B8FC-AC1667EBCBE1}">
-              <a14:hiddenEffects xmlns:a14="http://schemas.microsoft.com/office/drawing/2010/main" xmlns="">
+              <a14:hiddenEffects xmlns="" xmlns:a14="http://schemas.microsoft.com/office/drawing/2010/main">
                 <a:effectLst>
                   <a:outerShdw blurRad="63500" dist="38099" dir="2700000" algn="ctr" rotWithShape="0">
                     <a:schemeClr val="bg2">
@@ -14147,14 +13986,14 @@
           <a:effectLst/>
           <a:extLst>
             <a:ext uri="{909E8E84-426E-40dd-AFC4-6F175D3DCCD1}">
-              <a14:hiddenFill xmlns:a14="http://schemas.microsoft.com/office/drawing/2010/main" xmlns="">
+              <a14:hiddenFill xmlns="" xmlns:a14="http://schemas.microsoft.com/office/drawing/2010/main">
                 <a:solidFill>
                   <a:schemeClr val="bg2"/>
                 </a:solidFill>
               </a14:hiddenFill>
             </a:ext>
             <a:ext uri="{91240B29-F687-4f45-9708-019B960494DF}">
-              <a14:hiddenLine xmlns:a14="http://schemas.microsoft.com/office/drawing/2010/main" xmlns="" w="12700">
+              <a14:hiddenLine xmlns="" xmlns:a14="http://schemas.microsoft.com/office/drawing/2010/main" w="12700">
                 <a:solidFill>
                   <a:schemeClr val="tx1"/>
                 </a:solidFill>
@@ -14164,7 +14003,7 @@
               </a14:hiddenLine>
             </a:ext>
             <a:ext uri="{AF507438-7753-43e0-B8FC-AC1667EBCBE1}">
-              <a14:hiddenEffects xmlns:a14="http://schemas.microsoft.com/office/drawing/2010/main" xmlns="">
+              <a14:hiddenEffects xmlns="" xmlns:a14="http://schemas.microsoft.com/office/drawing/2010/main">
                 <a:effectLst>
                   <a:outerShdw blurRad="63500" dist="38099" dir="2700000" algn="ctr" rotWithShape="0">
                     <a:schemeClr val="bg2">
@@ -14223,12 +14062,12 @@
           <a:effectLst/>
           <a:extLst>
             <a:ext uri="{909E8E84-426E-40dd-AFC4-6F175D3DCCD1}">
-              <a14:hiddenFill xmlns:a14="http://schemas.microsoft.com/office/drawing/2010/main" xmlns="">
+              <a14:hiddenFill xmlns="" xmlns:a14="http://schemas.microsoft.com/office/drawing/2010/main">
                 <a:noFill/>
               </a14:hiddenFill>
             </a:ext>
             <a:ext uri="{AF507438-7753-43e0-B8FC-AC1667EBCBE1}">
-              <a14:hiddenEffects xmlns:a14="http://schemas.microsoft.com/office/drawing/2010/main" xmlns="">
+              <a14:hiddenEffects xmlns="" xmlns:a14="http://schemas.microsoft.com/office/drawing/2010/main">
                 <a:effectLst>
                   <a:outerShdw blurRad="63500" dist="38099" dir="2700000" algn="ctr" rotWithShape="0">
                     <a:schemeClr val="bg2">
@@ -14271,14 +14110,14 @@
           <a:effectLst/>
           <a:extLst>
             <a:ext uri="{909E8E84-426E-40dd-AFC4-6F175D3DCCD1}">
-              <a14:hiddenFill xmlns:a14="http://schemas.microsoft.com/office/drawing/2010/main" xmlns="">
+              <a14:hiddenFill xmlns="" xmlns:a14="http://schemas.microsoft.com/office/drawing/2010/main">
                 <a:solidFill>
                   <a:schemeClr val="bg2"/>
                 </a:solidFill>
               </a14:hiddenFill>
             </a:ext>
             <a:ext uri="{91240B29-F687-4f45-9708-019B960494DF}">
-              <a14:hiddenLine xmlns:a14="http://schemas.microsoft.com/office/drawing/2010/main" xmlns="" w="12700">
+              <a14:hiddenLine xmlns="" xmlns:a14="http://schemas.microsoft.com/office/drawing/2010/main" w="12700">
                 <a:solidFill>
                   <a:schemeClr val="tx1"/>
                 </a:solidFill>
@@ -14288,7 +14127,7 @@
               </a14:hiddenLine>
             </a:ext>
             <a:ext uri="{AF507438-7753-43e0-B8FC-AC1667EBCBE1}">
-              <a14:hiddenEffects xmlns:a14="http://schemas.microsoft.com/office/drawing/2010/main" xmlns="">
+              <a14:hiddenEffects xmlns="" xmlns:a14="http://schemas.microsoft.com/office/drawing/2010/main">
                 <a:effectLst>
                   <a:outerShdw blurRad="63500" dist="38099" dir="2700000" algn="ctr" rotWithShape="0">
                     <a:schemeClr val="bg2">
@@ -14347,12 +14186,12 @@
           <a:effectLst/>
           <a:extLst>
             <a:ext uri="{909E8E84-426E-40dd-AFC4-6F175D3DCCD1}">
-              <a14:hiddenFill xmlns:a14="http://schemas.microsoft.com/office/drawing/2010/main" xmlns="">
+              <a14:hiddenFill xmlns="" xmlns:a14="http://schemas.microsoft.com/office/drawing/2010/main">
                 <a:noFill/>
               </a14:hiddenFill>
             </a:ext>
             <a:ext uri="{AF507438-7753-43e0-B8FC-AC1667EBCBE1}">
-              <a14:hiddenEffects xmlns:a14="http://schemas.microsoft.com/office/drawing/2010/main" xmlns="">
+              <a14:hiddenEffects xmlns="" xmlns:a14="http://schemas.microsoft.com/office/drawing/2010/main">
                 <a:effectLst>
                   <a:outerShdw blurRad="63500" dist="38099" dir="2700000" algn="ctr" rotWithShape="0">
                     <a:schemeClr val="bg2">
@@ -14395,14 +14234,14 @@
           <a:effectLst/>
           <a:extLst>
             <a:ext uri="{909E8E84-426E-40dd-AFC4-6F175D3DCCD1}">
-              <a14:hiddenFill xmlns:a14="http://schemas.microsoft.com/office/drawing/2010/main" xmlns="">
+              <a14:hiddenFill xmlns="" xmlns:a14="http://schemas.microsoft.com/office/drawing/2010/main">
                 <a:solidFill>
                   <a:schemeClr val="bg2"/>
                 </a:solidFill>
               </a14:hiddenFill>
             </a:ext>
             <a:ext uri="{91240B29-F687-4f45-9708-019B960494DF}">
-              <a14:hiddenLine xmlns:a14="http://schemas.microsoft.com/office/drawing/2010/main" xmlns="" w="12700">
+              <a14:hiddenLine xmlns="" xmlns:a14="http://schemas.microsoft.com/office/drawing/2010/main" w="12700">
                 <a:solidFill>
                   <a:schemeClr val="tx1"/>
                 </a:solidFill>
@@ -14412,7 +14251,7 @@
               </a14:hiddenLine>
             </a:ext>
             <a:ext uri="{AF507438-7753-43e0-B8FC-AC1667EBCBE1}">
-              <a14:hiddenEffects xmlns:a14="http://schemas.microsoft.com/office/drawing/2010/main" xmlns="">
+              <a14:hiddenEffects xmlns="" xmlns:a14="http://schemas.microsoft.com/office/drawing/2010/main">
                 <a:effectLst>
                   <a:outerShdw blurRad="63500" dist="38099" dir="2700000" algn="ctr" rotWithShape="0">
                     <a:schemeClr val="bg2">
@@ -14468,12 +14307,12 @@
           <a:effectLst/>
           <a:extLst>
             <a:ext uri="{909E8E84-426E-40dd-AFC4-6F175D3DCCD1}">
-              <a14:hiddenFill xmlns:a14="http://schemas.microsoft.com/office/drawing/2010/main" xmlns="">
+              <a14:hiddenFill xmlns="" xmlns:a14="http://schemas.microsoft.com/office/drawing/2010/main">
                 <a:noFill/>
               </a14:hiddenFill>
             </a:ext>
             <a:ext uri="{AF507438-7753-43e0-B8FC-AC1667EBCBE1}">
-              <a14:hiddenEffects xmlns:a14="http://schemas.microsoft.com/office/drawing/2010/main" xmlns="">
+              <a14:hiddenEffects xmlns="" xmlns:a14="http://schemas.microsoft.com/office/drawing/2010/main">
                 <a:effectLst>
                   <a:outerShdw blurRad="63500" dist="38099" dir="2700000" algn="ctr" rotWithShape="0">
                     <a:schemeClr val="bg2">
@@ -14516,14 +14355,14 @@
           <a:effectLst/>
           <a:extLst>
             <a:ext uri="{909E8E84-426E-40dd-AFC4-6F175D3DCCD1}">
-              <a14:hiddenFill xmlns:a14="http://schemas.microsoft.com/office/drawing/2010/main" xmlns="">
+              <a14:hiddenFill xmlns="" xmlns:a14="http://schemas.microsoft.com/office/drawing/2010/main">
                 <a:solidFill>
                   <a:schemeClr val="bg2"/>
                 </a:solidFill>
               </a14:hiddenFill>
             </a:ext>
             <a:ext uri="{91240B29-F687-4f45-9708-019B960494DF}">
-              <a14:hiddenLine xmlns:a14="http://schemas.microsoft.com/office/drawing/2010/main" xmlns="" w="12700">
+              <a14:hiddenLine xmlns="" xmlns:a14="http://schemas.microsoft.com/office/drawing/2010/main" w="12700">
                 <a:solidFill>
                   <a:schemeClr val="tx1"/>
                 </a:solidFill>
@@ -14533,7 +14372,7 @@
               </a14:hiddenLine>
             </a:ext>
             <a:ext uri="{AF507438-7753-43e0-B8FC-AC1667EBCBE1}">
-              <a14:hiddenEffects xmlns:a14="http://schemas.microsoft.com/office/drawing/2010/main" xmlns="">
+              <a14:hiddenEffects xmlns="" xmlns:a14="http://schemas.microsoft.com/office/drawing/2010/main">
                 <a:effectLst>
                   <a:outerShdw blurRad="63500" dist="38099" dir="2700000" algn="ctr" rotWithShape="0">
                     <a:schemeClr val="bg2">
@@ -14592,12 +14431,12 @@
           <a:effectLst/>
           <a:extLst>
             <a:ext uri="{909E8E84-426E-40dd-AFC4-6F175D3DCCD1}">
-              <a14:hiddenFill xmlns:a14="http://schemas.microsoft.com/office/drawing/2010/main" xmlns="">
+              <a14:hiddenFill xmlns="" xmlns:a14="http://schemas.microsoft.com/office/drawing/2010/main">
                 <a:noFill/>
               </a14:hiddenFill>
             </a:ext>
             <a:ext uri="{AF507438-7753-43e0-B8FC-AC1667EBCBE1}">
-              <a14:hiddenEffects xmlns:a14="http://schemas.microsoft.com/office/drawing/2010/main" xmlns="">
+              <a14:hiddenEffects xmlns="" xmlns:a14="http://schemas.microsoft.com/office/drawing/2010/main">
                 <a:effectLst>
                   <a:outerShdw blurRad="63500" dist="38099" dir="2700000" algn="ctr" rotWithShape="0">
                     <a:schemeClr val="bg2">
@@ -14645,12 +14484,12 @@
           <a:effectLst/>
           <a:extLst>
             <a:ext uri="{909E8E84-426E-40dd-AFC4-6F175D3DCCD1}">
-              <a14:hiddenFill xmlns:a14="http://schemas.microsoft.com/office/drawing/2010/main" xmlns="">
+              <a14:hiddenFill xmlns="" xmlns:a14="http://schemas.microsoft.com/office/drawing/2010/main">
                 <a:noFill/>
               </a14:hiddenFill>
             </a:ext>
             <a:ext uri="{AF507438-7753-43e0-B8FC-AC1667EBCBE1}">
-              <a14:hiddenEffects xmlns:a14="http://schemas.microsoft.com/office/drawing/2010/main" xmlns="">
+              <a14:hiddenEffects xmlns="" xmlns:a14="http://schemas.microsoft.com/office/drawing/2010/main">
                 <a:effectLst>
                   <a:outerShdw blurRad="63500" dist="38099" dir="2700000" algn="ctr" rotWithShape="0">
                     <a:schemeClr val="bg2">
@@ -14698,12 +14537,12 @@
           <a:effectLst/>
           <a:extLst>
             <a:ext uri="{909E8E84-426E-40dd-AFC4-6F175D3DCCD1}">
-              <a14:hiddenFill xmlns:a14="http://schemas.microsoft.com/office/drawing/2010/main" xmlns="">
+              <a14:hiddenFill xmlns="" xmlns:a14="http://schemas.microsoft.com/office/drawing/2010/main">
                 <a:noFill/>
               </a14:hiddenFill>
             </a:ext>
             <a:ext uri="{AF507438-7753-43e0-B8FC-AC1667EBCBE1}">
-              <a14:hiddenEffects xmlns:a14="http://schemas.microsoft.com/office/drawing/2010/main" xmlns="">
+              <a14:hiddenEffects xmlns="" xmlns:a14="http://schemas.microsoft.com/office/drawing/2010/main">
                 <a:effectLst>
                   <a:outerShdw blurRad="63500" dist="38099" dir="2700000" algn="ctr" rotWithShape="0">
                     <a:schemeClr val="bg2">
@@ -14751,12 +14590,12 @@
           <a:effectLst/>
           <a:extLst>
             <a:ext uri="{909E8E84-426E-40dd-AFC4-6F175D3DCCD1}">
-              <a14:hiddenFill xmlns:a14="http://schemas.microsoft.com/office/drawing/2010/main" xmlns="">
+              <a14:hiddenFill xmlns="" xmlns:a14="http://schemas.microsoft.com/office/drawing/2010/main">
                 <a:noFill/>
               </a14:hiddenFill>
             </a:ext>
             <a:ext uri="{AF507438-7753-43e0-B8FC-AC1667EBCBE1}">
-              <a14:hiddenEffects xmlns:a14="http://schemas.microsoft.com/office/drawing/2010/main" xmlns="">
+              <a14:hiddenEffects xmlns="" xmlns:a14="http://schemas.microsoft.com/office/drawing/2010/main">
                 <a:effectLst>
                   <a:outerShdw blurRad="63500" dist="38099" dir="2700000" algn="ctr" rotWithShape="0">
                     <a:schemeClr val="bg2">
@@ -14804,12 +14643,12 @@
           <a:effectLst/>
           <a:extLst>
             <a:ext uri="{909E8E84-426E-40dd-AFC4-6F175D3DCCD1}">
-              <a14:hiddenFill xmlns:a14="http://schemas.microsoft.com/office/drawing/2010/main" xmlns="">
+              <a14:hiddenFill xmlns="" xmlns:a14="http://schemas.microsoft.com/office/drawing/2010/main">
                 <a:noFill/>
               </a14:hiddenFill>
             </a:ext>
             <a:ext uri="{AF507438-7753-43e0-B8FC-AC1667EBCBE1}">
-              <a14:hiddenEffects xmlns:a14="http://schemas.microsoft.com/office/drawing/2010/main" xmlns="">
+              <a14:hiddenEffects xmlns="" xmlns:a14="http://schemas.microsoft.com/office/drawing/2010/main">
                 <a:effectLst>
                   <a:outerShdw blurRad="63500" dist="38099" dir="2700000" algn="ctr" rotWithShape="0">
                     <a:schemeClr val="bg2">
@@ -14857,12 +14696,12 @@
           <a:effectLst/>
           <a:extLst>
             <a:ext uri="{909E8E84-426E-40dd-AFC4-6F175D3DCCD1}">
-              <a14:hiddenFill xmlns:a14="http://schemas.microsoft.com/office/drawing/2010/main" xmlns="">
+              <a14:hiddenFill xmlns="" xmlns:a14="http://schemas.microsoft.com/office/drawing/2010/main">
                 <a:noFill/>
               </a14:hiddenFill>
             </a:ext>
             <a:ext uri="{AF507438-7753-43e0-B8FC-AC1667EBCBE1}">
-              <a14:hiddenEffects xmlns:a14="http://schemas.microsoft.com/office/drawing/2010/main" xmlns="">
+              <a14:hiddenEffects xmlns="" xmlns:a14="http://schemas.microsoft.com/office/drawing/2010/main">
                 <a:effectLst>
                   <a:outerShdw blurRad="63500" dist="38099" dir="2700000" algn="ctr" rotWithShape="0">
                     <a:schemeClr val="bg2">
@@ -14910,12 +14749,12 @@
           <a:effectLst/>
           <a:extLst>
             <a:ext uri="{909E8E84-426E-40dd-AFC4-6F175D3DCCD1}">
-              <a14:hiddenFill xmlns:a14="http://schemas.microsoft.com/office/drawing/2010/main" xmlns="">
+              <a14:hiddenFill xmlns="" xmlns:a14="http://schemas.microsoft.com/office/drawing/2010/main">
                 <a:noFill/>
               </a14:hiddenFill>
             </a:ext>
             <a:ext uri="{AF507438-7753-43e0-B8FC-AC1667EBCBE1}">
-              <a14:hiddenEffects xmlns:a14="http://schemas.microsoft.com/office/drawing/2010/main" xmlns="">
+              <a14:hiddenEffects xmlns="" xmlns:a14="http://schemas.microsoft.com/office/drawing/2010/main">
                 <a:effectLst>
                   <a:outerShdw blurRad="63500" dist="38099" dir="2700000" algn="ctr" rotWithShape="0">
                     <a:schemeClr val="bg2">
@@ -14963,12 +14802,12 @@
           <a:effectLst/>
           <a:extLst>
             <a:ext uri="{909E8E84-426E-40dd-AFC4-6F175D3DCCD1}">
-              <a14:hiddenFill xmlns:a14="http://schemas.microsoft.com/office/drawing/2010/main" xmlns="">
+              <a14:hiddenFill xmlns="" xmlns:a14="http://schemas.microsoft.com/office/drawing/2010/main">
                 <a:noFill/>
               </a14:hiddenFill>
             </a:ext>
             <a:ext uri="{AF507438-7753-43e0-B8FC-AC1667EBCBE1}">
-              <a14:hiddenEffects xmlns:a14="http://schemas.microsoft.com/office/drawing/2010/main" xmlns="">
+              <a14:hiddenEffects xmlns="" xmlns:a14="http://schemas.microsoft.com/office/drawing/2010/main">
                 <a:effectLst>
                   <a:outerShdw blurRad="63500" dist="38099" dir="2700000" algn="ctr" rotWithShape="0">
                     <a:schemeClr val="bg2">
@@ -15016,12 +14855,12 @@
           <a:effectLst/>
           <a:extLst>
             <a:ext uri="{909E8E84-426E-40dd-AFC4-6F175D3DCCD1}">
-              <a14:hiddenFill xmlns:a14="http://schemas.microsoft.com/office/drawing/2010/main" xmlns="">
+              <a14:hiddenFill xmlns="" xmlns:a14="http://schemas.microsoft.com/office/drawing/2010/main">
                 <a:noFill/>
               </a14:hiddenFill>
             </a:ext>
             <a:ext uri="{AF507438-7753-43e0-B8FC-AC1667EBCBE1}">
-              <a14:hiddenEffects xmlns:a14="http://schemas.microsoft.com/office/drawing/2010/main" xmlns="">
+              <a14:hiddenEffects xmlns="" xmlns:a14="http://schemas.microsoft.com/office/drawing/2010/main">
                 <a:effectLst>
                   <a:outerShdw blurRad="63500" dist="38099" dir="2700000" algn="ctr" rotWithShape="0">
                     <a:schemeClr val="bg2">
@@ -15069,12 +14908,12 @@
           <a:effectLst/>
           <a:extLst>
             <a:ext uri="{909E8E84-426E-40dd-AFC4-6F175D3DCCD1}">
-              <a14:hiddenFill xmlns:a14="http://schemas.microsoft.com/office/drawing/2010/main" xmlns="">
+              <a14:hiddenFill xmlns="" xmlns:a14="http://schemas.microsoft.com/office/drawing/2010/main">
                 <a:noFill/>
               </a14:hiddenFill>
             </a:ext>
             <a:ext uri="{AF507438-7753-43e0-B8FC-AC1667EBCBE1}">
-              <a14:hiddenEffects xmlns:a14="http://schemas.microsoft.com/office/drawing/2010/main" xmlns="">
+              <a14:hiddenEffects xmlns="" xmlns:a14="http://schemas.microsoft.com/office/drawing/2010/main">
                 <a:effectLst>
                   <a:outerShdw blurRad="63500" dist="38099" dir="2700000" algn="ctr" rotWithShape="0">
                     <a:schemeClr val="bg2">
@@ -15117,14 +14956,14 @@
           <a:effectLst/>
           <a:extLst>
             <a:ext uri="{909E8E84-426E-40dd-AFC4-6F175D3DCCD1}">
-              <a14:hiddenFill xmlns:a14="http://schemas.microsoft.com/office/drawing/2010/main" xmlns="">
+              <a14:hiddenFill xmlns="" xmlns:a14="http://schemas.microsoft.com/office/drawing/2010/main">
                 <a:solidFill>
                   <a:schemeClr val="bg2"/>
                 </a:solidFill>
               </a14:hiddenFill>
             </a:ext>
             <a:ext uri="{91240B29-F687-4f45-9708-019B960494DF}">
-              <a14:hiddenLine xmlns:a14="http://schemas.microsoft.com/office/drawing/2010/main" xmlns="" w="25400">
+              <a14:hiddenLine xmlns="" xmlns:a14="http://schemas.microsoft.com/office/drawing/2010/main" w="25400">
                 <a:solidFill>
                   <a:schemeClr val="tx2"/>
                 </a:solidFill>
@@ -15134,7 +14973,7 @@
               </a14:hiddenLine>
             </a:ext>
             <a:ext uri="{AF507438-7753-43e0-B8FC-AC1667EBCBE1}">
-              <a14:hiddenEffects xmlns:a14="http://schemas.microsoft.com/office/drawing/2010/main" xmlns="">
+              <a14:hiddenEffects xmlns="" xmlns:a14="http://schemas.microsoft.com/office/drawing/2010/main">
                 <a:effectLst>
                   <a:outerShdw blurRad="63500" dist="38099" dir="2700000" algn="ctr" rotWithShape="0">
                     <a:schemeClr val="bg2">
@@ -15187,12 +15026,12 @@
           <a:effectLst/>
           <a:extLst>
             <a:ext uri="{909E8E84-426E-40dd-AFC4-6F175D3DCCD1}">
-              <a14:hiddenFill xmlns:a14="http://schemas.microsoft.com/office/drawing/2010/main" xmlns="">
+              <a14:hiddenFill xmlns="" xmlns:a14="http://schemas.microsoft.com/office/drawing/2010/main">
                 <a:noFill/>
               </a14:hiddenFill>
             </a:ext>
             <a:ext uri="{AF507438-7753-43e0-B8FC-AC1667EBCBE1}">
-              <a14:hiddenEffects xmlns:a14="http://schemas.microsoft.com/office/drawing/2010/main" xmlns="">
+              <a14:hiddenEffects xmlns="" xmlns:a14="http://schemas.microsoft.com/office/drawing/2010/main">
                 <a:effectLst>
                   <a:outerShdw blurRad="63500" dist="38099" dir="2700000" algn="ctr" rotWithShape="0">
                     <a:schemeClr val="bg2">
@@ -15484,14 +15323,14 @@
           <a:ln/>
           <a:extLst>
             <a:ext uri="{909E8E84-426E-40dd-AFC4-6F175D3DCCD1}">
-              <a14:hiddenFill xmlns:a14="http://schemas.microsoft.com/office/drawing/2010/main" xmlns="">
+              <a14:hiddenFill xmlns="" xmlns:a14="http://schemas.microsoft.com/office/drawing/2010/main">
                 <a:solidFill>
                   <a:schemeClr val="accent1"/>
                 </a:solidFill>
               </a14:hiddenFill>
             </a:ext>
             <a:ext uri="{91240B29-F687-4f45-9708-019B960494DF}">
-              <a14:hiddenLine xmlns:a14="http://schemas.microsoft.com/office/drawing/2010/main" xmlns="" w="12700">
+              <a14:hiddenLine xmlns="" xmlns:a14="http://schemas.microsoft.com/office/drawing/2010/main" w="12700">
                 <a:solidFill>
                   <a:schemeClr val="tx1"/>
                 </a:solidFill>
@@ -17084,14 +16923,14 @@
           </a:ln>
           <a:extLst>
             <a:ext uri="{909E8E84-426E-40dd-AFC4-6F175D3DCCD1}">
-              <a14:hiddenFill xmlns:a14="http://schemas.microsoft.com/office/drawing/2010/main" xmlns="">
+              <a14:hiddenFill xmlns="" xmlns:a14="http://schemas.microsoft.com/office/drawing/2010/main">
                 <a:solidFill>
                   <a:srgbClr val="FFFFFF"/>
                 </a:solidFill>
               </a14:hiddenFill>
             </a:ext>
             <a:ext uri="{91240B29-F687-4f45-9708-019B960494DF}">
-              <a14:hiddenLine xmlns:a14="http://schemas.microsoft.com/office/drawing/2010/main" xmlns="" w="9525">
+              <a14:hiddenLine xmlns="" xmlns:a14="http://schemas.microsoft.com/office/drawing/2010/main" w="9525">
                 <a:solidFill>
                   <a:srgbClr val="000000"/>
                 </a:solidFill>
@@ -17110,340 +16949,6 @@
           </a:p>
         </p:txBody>
       </p:sp>
-      <p:pic>
-        <p:nvPicPr>
-          <p:cNvPr id="10" name="Picture 5" descr="worldf"/>
-          <p:cNvPicPr>
-            <a:picLocks noChangeAspect="1" noChangeArrowheads="1"/>
-          </p:cNvPicPr>
-          <p:nvPr/>
-        </p:nvPicPr>
-        <p:blipFill>
-          <a:blip r:embed="rId3">
-            <a:extLst>
-              <a:ext uri="{28A0092B-C50C-407E-A947-70E740481C1C}">
-                <a14:useLocalDpi xmlns:a14="http://schemas.microsoft.com/office/drawing/2010/main"/>
-              </a:ext>
-            </a:extLst>
-          </a:blip>
-          <a:srcRect/>
-          <a:stretch>
-            <a:fillRect/>
-          </a:stretch>
-        </p:blipFill>
-        <p:spPr bwMode="auto">
-          <a:xfrm>
-            <a:off x="2133600" y="4065588"/>
-            <a:ext cx="5400675" cy="2667000"/>
-          </a:xfrm>
-          <a:prstGeom prst="rect">
-            <a:avLst/>
-          </a:prstGeom>
-          <a:noFill/>
-          <a:ln>
-            <a:noFill/>
-          </a:ln>
-          <a:extLst>
-            <a:ext uri="{909E8E84-426E-40dd-AFC4-6F175D3DCCD1}">
-              <a14:hiddenFill xmlns:a14="http://schemas.microsoft.com/office/drawing/2010/main" xmlns="">
-                <a:solidFill>
-                  <a:srgbClr val="FFFFFF"/>
-                </a:solidFill>
-              </a14:hiddenFill>
-            </a:ext>
-            <a:ext uri="{91240B29-F687-4f45-9708-019B960494DF}">
-              <a14:hiddenLine xmlns:a14="http://schemas.microsoft.com/office/drawing/2010/main" xmlns="" w="9525">
-                <a:solidFill>
-                  <a:srgbClr val="000000"/>
-                </a:solidFill>
-                <a:miter lim="800000"/>
-                <a:headEnd/>
-                <a:tailEnd/>
-              </a14:hiddenLine>
-            </a:ext>
-          </a:extLst>
-        </p:spPr>
-      </p:pic>
-      <p:sp>
-        <p:nvSpPr>
-          <p:cNvPr id="11" name="Freeform 6"/>
-          <p:cNvSpPr>
-            <a:spLocks/>
-          </p:cNvSpPr>
-          <p:nvPr/>
-        </p:nvSpPr>
-        <p:spPr bwMode="auto">
-          <a:xfrm>
-            <a:off x="2605088" y="3267075"/>
-            <a:ext cx="804862" cy="1511300"/>
-          </a:xfrm>
-          <a:custGeom>
-            <a:avLst/>
-            <a:gdLst>
-              <a:gd name="T0" fmla="*/ 0 w 963"/>
-              <a:gd name="T1" fmla="*/ 0 h 1893"/>
-              <a:gd name="T2" fmla="*/ 0 w 963"/>
-              <a:gd name="T3" fmla="*/ 742477 h 1893"/>
-              <a:gd name="T4" fmla="*/ 804862 w 963"/>
-              <a:gd name="T5" fmla="*/ 1511300 h 1893"/>
-              <a:gd name="T6" fmla="*/ 0 60000 65536"/>
-              <a:gd name="T7" fmla="*/ 0 60000 65536"/>
-              <a:gd name="T8" fmla="*/ 0 60000 65536"/>
-              <a:gd name="T9" fmla="*/ 0 w 963"/>
-              <a:gd name="T10" fmla="*/ 0 h 1893"/>
-              <a:gd name="T11" fmla="*/ 963 w 963"/>
-              <a:gd name="T12" fmla="*/ 1893 h 1893"/>
-            </a:gdLst>
-            <a:ahLst/>
-            <a:cxnLst>
-              <a:cxn ang="T6">
-                <a:pos x="T0" y="T1"/>
-              </a:cxn>
-              <a:cxn ang="T7">
-                <a:pos x="T2" y="T3"/>
-              </a:cxn>
-              <a:cxn ang="T8">
-                <a:pos x="T4" y="T5"/>
-              </a:cxn>
-            </a:cxnLst>
-            <a:rect l="T9" t="T10" r="T11" b="T12"/>
-            <a:pathLst>
-              <a:path w="963" h="1893">
-                <a:moveTo>
-                  <a:pt x="0" y="0"/>
-                </a:moveTo>
-                <a:lnTo>
-                  <a:pt x="0" y="930"/>
-                </a:lnTo>
-                <a:lnTo>
-                  <a:pt x="963" y="1893"/>
-                </a:lnTo>
-              </a:path>
-            </a:pathLst>
-          </a:custGeom>
-          <a:noFill/>
-          <a:ln w="19050">
-            <a:solidFill>
-              <a:srgbClr val="000000"/>
-            </a:solidFill>
-            <a:round/>
-            <a:headEnd/>
-            <a:tailEnd type="triangle" w="med" len="med"/>
-          </a:ln>
-          <a:extLst>
-            <a:ext uri="{909E8E84-426E-40dd-AFC4-6F175D3DCCD1}">
-              <a14:hiddenFill xmlns:a14="http://schemas.microsoft.com/office/drawing/2010/main" xmlns="">
-                <a:solidFill>
-                  <a:srgbClr val="FFFFFF"/>
-                </a:solidFill>
-              </a14:hiddenFill>
-            </a:ext>
-          </a:extLst>
-        </p:spPr>
-        <p:txBody>
-          <a:bodyPr/>
-          <a:lstStyle/>
-          <a:p>
-            <a:endParaRPr lang="en-US"/>
-          </a:p>
-        </p:txBody>
-      </p:sp>
-      <p:sp>
-        <p:nvSpPr>
-          <p:cNvPr id="12" name="Text Box 17"/>
-          <p:cNvSpPr txBox="1">
-            <a:spLocks noChangeArrowheads="1"/>
-          </p:cNvSpPr>
-          <p:nvPr/>
-        </p:nvSpPr>
-        <p:spPr bwMode="auto">
-          <a:xfrm>
-            <a:off x="2665413" y="2559050"/>
-            <a:ext cx="3903662" cy="1304925"/>
-          </a:xfrm>
-          <a:prstGeom prst="rect">
-            <a:avLst/>
-          </a:prstGeom>
-          <a:noFill/>
-          <a:ln>
-            <a:noFill/>
-          </a:ln>
-          <a:extLst>
-            <a:ext uri="{909E8E84-426E-40dd-AFC4-6F175D3DCCD1}">
-              <a14:hiddenFill xmlns:a14="http://schemas.microsoft.com/office/drawing/2010/main" xmlns="">
-                <a:solidFill>
-                  <a:srgbClr val="FFFFFF"/>
-                </a:solidFill>
-              </a14:hiddenFill>
-            </a:ext>
-            <a:ext uri="{91240B29-F687-4f45-9708-019B960494DF}">
-              <a14:hiddenLine xmlns:a14="http://schemas.microsoft.com/office/drawing/2010/main" xmlns="" w="9525">
-                <a:solidFill>
-                  <a:srgbClr val="000000"/>
-                </a:solidFill>
-                <a:miter lim="800000"/>
-                <a:headEnd/>
-                <a:tailEnd/>
-              </a14:hiddenLine>
-            </a:ext>
-          </a:extLst>
-        </p:spPr>
-        <p:txBody>
-          <a:bodyPr lIns="71323" tIns="35662" rIns="71323" bIns="35662"/>
-          <a:lstStyle>
-            <a:lvl1pPr eaLnBrk="0" hangingPunct="0">
-              <a:defRPr sz="2000" b="1">
-                <a:solidFill>
-                  <a:schemeClr val="tx1"/>
-                </a:solidFill>
-                <a:latin typeface="Courier New" charset="0"/>
-                <a:ea typeface="ＭＳ Ｐゴシック" charset="0"/>
-                <a:cs typeface="Arial" charset="0"/>
-              </a:defRPr>
-            </a:lvl1pPr>
-            <a:lvl2pPr marL="37931725" indent="-37474525" eaLnBrk="0" hangingPunct="0">
-              <a:defRPr sz="2000" b="1">
-                <a:solidFill>
-                  <a:schemeClr val="tx1"/>
-                </a:solidFill>
-                <a:latin typeface="Courier New" charset="0"/>
-                <a:ea typeface="Arial" charset="0"/>
-                <a:cs typeface="Arial" charset="0"/>
-              </a:defRPr>
-            </a:lvl2pPr>
-            <a:lvl3pPr eaLnBrk="0" hangingPunct="0">
-              <a:defRPr sz="2000" b="1">
-                <a:solidFill>
-                  <a:schemeClr val="tx1"/>
-                </a:solidFill>
-                <a:latin typeface="Courier New" charset="0"/>
-                <a:ea typeface="Arial" charset="0"/>
-                <a:cs typeface="Arial" charset="0"/>
-              </a:defRPr>
-            </a:lvl3pPr>
-            <a:lvl4pPr eaLnBrk="0" hangingPunct="0">
-              <a:defRPr sz="2000" b="1">
-                <a:solidFill>
-                  <a:schemeClr val="tx1"/>
-                </a:solidFill>
-                <a:latin typeface="Courier New" charset="0"/>
-                <a:ea typeface="Arial" charset="0"/>
-                <a:cs typeface="Arial" charset="0"/>
-              </a:defRPr>
-            </a:lvl4pPr>
-            <a:lvl5pPr eaLnBrk="0" hangingPunct="0">
-              <a:defRPr sz="2000" b="1">
-                <a:solidFill>
-                  <a:schemeClr val="tx1"/>
-                </a:solidFill>
-                <a:latin typeface="Courier New" charset="0"/>
-                <a:ea typeface="Arial" charset="0"/>
-                <a:cs typeface="Arial" charset="0"/>
-              </a:defRPr>
-            </a:lvl5pPr>
-            <a:lvl6pPr marL="457200" eaLnBrk="0" fontAlgn="base" hangingPunct="0">
-              <a:spcBef>
-                <a:spcPct val="0"/>
-              </a:spcBef>
-              <a:spcAft>
-                <a:spcPct val="0"/>
-              </a:spcAft>
-              <a:defRPr sz="2000" b="1">
-                <a:solidFill>
-                  <a:schemeClr val="tx1"/>
-                </a:solidFill>
-                <a:latin typeface="Courier New" charset="0"/>
-                <a:ea typeface="Arial" charset="0"/>
-                <a:cs typeface="Arial" charset="0"/>
-              </a:defRPr>
-            </a:lvl6pPr>
-            <a:lvl7pPr marL="914400" eaLnBrk="0" fontAlgn="base" hangingPunct="0">
-              <a:spcBef>
-                <a:spcPct val="0"/>
-              </a:spcBef>
-              <a:spcAft>
-                <a:spcPct val="0"/>
-              </a:spcAft>
-              <a:defRPr sz="2000" b="1">
-                <a:solidFill>
-                  <a:schemeClr val="tx1"/>
-                </a:solidFill>
-                <a:latin typeface="Courier New" charset="0"/>
-                <a:ea typeface="Arial" charset="0"/>
-                <a:cs typeface="Arial" charset="0"/>
-              </a:defRPr>
-            </a:lvl7pPr>
-            <a:lvl8pPr marL="1371600" eaLnBrk="0" fontAlgn="base" hangingPunct="0">
-              <a:spcBef>
-                <a:spcPct val="0"/>
-              </a:spcBef>
-              <a:spcAft>
-                <a:spcPct val="0"/>
-              </a:spcAft>
-              <a:defRPr sz="2000" b="1">
-                <a:solidFill>
-                  <a:schemeClr val="tx1"/>
-                </a:solidFill>
-                <a:latin typeface="Courier New" charset="0"/>
-                <a:ea typeface="Arial" charset="0"/>
-                <a:cs typeface="Arial" charset="0"/>
-              </a:defRPr>
-            </a:lvl8pPr>
-            <a:lvl9pPr marL="1828800" eaLnBrk="0" fontAlgn="base" hangingPunct="0">
-              <a:spcBef>
-                <a:spcPct val="0"/>
-              </a:spcBef>
-              <a:spcAft>
-                <a:spcPct val="0"/>
-              </a:spcAft>
-              <a:defRPr sz="2000" b="1">
-                <a:solidFill>
-                  <a:schemeClr val="tx1"/>
-                </a:solidFill>
-                <a:latin typeface="Courier New" charset="0"/>
-                <a:ea typeface="Arial" charset="0"/>
-                <a:cs typeface="Arial" charset="0"/>
-              </a:defRPr>
-            </a:lvl9pPr>
-          </a:lstStyle>
-          <a:p>
-            <a:pPr algn="l"/>
-            <a:endParaRPr lang="en-US" sz="1400" b="0" dirty="0">
-              <a:solidFill>
-                <a:srgbClr val="000000"/>
-              </a:solidFill>
-              <a:latin typeface="Arial" charset="0"/>
-            </a:endParaRPr>
-          </a:p>
-          <a:p>
-            <a:pPr algn="l"/>
-            <a:endParaRPr lang="en-US" sz="1400" b="0" dirty="0">
-              <a:solidFill>
-                <a:srgbClr val="000000"/>
-              </a:solidFill>
-              <a:latin typeface="Arial" charset="0"/>
-            </a:endParaRPr>
-          </a:p>
-          <a:p>
-            <a:pPr algn="l"/>
-            <a:r>
-              <a:rPr lang="en-US" sz="1400" b="0" dirty="0">
-                <a:solidFill>
-                  <a:srgbClr val="000000"/>
-                </a:solidFill>
-                <a:latin typeface="Arial" charset="0"/>
-              </a:rPr>
-              <a:t>Verisign, Dulles, VA</a:t>
-            </a:r>
-          </a:p>
-          <a:p>
-            <a:pPr algn="ctr"/>
-            <a:endParaRPr lang="en-US" sz="2800" b="0" dirty="0">
-              <a:latin typeface="Times New Roman" charset="0"/>
-            </a:endParaRPr>
-          </a:p>
-        </p:txBody>
-      </p:sp>
       <p:sp>
         <p:nvSpPr>
           <p:cNvPr id="4" name="Date Placeholder 3"/>
@@ -17521,7 +17026,7 @@
     </p:spTree>
     <p:extLst>
       <p:ext uri="{BB962C8B-B14F-4D97-AF65-F5344CB8AC3E}">
-        <p14:creationId xmlns:p14="http://schemas.microsoft.com/office/powerpoint/2010/main" val="1077404646"/>
+        <p14:creationId xmlns:p14="http://schemas.microsoft.com/office/powerpoint/2010/main" val="285456852"/>
       </p:ext>
     </p:extLst>
   </p:cSld>
@@ -17550,9 +17055,15 @@
       </p:grpSpPr>
       <p:sp>
         <p:nvSpPr>
-          <p:cNvPr id="73731" name="Rectangle 2"/>
+          <p:cNvPr id="2" name="Title 1">
+            <a:extLst>
+              <a:ext uri="{FF2B5EF4-FFF2-40B4-BE49-F238E27FC236}">
+                <a16:creationId xmlns:a16="http://schemas.microsoft.com/office/drawing/2014/main" id="{BF368B66-1FD5-5E48-B5FA-D2D81BD946EF}"/>
+              </a:ext>
+            </a:extLst>
+          </p:cNvPr>
           <p:cNvSpPr>
-            <a:spLocks noGrp="1" noChangeArrowheads="1"/>
+            <a:spLocks noGrp="1"/>
           </p:cNvSpPr>
           <p:nvPr>
             <p:ph type="title"/>
@@ -17565,1800 +17076,52 @@
           <a:p>
             <a:r>
               <a:rPr lang="en-US" dirty="0"/>
-              <a:t>DNS root servers</a:t>
-            </a:r>
-          </a:p>
-        </p:txBody>
-      </p:sp>
-      <p:sp>
-        <p:nvSpPr>
-          <p:cNvPr id="73732" name="Rectangle 3"/>
-          <p:cNvSpPr>
-            <a:spLocks noGrp="1" noChangeArrowheads="1"/>
-          </p:cNvSpPr>
+              <a:t>13 DNS root servers</a:t>
+            </a:r>
+          </a:p>
+        </p:txBody>
+      </p:sp>
+      <p:pic>
+        <p:nvPicPr>
+          <p:cNvPr id="7" name="Content Placeholder 6">
+            <a:extLst>
+              <a:ext uri="{FF2B5EF4-FFF2-40B4-BE49-F238E27FC236}">
+                <a16:creationId xmlns:a16="http://schemas.microsoft.com/office/drawing/2014/main" id="{62696D06-C682-9047-8641-460B4D36CFE3}"/>
+              </a:ext>
+            </a:extLst>
+          </p:cNvPr>
+          <p:cNvPicPr>
+            <a:picLocks noGrp="1" noChangeAspect="1"/>
+          </p:cNvPicPr>
           <p:nvPr>
             <p:ph idx="1"/>
           </p:nvPr>
-        </p:nvSpPr>
-        <p:spPr/>
-        <p:txBody>
-          <a:bodyPr/>
-          <a:lstStyle/>
-          <a:p>
-            <a:r>
-              <a:rPr lang="en-US" dirty="0"/>
-              <a:t>13 root servers (labeled A-M; see </a:t>
-            </a:r>
-            <a:r>
-              <a:rPr lang="en-US" dirty="0">
-                <a:hlinkClick r:id="rId3"/>
-              </a:rPr>
-              <a:t>http://www.root-servers.org/</a:t>
-            </a:r>
-            <a:r>
-              <a:rPr lang="en-US" dirty="0"/>
-              <a:t>)</a:t>
-            </a:r>
-          </a:p>
-        </p:txBody>
-      </p:sp>
-      <p:sp>
-        <p:nvSpPr>
-          <p:cNvPr id="73733" name="AutoShape 4"/>
-          <p:cNvSpPr>
-            <a:spLocks noChangeAspect="1" noChangeArrowheads="1"/>
-          </p:cNvSpPr>
-          <p:nvPr/>
-        </p:nvSpPr>
-        <p:spPr bwMode="auto">
+        </p:nvPicPr>
+        <p:blipFill>
+          <a:blip r:embed="rId2"/>
+          <a:stretch>
+            <a:fillRect/>
+          </a:stretch>
+        </p:blipFill>
+        <p:spPr>
           <a:xfrm>
-            <a:off x="481013" y="3089275"/>
-            <a:ext cx="7234237" cy="3643313"/>
+            <a:off x="685800" y="1796788"/>
+            <a:ext cx="7924800" cy="4026424"/>
           </a:xfrm>
           <a:prstGeom prst="rect">
             <a:avLst/>
           </a:prstGeom>
-          <a:noFill/>
-          <a:ln>
-            <a:noFill/>
-          </a:ln>
-          <a:extLst>
-            <a:ext uri="{909E8E84-426E-40dd-AFC4-6F175D3DCCD1}">
-              <a14:hiddenFill xmlns:a14="http://schemas.microsoft.com/office/drawing/2010/main" xmlns="">
-                <a:solidFill>
-                  <a:srgbClr val="FFFFFF"/>
-                </a:solidFill>
-              </a14:hiddenFill>
-            </a:ext>
-            <a:ext uri="{91240B29-F687-4f45-9708-019B960494DF}">
-              <a14:hiddenLine xmlns:a14="http://schemas.microsoft.com/office/drawing/2010/main" xmlns="" w="9525">
-                <a:solidFill>
-                  <a:srgbClr val="000000"/>
-                </a:solidFill>
-                <a:miter lim="800000"/>
-                <a:headEnd/>
-                <a:tailEnd/>
-              </a14:hiddenLine>
-            </a:ext>
-          </a:extLst>
         </p:spPr>
-        <p:txBody>
-          <a:bodyPr/>
-          <a:lstStyle/>
-          <a:p>
-            <a:endParaRPr lang="en-US"/>
-          </a:p>
-        </p:txBody>
-      </p:sp>
-      <p:pic>
-        <p:nvPicPr>
-          <p:cNvPr id="73734" name="Picture 5" descr="worldf"/>
-          <p:cNvPicPr>
-            <a:picLocks noChangeAspect="1" noChangeArrowheads="1"/>
-          </p:cNvPicPr>
-          <p:nvPr/>
-        </p:nvPicPr>
-        <p:blipFill>
-          <a:blip r:embed="rId4">
+      </p:pic>
+      <p:sp>
+        <p:nvSpPr>
+          <p:cNvPr id="4" name="Date Placeholder 3">
             <a:extLst>
-              <a:ext uri="{28A0092B-C50C-407E-A947-70E740481C1C}">
-                <a14:useLocalDpi xmlns:a14="http://schemas.microsoft.com/office/drawing/2010/main"/>
+              <a:ext uri="{FF2B5EF4-FFF2-40B4-BE49-F238E27FC236}">
+                <a16:creationId xmlns:a16="http://schemas.microsoft.com/office/drawing/2014/main" id="{D867D452-4F78-1044-91C6-0035CDBC093F}"/>
               </a:ext>
             </a:extLst>
-          </a:blip>
-          <a:srcRect/>
-          <a:stretch>
-            <a:fillRect/>
-          </a:stretch>
-        </p:blipFill>
-        <p:spPr bwMode="auto">
-          <a:xfrm>
-            <a:off x="2133600" y="4065588"/>
-            <a:ext cx="5400675" cy="2667000"/>
-          </a:xfrm>
-          <a:prstGeom prst="rect">
-            <a:avLst/>
-          </a:prstGeom>
-          <a:noFill/>
-          <a:ln>
-            <a:noFill/>
-          </a:ln>
-          <a:extLst>
-            <a:ext uri="{909E8E84-426E-40dd-AFC4-6F175D3DCCD1}">
-              <a14:hiddenFill xmlns:a14="http://schemas.microsoft.com/office/drawing/2010/main" xmlns="">
-                <a:solidFill>
-                  <a:srgbClr val="FFFFFF"/>
-                </a:solidFill>
-              </a14:hiddenFill>
-            </a:ext>
-            <a:ext uri="{91240B29-F687-4f45-9708-019B960494DF}">
-              <a14:hiddenLine xmlns:a14="http://schemas.microsoft.com/office/drawing/2010/main" xmlns="" w="9525">
-                <a:solidFill>
-                  <a:srgbClr val="000000"/>
-                </a:solidFill>
-                <a:miter lim="800000"/>
-                <a:headEnd/>
-                <a:tailEnd/>
-              </a14:hiddenLine>
-            </a:ext>
-          </a:extLst>
-        </p:spPr>
-      </p:pic>
-      <p:sp>
-        <p:nvSpPr>
-          <p:cNvPr id="73735" name="Freeform 6"/>
-          <p:cNvSpPr>
-            <a:spLocks/>
-          </p:cNvSpPr>
-          <p:nvPr/>
-        </p:nvSpPr>
-        <p:spPr bwMode="auto">
-          <a:xfrm>
-            <a:off x="2605088" y="3267075"/>
-            <a:ext cx="804862" cy="1511300"/>
-          </a:xfrm>
-          <a:custGeom>
-            <a:avLst/>
-            <a:gdLst>
-              <a:gd name="T0" fmla="*/ 0 w 963"/>
-              <a:gd name="T1" fmla="*/ 0 h 1893"/>
-              <a:gd name="T2" fmla="*/ 0 w 963"/>
-              <a:gd name="T3" fmla="*/ 742477 h 1893"/>
-              <a:gd name="T4" fmla="*/ 804862 w 963"/>
-              <a:gd name="T5" fmla="*/ 1511300 h 1893"/>
-              <a:gd name="T6" fmla="*/ 0 60000 65536"/>
-              <a:gd name="T7" fmla="*/ 0 60000 65536"/>
-              <a:gd name="T8" fmla="*/ 0 60000 65536"/>
-              <a:gd name="T9" fmla="*/ 0 w 963"/>
-              <a:gd name="T10" fmla="*/ 0 h 1893"/>
-              <a:gd name="T11" fmla="*/ 963 w 963"/>
-              <a:gd name="T12" fmla="*/ 1893 h 1893"/>
-            </a:gdLst>
-            <a:ahLst/>
-            <a:cxnLst>
-              <a:cxn ang="T6">
-                <a:pos x="T0" y="T1"/>
-              </a:cxn>
-              <a:cxn ang="T7">
-                <a:pos x="T2" y="T3"/>
-              </a:cxn>
-              <a:cxn ang="T8">
-                <a:pos x="T4" y="T5"/>
-              </a:cxn>
-            </a:cxnLst>
-            <a:rect l="T9" t="T10" r="T11" b="T12"/>
-            <a:pathLst>
-              <a:path w="963" h="1893">
-                <a:moveTo>
-                  <a:pt x="0" y="0"/>
-                </a:moveTo>
-                <a:lnTo>
-                  <a:pt x="0" y="930"/>
-                </a:lnTo>
-                <a:lnTo>
-                  <a:pt x="963" y="1893"/>
-                </a:lnTo>
-              </a:path>
-            </a:pathLst>
-          </a:custGeom>
-          <a:noFill/>
-          <a:ln w="19050">
-            <a:solidFill>
-              <a:srgbClr val="000000"/>
-            </a:solidFill>
-            <a:round/>
-            <a:headEnd/>
-            <a:tailEnd type="triangle" w="med" len="med"/>
-          </a:ln>
-          <a:extLst>
-            <a:ext uri="{909E8E84-426E-40dd-AFC4-6F175D3DCCD1}">
-              <a14:hiddenFill xmlns:a14="http://schemas.microsoft.com/office/drawing/2010/main" xmlns="">
-                <a:solidFill>
-                  <a:srgbClr val="FFFFFF"/>
-                </a:solidFill>
-              </a14:hiddenFill>
-            </a:ext>
-          </a:extLst>
-        </p:spPr>
-        <p:txBody>
-          <a:bodyPr/>
-          <a:lstStyle/>
-          <a:p>
-            <a:endParaRPr lang="en-US"/>
-          </a:p>
-        </p:txBody>
-      </p:sp>
-      <p:sp>
-        <p:nvSpPr>
-          <p:cNvPr id="73736" name="Text Box 7"/>
-          <p:cNvSpPr txBox="1">
-            <a:spLocks noChangeArrowheads="1"/>
-          </p:cNvSpPr>
-          <p:nvPr/>
-        </p:nvSpPr>
-        <p:spPr bwMode="auto">
-          <a:xfrm>
-            <a:off x="654050" y="5627688"/>
-            <a:ext cx="2633663" cy="452437"/>
-          </a:xfrm>
-          <a:prstGeom prst="rect">
-            <a:avLst/>
-          </a:prstGeom>
-          <a:noFill/>
-          <a:ln>
-            <a:noFill/>
-          </a:ln>
-          <a:extLst>
-            <a:ext uri="{909E8E84-426E-40dd-AFC4-6F175D3DCCD1}">
-              <a14:hiddenFill xmlns:a14="http://schemas.microsoft.com/office/drawing/2010/main" xmlns="">
-                <a:solidFill>
-                  <a:srgbClr val="FFFFFF"/>
-                </a:solidFill>
-              </a14:hiddenFill>
-            </a:ext>
-            <a:ext uri="{91240B29-F687-4f45-9708-019B960494DF}">
-              <a14:hiddenLine xmlns:a14="http://schemas.microsoft.com/office/drawing/2010/main" xmlns="" w="9525">
-                <a:solidFill>
-                  <a:srgbClr val="000000"/>
-                </a:solidFill>
-                <a:miter lim="800000"/>
-                <a:headEnd/>
-                <a:tailEnd/>
-              </a14:hiddenLine>
-            </a:ext>
-          </a:extLst>
-        </p:spPr>
-        <p:txBody>
-          <a:bodyPr lIns="71323" tIns="35662" rIns="71323" bIns="35662"/>
-          <a:lstStyle>
-            <a:lvl1pPr eaLnBrk="0" hangingPunct="0">
-              <a:defRPr sz="2000" b="1">
-                <a:solidFill>
-                  <a:schemeClr val="tx1"/>
-                </a:solidFill>
-                <a:latin typeface="Courier New" charset="0"/>
-                <a:ea typeface="ＭＳ Ｐゴシック" charset="0"/>
-                <a:cs typeface="Arial" charset="0"/>
-              </a:defRPr>
-            </a:lvl1pPr>
-            <a:lvl2pPr marL="37931725" indent="-37474525" eaLnBrk="0" hangingPunct="0">
-              <a:defRPr sz="2000" b="1">
-                <a:solidFill>
-                  <a:schemeClr val="tx1"/>
-                </a:solidFill>
-                <a:latin typeface="Courier New" charset="0"/>
-                <a:ea typeface="Arial" charset="0"/>
-                <a:cs typeface="Arial" charset="0"/>
-              </a:defRPr>
-            </a:lvl2pPr>
-            <a:lvl3pPr eaLnBrk="0" hangingPunct="0">
-              <a:defRPr sz="2000" b="1">
-                <a:solidFill>
-                  <a:schemeClr val="tx1"/>
-                </a:solidFill>
-                <a:latin typeface="Courier New" charset="0"/>
-                <a:ea typeface="Arial" charset="0"/>
-                <a:cs typeface="Arial" charset="0"/>
-              </a:defRPr>
-            </a:lvl3pPr>
-            <a:lvl4pPr eaLnBrk="0" hangingPunct="0">
-              <a:defRPr sz="2000" b="1">
-                <a:solidFill>
-                  <a:schemeClr val="tx1"/>
-                </a:solidFill>
-                <a:latin typeface="Courier New" charset="0"/>
-                <a:ea typeface="Arial" charset="0"/>
-                <a:cs typeface="Arial" charset="0"/>
-              </a:defRPr>
-            </a:lvl4pPr>
-            <a:lvl5pPr eaLnBrk="0" hangingPunct="0">
-              <a:defRPr sz="2000" b="1">
-                <a:solidFill>
-                  <a:schemeClr val="tx1"/>
-                </a:solidFill>
-                <a:latin typeface="Courier New" charset="0"/>
-                <a:ea typeface="Arial" charset="0"/>
-                <a:cs typeface="Arial" charset="0"/>
-              </a:defRPr>
-            </a:lvl5pPr>
-            <a:lvl6pPr marL="457200" eaLnBrk="0" fontAlgn="base" hangingPunct="0">
-              <a:spcBef>
-                <a:spcPct val="0"/>
-              </a:spcBef>
-              <a:spcAft>
-                <a:spcPct val="0"/>
-              </a:spcAft>
-              <a:defRPr sz="2000" b="1">
-                <a:solidFill>
-                  <a:schemeClr val="tx1"/>
-                </a:solidFill>
-                <a:latin typeface="Courier New" charset="0"/>
-                <a:ea typeface="Arial" charset="0"/>
-                <a:cs typeface="Arial" charset="0"/>
-              </a:defRPr>
-            </a:lvl6pPr>
-            <a:lvl7pPr marL="914400" eaLnBrk="0" fontAlgn="base" hangingPunct="0">
-              <a:spcBef>
-                <a:spcPct val="0"/>
-              </a:spcBef>
-              <a:spcAft>
-                <a:spcPct val="0"/>
-              </a:spcAft>
-              <a:defRPr sz="2000" b="1">
-                <a:solidFill>
-                  <a:schemeClr val="tx1"/>
-                </a:solidFill>
-                <a:latin typeface="Courier New" charset="0"/>
-                <a:ea typeface="Arial" charset="0"/>
-                <a:cs typeface="Arial" charset="0"/>
-              </a:defRPr>
-            </a:lvl7pPr>
-            <a:lvl8pPr marL="1371600" eaLnBrk="0" fontAlgn="base" hangingPunct="0">
-              <a:spcBef>
-                <a:spcPct val="0"/>
-              </a:spcBef>
-              <a:spcAft>
-                <a:spcPct val="0"/>
-              </a:spcAft>
-              <a:defRPr sz="2000" b="1">
-                <a:solidFill>
-                  <a:schemeClr val="tx1"/>
-                </a:solidFill>
-                <a:latin typeface="Courier New" charset="0"/>
-                <a:ea typeface="Arial" charset="0"/>
-                <a:cs typeface="Arial" charset="0"/>
-              </a:defRPr>
-            </a:lvl8pPr>
-            <a:lvl9pPr marL="1828800" eaLnBrk="0" fontAlgn="base" hangingPunct="0">
-              <a:spcBef>
-                <a:spcPct val="0"/>
-              </a:spcBef>
-              <a:spcAft>
-                <a:spcPct val="0"/>
-              </a:spcAft>
-              <a:defRPr sz="2000" b="1">
-                <a:solidFill>
-                  <a:schemeClr val="tx1"/>
-                </a:solidFill>
-                <a:latin typeface="Courier New" charset="0"/>
-                <a:ea typeface="Arial" charset="0"/>
-                <a:cs typeface="Arial" charset="0"/>
-              </a:defRPr>
-            </a:lvl9pPr>
-          </a:lstStyle>
-          <a:p>
-            <a:pPr algn="l"/>
-            <a:r>
-              <a:rPr lang="en-US" sz="1400" b="0">
-                <a:solidFill>
-                  <a:srgbClr val="000000"/>
-                </a:solidFill>
-                <a:latin typeface="Arial" charset="0"/>
-              </a:rPr>
-              <a:t>B USC-ISI Marina del Rey, CA</a:t>
-            </a:r>
-          </a:p>
-          <a:p>
-            <a:pPr algn="l"/>
-            <a:r>
-              <a:rPr lang="en-US" sz="1400" b="0">
-                <a:solidFill>
-                  <a:srgbClr val="000000"/>
-                </a:solidFill>
-                <a:latin typeface="Arial" charset="0"/>
-              </a:rPr>
-              <a:t>L ICANN Los Angeles, CA</a:t>
-            </a:r>
-          </a:p>
-          <a:p>
-            <a:pPr algn="ctr"/>
-            <a:endParaRPr lang="en-US" sz="2400" b="0">
-              <a:latin typeface="Times New Roman" charset="0"/>
-            </a:endParaRPr>
-          </a:p>
-        </p:txBody>
-      </p:sp>
-      <p:sp>
-        <p:nvSpPr>
-          <p:cNvPr id="73737" name="Freeform 8"/>
-          <p:cNvSpPr>
-            <a:spLocks/>
-          </p:cNvSpPr>
-          <p:nvPr/>
-        </p:nvSpPr>
-        <p:spPr bwMode="auto">
-          <a:xfrm>
-            <a:off x="1789113" y="4965700"/>
-            <a:ext cx="952500" cy="668338"/>
-          </a:xfrm>
-          <a:custGeom>
-            <a:avLst/>
-            <a:gdLst>
-              <a:gd name="T0" fmla="*/ 0 w 582"/>
-              <a:gd name="T1" fmla="*/ 668338 h 426"/>
-              <a:gd name="T2" fmla="*/ 952500 w 582"/>
-              <a:gd name="T3" fmla="*/ 0 h 426"/>
-              <a:gd name="T4" fmla="*/ 0 60000 65536"/>
-              <a:gd name="T5" fmla="*/ 0 60000 65536"/>
-              <a:gd name="T6" fmla="*/ 0 w 582"/>
-              <a:gd name="T7" fmla="*/ 0 h 426"/>
-              <a:gd name="T8" fmla="*/ 582 w 582"/>
-              <a:gd name="T9" fmla="*/ 426 h 426"/>
-            </a:gdLst>
-            <a:ahLst/>
-            <a:cxnLst>
-              <a:cxn ang="T4">
-                <a:pos x="T0" y="T1"/>
-              </a:cxn>
-              <a:cxn ang="T5">
-                <a:pos x="T2" y="T3"/>
-              </a:cxn>
-            </a:cxnLst>
-            <a:rect l="T6" t="T7" r="T8" b="T9"/>
-            <a:pathLst>
-              <a:path w="582" h="426">
-                <a:moveTo>
-                  <a:pt x="0" y="426"/>
-                </a:moveTo>
-                <a:lnTo>
-                  <a:pt x="582" y="0"/>
-                </a:lnTo>
-              </a:path>
-            </a:pathLst>
-          </a:custGeom>
-          <a:noFill/>
-          <a:ln w="19050">
-            <a:solidFill>
-              <a:srgbClr val="000000"/>
-            </a:solidFill>
-            <a:round/>
-            <a:headEnd/>
-            <a:tailEnd type="triangle" w="med" len="med"/>
-          </a:ln>
-          <a:extLst>
-            <a:ext uri="{909E8E84-426E-40dd-AFC4-6F175D3DCCD1}">
-              <a14:hiddenFill xmlns:a14="http://schemas.microsoft.com/office/drawing/2010/main" xmlns="">
-                <a:solidFill>
-                  <a:srgbClr val="FFFFFF"/>
-                </a:solidFill>
-              </a14:hiddenFill>
-            </a:ext>
-          </a:extLst>
-        </p:spPr>
-        <p:txBody>
-          <a:bodyPr/>
-          <a:lstStyle/>
-          <a:p>
-            <a:endParaRPr lang="en-US"/>
-          </a:p>
-        </p:txBody>
-      </p:sp>
-      <p:sp>
-        <p:nvSpPr>
-          <p:cNvPr id="73738" name="Text Box 9"/>
-          <p:cNvSpPr txBox="1">
-            <a:spLocks noChangeArrowheads="1"/>
-          </p:cNvSpPr>
-          <p:nvPr/>
-        </p:nvSpPr>
-        <p:spPr bwMode="auto">
-          <a:xfrm>
-            <a:off x="347663" y="3903663"/>
-            <a:ext cx="2573337" cy="960437"/>
-          </a:xfrm>
-          <a:prstGeom prst="rect">
-            <a:avLst/>
-          </a:prstGeom>
-          <a:noFill/>
-          <a:ln>
-            <a:noFill/>
-          </a:ln>
-          <a:extLst>
-            <a:ext uri="{909E8E84-426E-40dd-AFC4-6F175D3DCCD1}">
-              <a14:hiddenFill xmlns:a14="http://schemas.microsoft.com/office/drawing/2010/main" xmlns="">
-                <a:solidFill>
-                  <a:srgbClr val="FFFFFF"/>
-                </a:solidFill>
-              </a14:hiddenFill>
-            </a:ext>
-            <a:ext uri="{91240B29-F687-4f45-9708-019B960494DF}">
-              <a14:hiddenLine xmlns:a14="http://schemas.microsoft.com/office/drawing/2010/main" xmlns="" w="9525">
-                <a:solidFill>
-                  <a:srgbClr val="000000"/>
-                </a:solidFill>
-                <a:miter lim="800000"/>
-                <a:headEnd/>
-                <a:tailEnd/>
-              </a14:hiddenLine>
-            </a:ext>
-          </a:extLst>
-        </p:spPr>
-        <p:txBody>
-          <a:bodyPr lIns="71323" tIns="35662" rIns="71323" bIns="35662"/>
-          <a:lstStyle>
-            <a:lvl1pPr eaLnBrk="0" hangingPunct="0">
-              <a:defRPr sz="2000" b="1">
-                <a:solidFill>
-                  <a:schemeClr val="tx1"/>
-                </a:solidFill>
-                <a:latin typeface="Courier New" charset="0"/>
-                <a:ea typeface="ＭＳ Ｐゴシック" charset="0"/>
-                <a:cs typeface="Arial" charset="0"/>
-              </a:defRPr>
-            </a:lvl1pPr>
-            <a:lvl2pPr marL="37931725" indent="-37474525" eaLnBrk="0" hangingPunct="0">
-              <a:defRPr sz="2000" b="1">
-                <a:solidFill>
-                  <a:schemeClr val="tx1"/>
-                </a:solidFill>
-                <a:latin typeface="Courier New" charset="0"/>
-                <a:ea typeface="Arial" charset="0"/>
-                <a:cs typeface="Arial" charset="0"/>
-              </a:defRPr>
-            </a:lvl2pPr>
-            <a:lvl3pPr eaLnBrk="0" hangingPunct="0">
-              <a:defRPr sz="2000" b="1">
-                <a:solidFill>
-                  <a:schemeClr val="tx1"/>
-                </a:solidFill>
-                <a:latin typeface="Courier New" charset="0"/>
-                <a:ea typeface="Arial" charset="0"/>
-                <a:cs typeface="Arial" charset="0"/>
-              </a:defRPr>
-            </a:lvl3pPr>
-            <a:lvl4pPr eaLnBrk="0" hangingPunct="0">
-              <a:defRPr sz="2000" b="1">
-                <a:solidFill>
-                  <a:schemeClr val="tx1"/>
-                </a:solidFill>
-                <a:latin typeface="Courier New" charset="0"/>
-                <a:ea typeface="Arial" charset="0"/>
-                <a:cs typeface="Arial" charset="0"/>
-              </a:defRPr>
-            </a:lvl4pPr>
-            <a:lvl5pPr eaLnBrk="0" hangingPunct="0">
-              <a:defRPr sz="2000" b="1">
-                <a:solidFill>
-                  <a:schemeClr val="tx1"/>
-                </a:solidFill>
-                <a:latin typeface="Courier New" charset="0"/>
-                <a:ea typeface="Arial" charset="0"/>
-                <a:cs typeface="Arial" charset="0"/>
-              </a:defRPr>
-            </a:lvl5pPr>
-            <a:lvl6pPr marL="457200" eaLnBrk="0" fontAlgn="base" hangingPunct="0">
-              <a:spcBef>
-                <a:spcPct val="0"/>
-              </a:spcBef>
-              <a:spcAft>
-                <a:spcPct val="0"/>
-              </a:spcAft>
-              <a:defRPr sz="2000" b="1">
-                <a:solidFill>
-                  <a:schemeClr val="tx1"/>
-                </a:solidFill>
-                <a:latin typeface="Courier New" charset="0"/>
-                <a:ea typeface="Arial" charset="0"/>
-                <a:cs typeface="Arial" charset="0"/>
-              </a:defRPr>
-            </a:lvl6pPr>
-            <a:lvl7pPr marL="914400" eaLnBrk="0" fontAlgn="base" hangingPunct="0">
-              <a:spcBef>
-                <a:spcPct val="0"/>
-              </a:spcBef>
-              <a:spcAft>
-                <a:spcPct val="0"/>
-              </a:spcAft>
-              <a:defRPr sz="2000" b="1">
-                <a:solidFill>
-                  <a:schemeClr val="tx1"/>
-                </a:solidFill>
-                <a:latin typeface="Courier New" charset="0"/>
-                <a:ea typeface="Arial" charset="0"/>
-                <a:cs typeface="Arial" charset="0"/>
-              </a:defRPr>
-            </a:lvl7pPr>
-            <a:lvl8pPr marL="1371600" eaLnBrk="0" fontAlgn="base" hangingPunct="0">
-              <a:spcBef>
-                <a:spcPct val="0"/>
-              </a:spcBef>
-              <a:spcAft>
-                <a:spcPct val="0"/>
-              </a:spcAft>
-              <a:defRPr sz="2000" b="1">
-                <a:solidFill>
-                  <a:schemeClr val="tx1"/>
-                </a:solidFill>
-                <a:latin typeface="Courier New" charset="0"/>
-                <a:ea typeface="Arial" charset="0"/>
-                <a:cs typeface="Arial" charset="0"/>
-              </a:defRPr>
-            </a:lvl8pPr>
-            <a:lvl9pPr marL="1828800" eaLnBrk="0" fontAlgn="base" hangingPunct="0">
-              <a:spcBef>
-                <a:spcPct val="0"/>
-              </a:spcBef>
-              <a:spcAft>
-                <a:spcPct val="0"/>
-              </a:spcAft>
-              <a:defRPr sz="2000" b="1">
-                <a:solidFill>
-                  <a:schemeClr val="tx1"/>
-                </a:solidFill>
-                <a:latin typeface="Courier New" charset="0"/>
-                <a:ea typeface="Arial" charset="0"/>
-                <a:cs typeface="Arial" charset="0"/>
-              </a:defRPr>
-            </a:lvl9pPr>
-          </a:lstStyle>
-          <a:p>
-            <a:pPr algn="l"/>
-            <a:r>
-              <a:rPr lang="en-US" sz="1400" b="0">
-                <a:solidFill>
-                  <a:srgbClr val="000000"/>
-                </a:solidFill>
-                <a:latin typeface="Arial" charset="0"/>
-              </a:rPr>
-              <a:t>E NASA Mt View, CA</a:t>
-            </a:r>
-          </a:p>
-          <a:p>
-            <a:pPr algn="l"/>
-            <a:r>
-              <a:rPr lang="en-US" sz="1400" b="0">
-                <a:solidFill>
-                  <a:srgbClr val="000000"/>
-                </a:solidFill>
-                <a:latin typeface="Arial" charset="0"/>
-              </a:rPr>
-              <a:t>F  Internet Software</a:t>
-            </a:r>
-          </a:p>
-          <a:p>
-            <a:pPr algn="l"/>
-            <a:r>
-              <a:rPr lang="en-US" sz="1400" b="0">
-                <a:solidFill>
-                  <a:srgbClr val="000000"/>
-                </a:solidFill>
-                <a:latin typeface="Arial" charset="0"/>
-              </a:rPr>
-              <a:t>    Consortium </a:t>
-            </a:r>
-          </a:p>
-          <a:p>
-            <a:pPr algn="l"/>
-            <a:r>
-              <a:rPr lang="en-US" sz="1400" b="0">
-                <a:solidFill>
-                  <a:srgbClr val="000000"/>
-                </a:solidFill>
-                <a:latin typeface="Arial" charset="0"/>
-              </a:rPr>
-              <a:t>    Palo</a:t>
-            </a:r>
-            <a:r>
-              <a:rPr lang="en-US" sz="1200" b="0">
-                <a:solidFill>
-                  <a:srgbClr val="000000"/>
-                </a:solidFill>
-                <a:latin typeface="Arial" charset="0"/>
-              </a:rPr>
-              <a:t> </a:t>
-            </a:r>
-            <a:r>
-              <a:rPr lang="en-US" sz="1400" b="0">
-                <a:solidFill>
-                  <a:srgbClr val="000000"/>
-                </a:solidFill>
-                <a:latin typeface="Arial" charset="0"/>
-              </a:rPr>
-              <a:t>Alto, CA</a:t>
-            </a:r>
-            <a:endParaRPr lang="en-US" sz="3200" b="0">
-              <a:latin typeface="Times New Roman" charset="0"/>
-            </a:endParaRPr>
-          </a:p>
-        </p:txBody>
-      </p:sp>
-      <p:sp>
-        <p:nvSpPr>
-          <p:cNvPr id="73739" name="Freeform 10"/>
-          <p:cNvSpPr>
-            <a:spLocks/>
-          </p:cNvSpPr>
-          <p:nvPr/>
-        </p:nvSpPr>
-        <p:spPr bwMode="auto">
-          <a:xfrm flipV="1">
-            <a:off x="1660525" y="4665663"/>
-            <a:ext cx="1022350" cy="225425"/>
-          </a:xfrm>
-          <a:custGeom>
-            <a:avLst/>
-            <a:gdLst>
-              <a:gd name="T0" fmla="*/ 0 w 582"/>
-              <a:gd name="T1" fmla="*/ 225425 h 426"/>
-              <a:gd name="T2" fmla="*/ 1022350 w 582"/>
-              <a:gd name="T3" fmla="*/ 0 h 426"/>
-              <a:gd name="T4" fmla="*/ 0 60000 65536"/>
-              <a:gd name="T5" fmla="*/ 0 60000 65536"/>
-              <a:gd name="T6" fmla="*/ 0 w 582"/>
-              <a:gd name="T7" fmla="*/ 0 h 426"/>
-              <a:gd name="T8" fmla="*/ 582 w 582"/>
-              <a:gd name="T9" fmla="*/ 426 h 426"/>
-            </a:gdLst>
-            <a:ahLst/>
-            <a:cxnLst>
-              <a:cxn ang="T4">
-                <a:pos x="T0" y="T1"/>
-              </a:cxn>
-              <a:cxn ang="T5">
-                <a:pos x="T2" y="T3"/>
-              </a:cxn>
-            </a:cxnLst>
-            <a:rect l="T6" t="T7" r="T8" b="T9"/>
-            <a:pathLst>
-              <a:path w="582" h="426">
-                <a:moveTo>
-                  <a:pt x="0" y="426"/>
-                </a:moveTo>
-                <a:lnTo>
-                  <a:pt x="582" y="0"/>
-                </a:lnTo>
-              </a:path>
-            </a:pathLst>
-          </a:custGeom>
-          <a:noFill/>
-          <a:ln w="19050">
-            <a:solidFill>
-              <a:srgbClr val="000000"/>
-            </a:solidFill>
-            <a:round/>
-            <a:headEnd/>
-            <a:tailEnd type="triangle" w="med" len="med"/>
-          </a:ln>
-          <a:extLst>
-            <a:ext uri="{909E8E84-426E-40dd-AFC4-6F175D3DCCD1}">
-              <a14:hiddenFill xmlns:a14="http://schemas.microsoft.com/office/drawing/2010/main" xmlns="">
-                <a:solidFill>
-                  <a:srgbClr val="FFFFFF"/>
-                </a:solidFill>
-              </a14:hiddenFill>
-            </a:ext>
-          </a:extLst>
-        </p:spPr>
-        <p:txBody>
-          <a:bodyPr/>
-          <a:lstStyle/>
-          <a:p>
-            <a:endParaRPr lang="en-US"/>
-          </a:p>
-        </p:txBody>
-      </p:sp>
-      <p:sp>
-        <p:nvSpPr>
-          <p:cNvPr id="73740" name="Text Box 11"/>
-          <p:cNvSpPr txBox="1">
-            <a:spLocks noChangeArrowheads="1"/>
-          </p:cNvSpPr>
-          <p:nvPr/>
-        </p:nvSpPr>
-        <p:spPr bwMode="auto">
-          <a:xfrm>
-            <a:off x="5253038" y="3570288"/>
-            <a:ext cx="2498725" cy="273050"/>
-          </a:xfrm>
-          <a:prstGeom prst="rect">
-            <a:avLst/>
-          </a:prstGeom>
-          <a:noFill/>
-          <a:ln>
-            <a:noFill/>
-          </a:ln>
-          <a:extLst>
-            <a:ext uri="{909E8E84-426E-40dd-AFC4-6F175D3DCCD1}">
-              <a14:hiddenFill xmlns:a14="http://schemas.microsoft.com/office/drawing/2010/main" xmlns="">
-                <a:solidFill>
-                  <a:srgbClr val="FFFFFF"/>
-                </a:solidFill>
-              </a14:hiddenFill>
-            </a:ext>
-            <a:ext uri="{91240B29-F687-4f45-9708-019B960494DF}">
-              <a14:hiddenLine xmlns:a14="http://schemas.microsoft.com/office/drawing/2010/main" xmlns="" w="9525">
-                <a:solidFill>
-                  <a:srgbClr val="000000"/>
-                </a:solidFill>
-                <a:miter lim="800000"/>
-                <a:headEnd/>
-                <a:tailEnd/>
-              </a14:hiddenLine>
-            </a:ext>
-          </a:extLst>
-        </p:spPr>
-        <p:txBody>
-          <a:bodyPr lIns="71323" tIns="35662" rIns="71323" bIns="35662"/>
-          <a:lstStyle>
-            <a:lvl1pPr eaLnBrk="0" hangingPunct="0">
-              <a:defRPr sz="2000" b="1">
-                <a:solidFill>
-                  <a:schemeClr val="tx1"/>
-                </a:solidFill>
-                <a:latin typeface="Courier New" charset="0"/>
-                <a:ea typeface="ＭＳ Ｐゴシック" charset="0"/>
-                <a:cs typeface="Arial" charset="0"/>
-              </a:defRPr>
-            </a:lvl1pPr>
-            <a:lvl2pPr marL="37931725" indent="-37474525" eaLnBrk="0" hangingPunct="0">
-              <a:defRPr sz="2000" b="1">
-                <a:solidFill>
-                  <a:schemeClr val="tx1"/>
-                </a:solidFill>
-                <a:latin typeface="Courier New" charset="0"/>
-                <a:ea typeface="Arial" charset="0"/>
-                <a:cs typeface="Arial" charset="0"/>
-              </a:defRPr>
-            </a:lvl2pPr>
-            <a:lvl3pPr eaLnBrk="0" hangingPunct="0">
-              <a:defRPr sz="2000" b="1">
-                <a:solidFill>
-                  <a:schemeClr val="tx1"/>
-                </a:solidFill>
-                <a:latin typeface="Courier New" charset="0"/>
-                <a:ea typeface="Arial" charset="0"/>
-                <a:cs typeface="Arial" charset="0"/>
-              </a:defRPr>
-            </a:lvl3pPr>
-            <a:lvl4pPr eaLnBrk="0" hangingPunct="0">
-              <a:defRPr sz="2000" b="1">
-                <a:solidFill>
-                  <a:schemeClr val="tx1"/>
-                </a:solidFill>
-                <a:latin typeface="Courier New" charset="0"/>
-                <a:ea typeface="Arial" charset="0"/>
-                <a:cs typeface="Arial" charset="0"/>
-              </a:defRPr>
-            </a:lvl4pPr>
-            <a:lvl5pPr eaLnBrk="0" hangingPunct="0">
-              <a:defRPr sz="2000" b="1">
-                <a:solidFill>
-                  <a:schemeClr val="tx1"/>
-                </a:solidFill>
-                <a:latin typeface="Courier New" charset="0"/>
-                <a:ea typeface="Arial" charset="0"/>
-                <a:cs typeface="Arial" charset="0"/>
-              </a:defRPr>
-            </a:lvl5pPr>
-            <a:lvl6pPr marL="457200" eaLnBrk="0" fontAlgn="base" hangingPunct="0">
-              <a:spcBef>
-                <a:spcPct val="0"/>
-              </a:spcBef>
-              <a:spcAft>
-                <a:spcPct val="0"/>
-              </a:spcAft>
-              <a:defRPr sz="2000" b="1">
-                <a:solidFill>
-                  <a:schemeClr val="tx1"/>
-                </a:solidFill>
-                <a:latin typeface="Courier New" charset="0"/>
-                <a:ea typeface="Arial" charset="0"/>
-                <a:cs typeface="Arial" charset="0"/>
-              </a:defRPr>
-            </a:lvl6pPr>
-            <a:lvl7pPr marL="914400" eaLnBrk="0" fontAlgn="base" hangingPunct="0">
-              <a:spcBef>
-                <a:spcPct val="0"/>
-              </a:spcBef>
-              <a:spcAft>
-                <a:spcPct val="0"/>
-              </a:spcAft>
-              <a:defRPr sz="2000" b="1">
-                <a:solidFill>
-                  <a:schemeClr val="tx1"/>
-                </a:solidFill>
-                <a:latin typeface="Courier New" charset="0"/>
-                <a:ea typeface="Arial" charset="0"/>
-                <a:cs typeface="Arial" charset="0"/>
-              </a:defRPr>
-            </a:lvl7pPr>
-            <a:lvl8pPr marL="1371600" eaLnBrk="0" fontAlgn="base" hangingPunct="0">
-              <a:spcBef>
-                <a:spcPct val="0"/>
-              </a:spcBef>
-              <a:spcAft>
-                <a:spcPct val="0"/>
-              </a:spcAft>
-              <a:defRPr sz="2000" b="1">
-                <a:solidFill>
-                  <a:schemeClr val="tx1"/>
-                </a:solidFill>
-                <a:latin typeface="Courier New" charset="0"/>
-                <a:ea typeface="Arial" charset="0"/>
-                <a:cs typeface="Arial" charset="0"/>
-              </a:defRPr>
-            </a:lvl8pPr>
-            <a:lvl9pPr marL="1828800" eaLnBrk="0" fontAlgn="base" hangingPunct="0">
-              <a:spcBef>
-                <a:spcPct val="0"/>
-              </a:spcBef>
-              <a:spcAft>
-                <a:spcPct val="0"/>
-              </a:spcAft>
-              <a:defRPr sz="2000" b="1">
-                <a:solidFill>
-                  <a:schemeClr val="tx1"/>
-                </a:solidFill>
-                <a:latin typeface="Courier New" charset="0"/>
-                <a:ea typeface="Arial" charset="0"/>
-                <a:cs typeface="Arial" charset="0"/>
-              </a:defRPr>
-            </a:lvl9pPr>
-          </a:lstStyle>
-          <a:p>
-            <a:r>
-              <a:rPr lang="en-US" sz="1400" b="0">
-                <a:solidFill>
-                  <a:srgbClr val="000000"/>
-                </a:solidFill>
-                <a:latin typeface="Arial" charset="0"/>
-              </a:rPr>
-              <a:t>I </a:t>
-            </a:r>
-            <a:r>
-              <a:rPr lang="en-US" sz="1400" b="0">
-                <a:latin typeface="Arial" charset="0"/>
-              </a:rPr>
-              <a:t>Autonomica,</a:t>
-            </a:r>
-            <a:r>
-              <a:rPr lang="en-US" sz="1400" b="0">
-                <a:solidFill>
-                  <a:srgbClr val="000000"/>
-                </a:solidFill>
-                <a:latin typeface="Arial" charset="0"/>
-              </a:rPr>
-              <a:t> Stockholm</a:t>
-            </a:r>
-          </a:p>
-        </p:txBody>
-      </p:sp>
-      <p:sp>
-        <p:nvSpPr>
-          <p:cNvPr id="73741" name="Freeform 12"/>
-          <p:cNvSpPr>
-            <a:spLocks/>
-          </p:cNvSpPr>
-          <p:nvPr/>
-        </p:nvSpPr>
-        <p:spPr bwMode="auto">
-          <a:xfrm>
-            <a:off x="4797425" y="3813175"/>
-            <a:ext cx="849313" cy="674688"/>
-          </a:xfrm>
-          <a:custGeom>
-            <a:avLst/>
-            <a:gdLst>
-              <a:gd name="T0" fmla="*/ 849313 w 666"/>
-              <a:gd name="T1" fmla="*/ 0 h 1005"/>
-              <a:gd name="T2" fmla="*/ 0 w 666"/>
-              <a:gd name="T3" fmla="*/ 674688 h 1005"/>
-              <a:gd name="T4" fmla="*/ 0 60000 65536"/>
-              <a:gd name="T5" fmla="*/ 0 60000 65536"/>
-              <a:gd name="T6" fmla="*/ 0 w 666"/>
-              <a:gd name="T7" fmla="*/ 0 h 1005"/>
-              <a:gd name="T8" fmla="*/ 666 w 666"/>
-              <a:gd name="T9" fmla="*/ 1005 h 1005"/>
-            </a:gdLst>
-            <a:ahLst/>
-            <a:cxnLst>
-              <a:cxn ang="T4">
-                <a:pos x="T0" y="T1"/>
-              </a:cxn>
-              <a:cxn ang="T5">
-                <a:pos x="T2" y="T3"/>
-              </a:cxn>
-            </a:cxnLst>
-            <a:rect l="T6" t="T7" r="T8" b="T9"/>
-            <a:pathLst>
-              <a:path w="666" h="1005">
-                <a:moveTo>
-                  <a:pt x="666" y="0"/>
-                </a:moveTo>
-                <a:lnTo>
-                  <a:pt x="0" y="1005"/>
-                </a:lnTo>
-              </a:path>
-            </a:pathLst>
-          </a:custGeom>
-          <a:noFill/>
-          <a:ln w="19050">
-            <a:solidFill>
-              <a:srgbClr val="000000"/>
-            </a:solidFill>
-            <a:round/>
-            <a:headEnd/>
-            <a:tailEnd type="triangle" w="med" len="med"/>
-          </a:ln>
-          <a:extLst>
-            <a:ext uri="{909E8E84-426E-40dd-AFC4-6F175D3DCCD1}">
-              <a14:hiddenFill xmlns:a14="http://schemas.microsoft.com/office/drawing/2010/main" xmlns="">
-                <a:solidFill>
-                  <a:srgbClr val="FFFFFF"/>
-                </a:solidFill>
-              </a14:hiddenFill>
-            </a:ext>
-          </a:extLst>
-        </p:spPr>
-        <p:txBody>
-          <a:bodyPr/>
-          <a:lstStyle/>
-          <a:p>
-            <a:endParaRPr lang="en-US"/>
-          </a:p>
-        </p:txBody>
-      </p:sp>
-      <p:sp>
-        <p:nvSpPr>
-          <p:cNvPr id="73742" name="Text Box 13"/>
-          <p:cNvSpPr txBox="1">
-            <a:spLocks noChangeArrowheads="1"/>
-          </p:cNvSpPr>
-          <p:nvPr/>
-        </p:nvSpPr>
-        <p:spPr bwMode="auto">
-          <a:xfrm>
-            <a:off x="5299075" y="3216275"/>
-            <a:ext cx="3844925" cy="225425"/>
-          </a:xfrm>
-          <a:prstGeom prst="rect">
-            <a:avLst/>
-          </a:prstGeom>
-          <a:noFill/>
-          <a:ln>
-            <a:noFill/>
-          </a:ln>
-          <a:extLst>
-            <a:ext uri="{909E8E84-426E-40dd-AFC4-6F175D3DCCD1}">
-              <a14:hiddenFill xmlns:a14="http://schemas.microsoft.com/office/drawing/2010/main" xmlns="">
-                <a:solidFill>
-                  <a:srgbClr val="FFFFFF"/>
-                </a:solidFill>
-              </a14:hiddenFill>
-            </a:ext>
-            <a:ext uri="{91240B29-F687-4f45-9708-019B960494DF}">
-              <a14:hiddenLine xmlns:a14="http://schemas.microsoft.com/office/drawing/2010/main" xmlns="" w="9525">
-                <a:solidFill>
-                  <a:srgbClr val="000000"/>
-                </a:solidFill>
-                <a:miter lim="800000"/>
-                <a:headEnd/>
-                <a:tailEnd/>
-              </a14:hiddenLine>
-            </a:ext>
-          </a:extLst>
-        </p:spPr>
-        <p:txBody>
-          <a:bodyPr lIns="71323" tIns="35662" rIns="71323" bIns="35662"/>
-          <a:lstStyle>
-            <a:lvl1pPr eaLnBrk="0" hangingPunct="0">
-              <a:defRPr sz="2000" b="1">
-                <a:solidFill>
-                  <a:schemeClr val="tx1"/>
-                </a:solidFill>
-                <a:latin typeface="Courier New" charset="0"/>
-                <a:ea typeface="ＭＳ Ｐゴシック" charset="0"/>
-                <a:cs typeface="Arial" charset="0"/>
-              </a:defRPr>
-            </a:lvl1pPr>
-            <a:lvl2pPr marL="37931725" indent="-37474525" eaLnBrk="0" hangingPunct="0">
-              <a:defRPr sz="2000" b="1">
-                <a:solidFill>
-                  <a:schemeClr val="tx1"/>
-                </a:solidFill>
-                <a:latin typeface="Courier New" charset="0"/>
-                <a:ea typeface="Arial" charset="0"/>
-                <a:cs typeface="Arial" charset="0"/>
-              </a:defRPr>
-            </a:lvl2pPr>
-            <a:lvl3pPr eaLnBrk="0" hangingPunct="0">
-              <a:defRPr sz="2000" b="1">
-                <a:solidFill>
-                  <a:schemeClr val="tx1"/>
-                </a:solidFill>
-                <a:latin typeface="Courier New" charset="0"/>
-                <a:ea typeface="Arial" charset="0"/>
-                <a:cs typeface="Arial" charset="0"/>
-              </a:defRPr>
-            </a:lvl3pPr>
-            <a:lvl4pPr eaLnBrk="0" hangingPunct="0">
-              <a:defRPr sz="2000" b="1">
-                <a:solidFill>
-                  <a:schemeClr val="tx1"/>
-                </a:solidFill>
-                <a:latin typeface="Courier New" charset="0"/>
-                <a:ea typeface="Arial" charset="0"/>
-                <a:cs typeface="Arial" charset="0"/>
-              </a:defRPr>
-            </a:lvl4pPr>
-            <a:lvl5pPr eaLnBrk="0" hangingPunct="0">
-              <a:defRPr sz="2000" b="1">
-                <a:solidFill>
-                  <a:schemeClr val="tx1"/>
-                </a:solidFill>
-                <a:latin typeface="Courier New" charset="0"/>
-                <a:ea typeface="Arial" charset="0"/>
-                <a:cs typeface="Arial" charset="0"/>
-              </a:defRPr>
-            </a:lvl5pPr>
-            <a:lvl6pPr marL="457200" eaLnBrk="0" fontAlgn="base" hangingPunct="0">
-              <a:spcBef>
-                <a:spcPct val="0"/>
-              </a:spcBef>
-              <a:spcAft>
-                <a:spcPct val="0"/>
-              </a:spcAft>
-              <a:defRPr sz="2000" b="1">
-                <a:solidFill>
-                  <a:schemeClr val="tx1"/>
-                </a:solidFill>
-                <a:latin typeface="Courier New" charset="0"/>
-                <a:ea typeface="Arial" charset="0"/>
-                <a:cs typeface="Arial" charset="0"/>
-              </a:defRPr>
-            </a:lvl6pPr>
-            <a:lvl7pPr marL="914400" eaLnBrk="0" fontAlgn="base" hangingPunct="0">
-              <a:spcBef>
-                <a:spcPct val="0"/>
-              </a:spcBef>
-              <a:spcAft>
-                <a:spcPct val="0"/>
-              </a:spcAft>
-              <a:defRPr sz="2000" b="1">
-                <a:solidFill>
-                  <a:schemeClr val="tx1"/>
-                </a:solidFill>
-                <a:latin typeface="Courier New" charset="0"/>
-                <a:ea typeface="Arial" charset="0"/>
-                <a:cs typeface="Arial" charset="0"/>
-              </a:defRPr>
-            </a:lvl7pPr>
-            <a:lvl8pPr marL="1371600" eaLnBrk="0" fontAlgn="base" hangingPunct="0">
-              <a:spcBef>
-                <a:spcPct val="0"/>
-              </a:spcBef>
-              <a:spcAft>
-                <a:spcPct val="0"/>
-              </a:spcAft>
-              <a:defRPr sz="2000" b="1">
-                <a:solidFill>
-                  <a:schemeClr val="tx1"/>
-                </a:solidFill>
-                <a:latin typeface="Courier New" charset="0"/>
-                <a:ea typeface="Arial" charset="0"/>
-                <a:cs typeface="Arial" charset="0"/>
-              </a:defRPr>
-            </a:lvl8pPr>
-            <a:lvl9pPr marL="1828800" eaLnBrk="0" fontAlgn="base" hangingPunct="0">
-              <a:spcBef>
-                <a:spcPct val="0"/>
-              </a:spcBef>
-              <a:spcAft>
-                <a:spcPct val="0"/>
-              </a:spcAft>
-              <a:defRPr sz="2000" b="1">
-                <a:solidFill>
-                  <a:schemeClr val="tx1"/>
-                </a:solidFill>
-                <a:latin typeface="Courier New" charset="0"/>
-                <a:ea typeface="Arial" charset="0"/>
-                <a:cs typeface="Arial" charset="0"/>
-              </a:defRPr>
-            </a:lvl9pPr>
-          </a:lstStyle>
-          <a:p>
-            <a:pPr algn="l"/>
-            <a:r>
-              <a:rPr lang="en-US" sz="1400" b="0">
-                <a:solidFill>
-                  <a:srgbClr val="000000"/>
-                </a:solidFill>
-                <a:latin typeface="Arial" charset="0"/>
-              </a:rPr>
-              <a:t>K RIPE London</a:t>
-            </a:r>
-            <a:endParaRPr lang="en-US" sz="3200" b="0">
-              <a:latin typeface="Times New Roman" charset="0"/>
-            </a:endParaRPr>
-          </a:p>
-        </p:txBody>
-      </p:sp>
-      <p:sp>
-        <p:nvSpPr>
-          <p:cNvPr id="73743" name="Freeform 14"/>
-          <p:cNvSpPr>
-            <a:spLocks/>
-          </p:cNvSpPr>
-          <p:nvPr/>
-        </p:nvSpPr>
-        <p:spPr bwMode="auto">
-          <a:xfrm>
-            <a:off x="4570413" y="3433763"/>
-            <a:ext cx="771525" cy="1158875"/>
-          </a:xfrm>
-          <a:custGeom>
-            <a:avLst/>
-            <a:gdLst>
-              <a:gd name="T0" fmla="*/ 771525 w 922"/>
-              <a:gd name="T1" fmla="*/ 0 h 1448"/>
-              <a:gd name="T2" fmla="*/ 0 w 922"/>
-              <a:gd name="T3" fmla="*/ 1158875 h 1448"/>
-              <a:gd name="T4" fmla="*/ 0 60000 65536"/>
-              <a:gd name="T5" fmla="*/ 0 60000 65536"/>
-              <a:gd name="T6" fmla="*/ 0 w 922"/>
-              <a:gd name="T7" fmla="*/ 0 h 1448"/>
-              <a:gd name="T8" fmla="*/ 922 w 922"/>
-              <a:gd name="T9" fmla="*/ 1448 h 1448"/>
-            </a:gdLst>
-            <a:ahLst/>
-            <a:cxnLst>
-              <a:cxn ang="T4">
-                <a:pos x="T0" y="T1"/>
-              </a:cxn>
-              <a:cxn ang="T5">
-                <a:pos x="T2" y="T3"/>
-              </a:cxn>
-            </a:cxnLst>
-            <a:rect l="T6" t="T7" r="T8" b="T9"/>
-            <a:pathLst>
-              <a:path w="922" h="1448">
-                <a:moveTo>
-                  <a:pt x="922" y="0"/>
-                </a:moveTo>
-                <a:lnTo>
-                  <a:pt x="0" y="1448"/>
-                </a:lnTo>
-              </a:path>
-            </a:pathLst>
-          </a:custGeom>
-          <a:noFill/>
-          <a:ln w="19050">
-            <a:solidFill>
-              <a:srgbClr val="000000"/>
-            </a:solidFill>
-            <a:round/>
-            <a:headEnd/>
-            <a:tailEnd type="triangle" w="med" len="med"/>
-          </a:ln>
-          <a:extLst>
-            <a:ext uri="{909E8E84-426E-40dd-AFC4-6F175D3DCCD1}">
-              <a14:hiddenFill xmlns:a14="http://schemas.microsoft.com/office/drawing/2010/main" xmlns="">
-                <a:solidFill>
-                  <a:srgbClr val="FFFFFF"/>
-                </a:solidFill>
-              </a14:hiddenFill>
-            </a:ext>
-          </a:extLst>
-        </p:spPr>
-        <p:txBody>
-          <a:bodyPr/>
-          <a:lstStyle/>
-          <a:p>
-            <a:endParaRPr lang="en-US"/>
-          </a:p>
-        </p:txBody>
-      </p:sp>
-      <p:sp>
-        <p:nvSpPr>
-          <p:cNvPr id="73744" name="Text Box 15"/>
-          <p:cNvSpPr txBox="1">
-            <a:spLocks noChangeArrowheads="1"/>
-          </p:cNvSpPr>
-          <p:nvPr/>
-        </p:nvSpPr>
-        <p:spPr bwMode="auto">
-          <a:xfrm>
-            <a:off x="7221538" y="4402138"/>
-            <a:ext cx="1565275" cy="285750"/>
-          </a:xfrm>
-          <a:prstGeom prst="rect">
-            <a:avLst/>
-          </a:prstGeom>
-          <a:noFill/>
-          <a:ln>
-            <a:noFill/>
-          </a:ln>
-          <a:extLst>
-            <a:ext uri="{909E8E84-426E-40dd-AFC4-6F175D3DCCD1}">
-              <a14:hiddenFill xmlns:a14="http://schemas.microsoft.com/office/drawing/2010/main" xmlns="">
-                <a:solidFill>
-                  <a:srgbClr val="FFFFFF"/>
-                </a:solidFill>
-              </a14:hiddenFill>
-            </a:ext>
-            <a:ext uri="{91240B29-F687-4f45-9708-019B960494DF}">
-              <a14:hiddenLine xmlns:a14="http://schemas.microsoft.com/office/drawing/2010/main" xmlns="" w="9525">
-                <a:solidFill>
-                  <a:srgbClr val="000000"/>
-                </a:solidFill>
-                <a:miter lim="800000"/>
-                <a:headEnd/>
-                <a:tailEnd/>
-              </a14:hiddenLine>
-            </a:ext>
-          </a:extLst>
-        </p:spPr>
-        <p:txBody>
-          <a:bodyPr lIns="71323" tIns="35662" rIns="71323" bIns="35662"/>
-          <a:lstStyle>
-            <a:lvl1pPr eaLnBrk="0" hangingPunct="0">
-              <a:defRPr sz="2000" b="1">
-                <a:solidFill>
-                  <a:schemeClr val="tx1"/>
-                </a:solidFill>
-                <a:latin typeface="Courier New" charset="0"/>
-                <a:ea typeface="ＭＳ Ｐゴシック" charset="0"/>
-                <a:cs typeface="Arial" charset="0"/>
-              </a:defRPr>
-            </a:lvl1pPr>
-            <a:lvl2pPr marL="37931725" indent="-37474525" eaLnBrk="0" hangingPunct="0">
-              <a:defRPr sz="2000" b="1">
-                <a:solidFill>
-                  <a:schemeClr val="tx1"/>
-                </a:solidFill>
-                <a:latin typeface="Courier New" charset="0"/>
-                <a:ea typeface="Arial" charset="0"/>
-                <a:cs typeface="Arial" charset="0"/>
-              </a:defRPr>
-            </a:lvl2pPr>
-            <a:lvl3pPr eaLnBrk="0" hangingPunct="0">
-              <a:defRPr sz="2000" b="1">
-                <a:solidFill>
-                  <a:schemeClr val="tx1"/>
-                </a:solidFill>
-                <a:latin typeface="Courier New" charset="0"/>
-                <a:ea typeface="Arial" charset="0"/>
-                <a:cs typeface="Arial" charset="0"/>
-              </a:defRPr>
-            </a:lvl3pPr>
-            <a:lvl4pPr eaLnBrk="0" hangingPunct="0">
-              <a:defRPr sz="2000" b="1">
-                <a:solidFill>
-                  <a:schemeClr val="tx1"/>
-                </a:solidFill>
-                <a:latin typeface="Courier New" charset="0"/>
-                <a:ea typeface="Arial" charset="0"/>
-                <a:cs typeface="Arial" charset="0"/>
-              </a:defRPr>
-            </a:lvl4pPr>
-            <a:lvl5pPr eaLnBrk="0" hangingPunct="0">
-              <a:defRPr sz="2000" b="1">
-                <a:solidFill>
-                  <a:schemeClr val="tx1"/>
-                </a:solidFill>
-                <a:latin typeface="Courier New" charset="0"/>
-                <a:ea typeface="Arial" charset="0"/>
-                <a:cs typeface="Arial" charset="0"/>
-              </a:defRPr>
-            </a:lvl5pPr>
-            <a:lvl6pPr marL="457200" eaLnBrk="0" fontAlgn="base" hangingPunct="0">
-              <a:spcBef>
-                <a:spcPct val="0"/>
-              </a:spcBef>
-              <a:spcAft>
-                <a:spcPct val="0"/>
-              </a:spcAft>
-              <a:defRPr sz="2000" b="1">
-                <a:solidFill>
-                  <a:schemeClr val="tx1"/>
-                </a:solidFill>
-                <a:latin typeface="Courier New" charset="0"/>
-                <a:ea typeface="Arial" charset="0"/>
-                <a:cs typeface="Arial" charset="0"/>
-              </a:defRPr>
-            </a:lvl6pPr>
-            <a:lvl7pPr marL="914400" eaLnBrk="0" fontAlgn="base" hangingPunct="0">
-              <a:spcBef>
-                <a:spcPct val="0"/>
-              </a:spcBef>
-              <a:spcAft>
-                <a:spcPct val="0"/>
-              </a:spcAft>
-              <a:defRPr sz="2000" b="1">
-                <a:solidFill>
-                  <a:schemeClr val="tx1"/>
-                </a:solidFill>
-                <a:latin typeface="Courier New" charset="0"/>
-                <a:ea typeface="Arial" charset="0"/>
-                <a:cs typeface="Arial" charset="0"/>
-              </a:defRPr>
-            </a:lvl7pPr>
-            <a:lvl8pPr marL="1371600" eaLnBrk="0" fontAlgn="base" hangingPunct="0">
-              <a:spcBef>
-                <a:spcPct val="0"/>
-              </a:spcBef>
-              <a:spcAft>
-                <a:spcPct val="0"/>
-              </a:spcAft>
-              <a:defRPr sz="2000" b="1">
-                <a:solidFill>
-                  <a:schemeClr val="tx1"/>
-                </a:solidFill>
-                <a:latin typeface="Courier New" charset="0"/>
-                <a:ea typeface="Arial" charset="0"/>
-                <a:cs typeface="Arial" charset="0"/>
-              </a:defRPr>
-            </a:lvl8pPr>
-            <a:lvl9pPr marL="1828800" eaLnBrk="0" fontAlgn="base" hangingPunct="0">
-              <a:spcBef>
-                <a:spcPct val="0"/>
-              </a:spcBef>
-              <a:spcAft>
-                <a:spcPct val="0"/>
-              </a:spcAft>
-              <a:defRPr sz="2000" b="1">
-                <a:solidFill>
-                  <a:schemeClr val="tx1"/>
-                </a:solidFill>
-                <a:latin typeface="Courier New" charset="0"/>
-                <a:ea typeface="Arial" charset="0"/>
-                <a:cs typeface="Arial" charset="0"/>
-              </a:defRPr>
-            </a:lvl9pPr>
-          </a:lstStyle>
-          <a:p>
-            <a:pPr algn="l"/>
-            <a:r>
-              <a:rPr lang="en-US" sz="1400" b="0">
-                <a:solidFill>
-                  <a:srgbClr val="000000"/>
-                </a:solidFill>
-                <a:latin typeface="Arial" charset="0"/>
-              </a:rPr>
-              <a:t>M WIDE Tokyo</a:t>
-            </a:r>
-            <a:endParaRPr lang="en-US" sz="3200" b="0">
-              <a:latin typeface="Times New Roman" charset="0"/>
-            </a:endParaRPr>
-          </a:p>
-        </p:txBody>
-      </p:sp>
-      <p:sp>
-        <p:nvSpPr>
-          <p:cNvPr id="73745" name="Freeform 16"/>
-          <p:cNvSpPr>
-            <a:spLocks/>
-          </p:cNvSpPr>
-          <p:nvPr/>
-        </p:nvSpPr>
-        <p:spPr bwMode="auto">
-          <a:xfrm>
-            <a:off x="6851650" y="4632325"/>
-            <a:ext cx="331788" cy="231775"/>
-          </a:xfrm>
-          <a:custGeom>
-            <a:avLst/>
-            <a:gdLst>
-              <a:gd name="T0" fmla="*/ 331788 w 252"/>
-              <a:gd name="T1" fmla="*/ 0 h 462"/>
-              <a:gd name="T2" fmla="*/ 0 w 252"/>
-              <a:gd name="T3" fmla="*/ 231775 h 462"/>
-              <a:gd name="T4" fmla="*/ 0 60000 65536"/>
-              <a:gd name="T5" fmla="*/ 0 60000 65536"/>
-              <a:gd name="T6" fmla="*/ 0 w 252"/>
-              <a:gd name="T7" fmla="*/ 0 h 462"/>
-              <a:gd name="T8" fmla="*/ 252 w 252"/>
-              <a:gd name="T9" fmla="*/ 462 h 462"/>
-            </a:gdLst>
-            <a:ahLst/>
-            <a:cxnLst>
-              <a:cxn ang="T4">
-                <a:pos x="T0" y="T1"/>
-              </a:cxn>
-              <a:cxn ang="T5">
-                <a:pos x="T2" y="T3"/>
-              </a:cxn>
-            </a:cxnLst>
-            <a:rect l="T6" t="T7" r="T8" b="T9"/>
-            <a:pathLst>
-              <a:path w="252" h="462">
-                <a:moveTo>
-                  <a:pt x="252" y="0"/>
-                </a:moveTo>
-                <a:lnTo>
-                  <a:pt x="0" y="462"/>
-                </a:lnTo>
-              </a:path>
-            </a:pathLst>
-          </a:custGeom>
-          <a:noFill/>
-          <a:ln w="19050">
-            <a:solidFill>
-              <a:srgbClr val="000000"/>
-            </a:solidFill>
-            <a:round/>
-            <a:headEnd/>
-            <a:tailEnd type="triangle" w="med" len="med"/>
-          </a:ln>
-          <a:extLst>
-            <a:ext uri="{909E8E84-426E-40dd-AFC4-6F175D3DCCD1}">
-              <a14:hiddenFill xmlns:a14="http://schemas.microsoft.com/office/drawing/2010/main" xmlns="">
-                <a:solidFill>
-                  <a:srgbClr val="FFFFFF"/>
-                </a:solidFill>
-              </a14:hiddenFill>
-            </a:ext>
-          </a:extLst>
-        </p:spPr>
-        <p:txBody>
-          <a:bodyPr/>
-          <a:lstStyle/>
-          <a:p>
-            <a:endParaRPr lang="en-US"/>
-          </a:p>
-        </p:txBody>
-      </p:sp>
-      <p:sp>
-        <p:nvSpPr>
-          <p:cNvPr id="73746" name="Text Box 17"/>
-          <p:cNvSpPr txBox="1">
-            <a:spLocks noChangeArrowheads="1"/>
-          </p:cNvSpPr>
-          <p:nvPr/>
-        </p:nvSpPr>
-        <p:spPr bwMode="auto">
-          <a:xfrm>
-            <a:off x="2665413" y="2559050"/>
-            <a:ext cx="3903662" cy="1304925"/>
-          </a:xfrm>
-          <a:prstGeom prst="rect">
-            <a:avLst/>
-          </a:prstGeom>
-          <a:noFill/>
-          <a:ln>
-            <a:noFill/>
-          </a:ln>
-          <a:extLst>
-            <a:ext uri="{909E8E84-426E-40dd-AFC4-6F175D3DCCD1}">
-              <a14:hiddenFill xmlns:a14="http://schemas.microsoft.com/office/drawing/2010/main" xmlns="">
-                <a:solidFill>
-                  <a:srgbClr val="FFFFFF"/>
-                </a:solidFill>
-              </a14:hiddenFill>
-            </a:ext>
-            <a:ext uri="{91240B29-F687-4f45-9708-019B960494DF}">
-              <a14:hiddenLine xmlns:a14="http://schemas.microsoft.com/office/drawing/2010/main" xmlns="" w="9525">
-                <a:solidFill>
-                  <a:srgbClr val="000000"/>
-                </a:solidFill>
-                <a:miter lim="800000"/>
-                <a:headEnd/>
-                <a:tailEnd/>
-              </a14:hiddenLine>
-            </a:ext>
-          </a:extLst>
-        </p:spPr>
-        <p:txBody>
-          <a:bodyPr lIns="71323" tIns="35662" rIns="71323" bIns="35662"/>
-          <a:lstStyle>
-            <a:lvl1pPr eaLnBrk="0" hangingPunct="0">
-              <a:defRPr sz="2000" b="1">
-                <a:solidFill>
-                  <a:schemeClr val="tx1"/>
-                </a:solidFill>
-                <a:latin typeface="Courier New" charset="0"/>
-                <a:ea typeface="ＭＳ Ｐゴシック" charset="0"/>
-                <a:cs typeface="Arial" charset="0"/>
-              </a:defRPr>
-            </a:lvl1pPr>
-            <a:lvl2pPr marL="37931725" indent="-37474525" eaLnBrk="0" hangingPunct="0">
-              <a:defRPr sz="2000" b="1">
-                <a:solidFill>
-                  <a:schemeClr val="tx1"/>
-                </a:solidFill>
-                <a:latin typeface="Courier New" charset="0"/>
-                <a:ea typeface="Arial" charset="0"/>
-                <a:cs typeface="Arial" charset="0"/>
-              </a:defRPr>
-            </a:lvl2pPr>
-            <a:lvl3pPr eaLnBrk="0" hangingPunct="0">
-              <a:defRPr sz="2000" b="1">
-                <a:solidFill>
-                  <a:schemeClr val="tx1"/>
-                </a:solidFill>
-                <a:latin typeface="Courier New" charset="0"/>
-                <a:ea typeface="Arial" charset="0"/>
-                <a:cs typeface="Arial" charset="0"/>
-              </a:defRPr>
-            </a:lvl3pPr>
-            <a:lvl4pPr eaLnBrk="0" hangingPunct="0">
-              <a:defRPr sz="2000" b="1">
-                <a:solidFill>
-                  <a:schemeClr val="tx1"/>
-                </a:solidFill>
-                <a:latin typeface="Courier New" charset="0"/>
-                <a:ea typeface="Arial" charset="0"/>
-                <a:cs typeface="Arial" charset="0"/>
-              </a:defRPr>
-            </a:lvl4pPr>
-            <a:lvl5pPr eaLnBrk="0" hangingPunct="0">
-              <a:defRPr sz="2000" b="1">
-                <a:solidFill>
-                  <a:schemeClr val="tx1"/>
-                </a:solidFill>
-                <a:latin typeface="Courier New" charset="0"/>
-                <a:ea typeface="Arial" charset="0"/>
-                <a:cs typeface="Arial" charset="0"/>
-              </a:defRPr>
-            </a:lvl5pPr>
-            <a:lvl6pPr marL="457200" eaLnBrk="0" fontAlgn="base" hangingPunct="0">
-              <a:spcBef>
-                <a:spcPct val="0"/>
-              </a:spcBef>
-              <a:spcAft>
-                <a:spcPct val="0"/>
-              </a:spcAft>
-              <a:defRPr sz="2000" b="1">
-                <a:solidFill>
-                  <a:schemeClr val="tx1"/>
-                </a:solidFill>
-                <a:latin typeface="Courier New" charset="0"/>
-                <a:ea typeface="Arial" charset="0"/>
-                <a:cs typeface="Arial" charset="0"/>
-              </a:defRPr>
-            </a:lvl6pPr>
-            <a:lvl7pPr marL="914400" eaLnBrk="0" fontAlgn="base" hangingPunct="0">
-              <a:spcBef>
-                <a:spcPct val="0"/>
-              </a:spcBef>
-              <a:spcAft>
-                <a:spcPct val="0"/>
-              </a:spcAft>
-              <a:defRPr sz="2000" b="1">
-                <a:solidFill>
-                  <a:schemeClr val="tx1"/>
-                </a:solidFill>
-                <a:latin typeface="Courier New" charset="0"/>
-                <a:ea typeface="Arial" charset="0"/>
-                <a:cs typeface="Arial" charset="0"/>
-              </a:defRPr>
-            </a:lvl7pPr>
-            <a:lvl8pPr marL="1371600" eaLnBrk="0" fontAlgn="base" hangingPunct="0">
-              <a:spcBef>
-                <a:spcPct val="0"/>
-              </a:spcBef>
-              <a:spcAft>
-                <a:spcPct val="0"/>
-              </a:spcAft>
-              <a:defRPr sz="2000" b="1">
-                <a:solidFill>
-                  <a:schemeClr val="tx1"/>
-                </a:solidFill>
-                <a:latin typeface="Courier New" charset="0"/>
-                <a:ea typeface="Arial" charset="0"/>
-                <a:cs typeface="Arial" charset="0"/>
-              </a:defRPr>
-            </a:lvl8pPr>
-            <a:lvl9pPr marL="1828800" eaLnBrk="0" fontAlgn="base" hangingPunct="0">
-              <a:spcBef>
-                <a:spcPct val="0"/>
-              </a:spcBef>
-              <a:spcAft>
-                <a:spcPct val="0"/>
-              </a:spcAft>
-              <a:defRPr sz="2000" b="1">
-                <a:solidFill>
-                  <a:schemeClr val="tx1"/>
-                </a:solidFill>
-                <a:latin typeface="Courier New" charset="0"/>
-                <a:ea typeface="Arial" charset="0"/>
-                <a:cs typeface="Arial" charset="0"/>
-              </a:defRPr>
-            </a:lvl9pPr>
-          </a:lstStyle>
-          <a:p>
-            <a:pPr algn="l"/>
-            <a:r>
-              <a:rPr lang="en-US" sz="1400" b="0">
-                <a:solidFill>
-                  <a:srgbClr val="000000"/>
-                </a:solidFill>
-                <a:latin typeface="Arial" charset="0"/>
-              </a:rPr>
-              <a:t>A Verisign, Dulles, VA</a:t>
-            </a:r>
-          </a:p>
-          <a:p>
-            <a:pPr algn="l"/>
-            <a:r>
-              <a:rPr lang="en-US" sz="1400" b="0">
-                <a:solidFill>
-                  <a:srgbClr val="000000"/>
-                </a:solidFill>
-                <a:latin typeface="Arial" charset="0"/>
-              </a:rPr>
-              <a:t>C Cogent, Herndon, VA</a:t>
-            </a:r>
-          </a:p>
-          <a:p>
-            <a:pPr algn="l"/>
-            <a:r>
-              <a:rPr lang="en-US" sz="1400" b="0">
-                <a:solidFill>
-                  <a:srgbClr val="000000"/>
-                </a:solidFill>
-                <a:latin typeface="Arial" charset="0"/>
-              </a:rPr>
-              <a:t>D U Maryland College Park, MD</a:t>
-            </a:r>
-          </a:p>
-          <a:p>
-            <a:pPr algn="l"/>
-            <a:r>
-              <a:rPr lang="en-US" sz="1400" b="0">
-                <a:solidFill>
-                  <a:srgbClr val="000000"/>
-                </a:solidFill>
-                <a:latin typeface="Arial" charset="0"/>
-              </a:rPr>
-              <a:t>G US DoD Vienna, VA</a:t>
-            </a:r>
-          </a:p>
-          <a:p>
-            <a:pPr algn="l"/>
-            <a:r>
-              <a:rPr lang="en-US" sz="1400" b="0">
-                <a:solidFill>
-                  <a:srgbClr val="000000"/>
-                </a:solidFill>
-                <a:latin typeface="Arial" charset="0"/>
-              </a:rPr>
-              <a:t>H ARL Aberdeen, MD</a:t>
-            </a:r>
-          </a:p>
-          <a:p>
-            <a:pPr algn="l"/>
-            <a:r>
-              <a:rPr lang="en-US" sz="1400" b="0">
-                <a:solidFill>
-                  <a:srgbClr val="000000"/>
-                </a:solidFill>
-                <a:latin typeface="Arial" charset="0"/>
-              </a:rPr>
-              <a:t>J Verisign</a:t>
-            </a:r>
-          </a:p>
-          <a:p>
-            <a:pPr algn="ctr"/>
-            <a:endParaRPr lang="en-US" sz="2800" b="0">
-              <a:latin typeface="Times New Roman" charset="0"/>
-            </a:endParaRPr>
-          </a:p>
-        </p:txBody>
-      </p:sp>
-      <p:sp>
-        <p:nvSpPr>
-          <p:cNvPr id="7" name="Date Placeholder 6"/>
+          </p:cNvPr>
           <p:cNvSpPr>
             <a:spLocks noGrp="1"/>
           </p:cNvSpPr>
@@ -19383,7 +17146,13 @@
       </p:sp>
       <p:sp>
         <p:nvSpPr>
-          <p:cNvPr id="8" name="Footer Placeholder 7"/>
+          <p:cNvPr id="5" name="Footer Placeholder 4">
+            <a:extLst>
+              <a:ext uri="{FF2B5EF4-FFF2-40B4-BE49-F238E27FC236}">
+                <a16:creationId xmlns:a16="http://schemas.microsoft.com/office/drawing/2014/main" id="{B527BB13-DC8A-A149-929C-45964E21D099}"/>
+              </a:ext>
+            </a:extLst>
+          </p:cNvPr>
           <p:cNvSpPr>
             <a:spLocks noGrp="1"/>
           </p:cNvSpPr>
@@ -19408,7 +17177,13 @@
       </p:sp>
       <p:sp>
         <p:nvSpPr>
-          <p:cNvPr id="9" name="Slide Number Placeholder 8"/>
+          <p:cNvPr id="6" name="Slide Number Placeholder 5">
+            <a:extLst>
+              <a:ext uri="{FF2B5EF4-FFF2-40B4-BE49-F238E27FC236}">
+                <a16:creationId xmlns:a16="http://schemas.microsoft.com/office/drawing/2014/main" id="{121E7E04-E0AE-F541-B94F-6E8AF491CCC1}"/>
+              </a:ext>
+            </a:extLst>
+          </p:cNvPr>
           <p:cNvSpPr>
             <a:spLocks noGrp="1"/>
           </p:cNvSpPr>
@@ -19430,10 +17205,53 @@
           </a:p>
         </p:txBody>
       </p:sp>
+      <p:sp>
+        <p:nvSpPr>
+          <p:cNvPr id="8" name="TextBox 7">
+            <a:extLst>
+              <a:ext uri="{FF2B5EF4-FFF2-40B4-BE49-F238E27FC236}">
+                <a16:creationId xmlns:a16="http://schemas.microsoft.com/office/drawing/2014/main" id="{5EE0F8CC-4B33-4E4B-B4A3-24E1442E547C}"/>
+              </a:ext>
+            </a:extLst>
+          </p:cNvPr>
+          <p:cNvSpPr txBox="1"/>
+          <p:nvPr/>
+        </p:nvSpPr>
+        <p:spPr>
+          <a:xfrm>
+            <a:off x="3946669" y="5811489"/>
+            <a:ext cx="1250663" cy="215444"/>
+          </a:xfrm>
+          <a:prstGeom prst="rect">
+            <a:avLst/>
+          </a:prstGeom>
+          <a:noFill/>
+        </p:spPr>
+        <p:txBody>
+          <a:bodyPr wrap="none" rtlCol="0">
+            <a:spAutoFit/>
+          </a:bodyPr>
+          <a:lstStyle/>
+          <a:p>
+            <a:r>
+              <a:rPr lang="en-US" sz="800" b="0" dirty="0"/>
+              <a:t>https://root-</a:t>
+            </a:r>
+            <a:r>
+              <a:rPr lang="en-US" sz="800" b="0" dirty="0" err="1"/>
+              <a:t>servers.org</a:t>
+            </a:r>
+            <a:r>
+              <a:rPr lang="en-US" sz="800" b="0" dirty="0"/>
+              <a:t>/</a:t>
+            </a:r>
+          </a:p>
+        </p:txBody>
+      </p:sp>
     </p:spTree>
     <p:extLst>
       <p:ext uri="{BB962C8B-B14F-4D97-AF65-F5344CB8AC3E}">
-        <p14:creationId xmlns:p14="http://schemas.microsoft.com/office/powerpoint/2010/main" val="150347526"/>
+        <p14:creationId xmlns:p14="http://schemas.microsoft.com/office/powerpoint/2010/main" val="3572685520"/>
       </p:ext>
     </p:extLst>
   </p:cSld>
@@ -19617,7 +17435,9 @@
         </p:nvSpPr>
         <p:spPr/>
         <p:txBody>
-          <a:bodyPr/>
+          <a:bodyPr wrap="square" anchor="b">
+            <a:normAutofit/>
+          </a:bodyPr>
           <a:lstStyle/>
           <a:p>
             <a:r>
@@ -19634,19 +17454,21 @@
             <a:spLocks noGrp="1"/>
           </p:cNvSpPr>
           <p:nvPr>
-            <p:ph idx="1"/>
+            <p:ph sz="half" idx="1"/>
           </p:nvPr>
         </p:nvSpPr>
         <p:spPr/>
         <p:txBody>
-          <a:bodyPr/>
+          <a:bodyPr wrap="square" anchor="t">
+            <a:normAutofit/>
+          </a:bodyPr>
           <a:lstStyle/>
           <a:p>
             <a:endParaRPr lang="en-US" dirty="0"/>
           </a:p>
           <a:p>
             <a:pPr lvl="1"/>
-            <a:endParaRPr lang="en-US" dirty="0"/>
+            <a:endParaRPr lang="en-US" sz="2100"/>
           </a:p>
         </p:txBody>
       </p:sp>
@@ -19662,16 +17484,21 @@
         </p:nvSpPr>
         <p:spPr/>
         <p:txBody>
-          <a:bodyPr/>
+          <a:bodyPr wrap="none" anchor="ctr">
+            <a:normAutofit/>
+          </a:bodyPr>
           <a:lstStyle/>
           <a:p>
+            <a:pPr>
+              <a:spcAft>
+                <a:spcPts val="600"/>
+              </a:spcAft>
+            </a:pPr>
             <a:r>
               <a:rPr lang="en-US"/>
               <a:t>September 15, 2021</a:t>
             </a:r>
-            <a:endParaRPr lang="en-US" sz="1050" b="0">
-              <a:latin typeface="Times New Roman" charset="0"/>
-            </a:endParaRPr>
+            <a:endParaRPr lang="en-US" b="0"/>
           </a:p>
         </p:txBody>
       </p:sp>
@@ -19687,16 +17514,21 @@
         </p:nvSpPr>
         <p:spPr/>
         <p:txBody>
-          <a:bodyPr/>
+          <a:bodyPr wrap="none" anchor="ctr">
+            <a:normAutofit/>
+          </a:bodyPr>
           <a:lstStyle/>
           <a:p>
+            <a:pPr>
+              <a:spcAft>
+                <a:spcPts val="600"/>
+              </a:spcAft>
+            </a:pPr>
             <a:r>
               <a:rPr lang="en-US"/>
               <a:t>EECS 489 – Lecture 4</a:t>
             </a:r>
-            <a:endParaRPr lang="en-US" sz="1050" b="0">
-              <a:latin typeface="Times New Roman" charset="0"/>
-            </a:endParaRPr>
+            <a:endParaRPr lang="en-US" b="0"/>
           </a:p>
         </p:txBody>
       </p:sp>
@@ -19712,15 +17544,282 @@
         </p:nvSpPr>
         <p:spPr/>
         <p:txBody>
-          <a:bodyPr/>
+          <a:bodyPr wrap="none" anchor="ctr">
+            <a:normAutofit/>
+          </a:bodyPr>
           <a:lstStyle/>
           <a:p>
+            <a:pPr>
+              <a:spcAft>
+                <a:spcPts val="600"/>
+              </a:spcAft>
+            </a:pPr>
             <a:fld id="{81F2EB77-FB6C-2244-A076-ADF097535D48}" type="slidenum">
               <a:rPr lang="en-US" smtClean="0"/>
-              <a:pPr/>
+              <a:pPr>
+                <a:spcAft>
+                  <a:spcPts val="600"/>
+                </a:spcAft>
+              </a:pPr>
               <a:t>25</a:t>
             </a:fld>
             <a:endParaRPr lang="en-US"/>
+          </a:p>
+        </p:txBody>
+      </p:sp>
+      <p:sp>
+        <p:nvSpPr>
+          <p:cNvPr id="9" name="Rectangle 3">
+            <a:extLst>
+              <a:ext uri="{FF2B5EF4-FFF2-40B4-BE49-F238E27FC236}">
+                <a16:creationId xmlns:a16="http://schemas.microsoft.com/office/drawing/2014/main" id="{9807F3B6-0C44-FD49-99E2-1187970A6E0A}"/>
+              </a:ext>
+            </a:extLst>
+          </p:cNvPr>
+          <p:cNvSpPr txBox="1">
+            <a:spLocks noChangeArrowheads="1"/>
+          </p:cNvSpPr>
+          <p:nvPr/>
+        </p:nvSpPr>
+        <p:spPr bwMode="auto">
+          <a:xfrm>
+            <a:off x="685800" y="1600200"/>
+            <a:ext cx="7924800" cy="4419600"/>
+          </a:xfrm>
+          <a:prstGeom prst="rect">
+            <a:avLst/>
+          </a:prstGeom>
+          <a:noFill/>
+          <a:ln>
+            <a:noFill/>
+          </a:ln>
+          <a:extLst>
+            <a:ext uri="{FAA26D3D-D897-4be2-8F04-BA451C77F1D7}">
+              <ma14:placeholderFlag xmlns="" xmlns:ma14="http://schemas.microsoft.com/office/mac/drawingml/2011/main" val="1"/>
+            </a:ext>
+            <a:ext uri="{909E8E84-426E-40dd-AFC4-6F175D3DCCD1}">
+              <a14:hiddenFill xmlns="" xmlns:a14="http://schemas.microsoft.com/office/drawing/2010/main">
+                <a:solidFill>
+                  <a:srgbClr val="FFFFFF"/>
+                </a:solidFill>
+              </a14:hiddenFill>
+            </a:ext>
+            <a:ext uri="{91240B29-F687-4f45-9708-019B960494DF}">
+              <a14:hiddenLine xmlns="" xmlns:a14="http://schemas.microsoft.com/office/drawing/2010/main" w="9525">
+                <a:solidFill>
+                  <a:srgbClr val="000000"/>
+                </a:solidFill>
+                <a:miter lim="800000"/>
+                <a:headEnd/>
+                <a:tailEnd/>
+              </a14:hiddenLine>
+            </a:ext>
+          </a:extLst>
+        </p:spPr>
+        <p:txBody>
+          <a:bodyPr vert="horz" wrap="square" lIns="92075" tIns="46038" rIns="92075" bIns="46038" numCol="1" anchor="t" anchorCtr="0" compatLnSpc="1">
+            <a:prstTxWarp prst="textNoShape">
+              <a:avLst/>
+            </a:prstTxWarp>
+          </a:bodyPr>
+          <a:lstStyle>
+            <a:lvl1pPr marL="257175" indent="-257175" algn="l" rtl="0" eaLnBrk="0" fontAlgn="base" hangingPunct="0">
+              <a:spcBef>
+                <a:spcPct val="20000"/>
+              </a:spcBef>
+              <a:spcAft>
+                <a:spcPct val="0"/>
+              </a:spcAft>
+              <a:buClr>
+                <a:schemeClr val="tx1"/>
+              </a:buClr>
+              <a:buSzPct val="50000"/>
+              <a:buFont typeface="Monotype Sorts" charset="0"/>
+              <a:buChar char="l"/>
+              <a:defRPr sz="2100">
+                <a:solidFill>
+                  <a:schemeClr val="accent2"/>
+                </a:solidFill>
+                <a:latin typeface="+mn-lt"/>
+                <a:ea typeface="ＭＳ Ｐゴシック" charset="-128"/>
+                <a:cs typeface="ＭＳ Ｐゴシック" charset="-128"/>
+              </a:defRPr>
+            </a:lvl1pPr>
+            <a:lvl2pPr marL="557213" indent="-214313" algn="l" rtl="0" eaLnBrk="0" fontAlgn="base" hangingPunct="0">
+              <a:spcBef>
+                <a:spcPct val="20000"/>
+              </a:spcBef>
+              <a:spcAft>
+                <a:spcPct val="0"/>
+              </a:spcAft>
+              <a:buClr>
+                <a:schemeClr val="tx1"/>
+              </a:buClr>
+              <a:buSzPct val="50000"/>
+              <a:buFont typeface="Wingdings" pitchFamily="2" charset="2"/>
+              <a:buChar char="Ø"/>
+              <a:defRPr sz="1800">
+                <a:solidFill>
+                  <a:schemeClr val="accent2"/>
+                </a:solidFill>
+                <a:latin typeface="+mn-lt"/>
+                <a:ea typeface="ＭＳ Ｐゴシック" charset="-128"/>
+              </a:defRPr>
+            </a:lvl2pPr>
+            <a:lvl3pPr marL="857250" indent="-171450" algn="l" rtl="0" eaLnBrk="0" fontAlgn="base" hangingPunct="0">
+              <a:spcBef>
+                <a:spcPct val="20000"/>
+              </a:spcBef>
+              <a:spcAft>
+                <a:spcPct val="0"/>
+              </a:spcAft>
+              <a:buClr>
+                <a:schemeClr val="tx1"/>
+              </a:buClr>
+              <a:buChar char="»"/>
+              <a:defRPr sz="1500">
+                <a:solidFill>
+                  <a:schemeClr val="accent2"/>
+                </a:solidFill>
+                <a:latin typeface="+mn-lt"/>
+                <a:ea typeface="ＭＳ Ｐゴシック" charset="-128"/>
+              </a:defRPr>
+            </a:lvl3pPr>
+            <a:lvl4pPr marL="1200150" indent="-171450" algn="l" rtl="0" eaLnBrk="0" fontAlgn="base" hangingPunct="0">
+              <a:spcBef>
+                <a:spcPct val="20000"/>
+              </a:spcBef>
+              <a:spcAft>
+                <a:spcPct val="0"/>
+              </a:spcAft>
+              <a:buClr>
+                <a:schemeClr val="tx1"/>
+              </a:buClr>
+              <a:buSzPct val="50000"/>
+              <a:buFont typeface="Monotype Sorts" charset="0"/>
+              <a:buChar char="n"/>
+              <a:defRPr sz="1350">
+                <a:solidFill>
+                  <a:schemeClr val="accent2"/>
+                </a:solidFill>
+                <a:latin typeface="+mn-lt"/>
+                <a:ea typeface="ＭＳ Ｐゴシック" charset="-128"/>
+              </a:defRPr>
+            </a:lvl4pPr>
+            <a:lvl5pPr marL="1543050" indent="-171450" algn="l" rtl="0" eaLnBrk="0" fontAlgn="base" hangingPunct="0">
+              <a:spcBef>
+                <a:spcPct val="20000"/>
+              </a:spcBef>
+              <a:spcAft>
+                <a:spcPct val="0"/>
+              </a:spcAft>
+              <a:buClr>
+                <a:schemeClr val="tx1"/>
+              </a:buClr>
+              <a:buSzPct val="50000"/>
+              <a:buFont typeface="Monotype Sorts" charset="0"/>
+              <a:buChar char="l"/>
+              <a:defRPr sz="1350">
+                <a:solidFill>
+                  <a:schemeClr val="accent2"/>
+                </a:solidFill>
+                <a:latin typeface="+mn-lt"/>
+                <a:ea typeface="ＭＳ Ｐゴシック" charset="-128"/>
+              </a:defRPr>
+            </a:lvl5pPr>
+            <a:lvl6pPr marL="1885950" indent="-171450" algn="l" rtl="0" eaLnBrk="0" fontAlgn="base" hangingPunct="0">
+              <a:spcBef>
+                <a:spcPct val="20000"/>
+              </a:spcBef>
+              <a:spcAft>
+                <a:spcPct val="0"/>
+              </a:spcAft>
+              <a:buClr>
+                <a:schemeClr val="tx1"/>
+              </a:buClr>
+              <a:buSzPct val="50000"/>
+              <a:buFont typeface="Monotype Sorts" pitchFamily="96" charset="2"/>
+              <a:buChar char="l"/>
+              <a:defRPr sz="1350">
+                <a:solidFill>
+                  <a:schemeClr val="accent2"/>
+                </a:solidFill>
+                <a:latin typeface="+mn-lt"/>
+              </a:defRPr>
+            </a:lvl6pPr>
+            <a:lvl7pPr marL="2228850" indent="-171450" algn="l" rtl="0" eaLnBrk="0" fontAlgn="base" hangingPunct="0">
+              <a:spcBef>
+                <a:spcPct val="20000"/>
+              </a:spcBef>
+              <a:spcAft>
+                <a:spcPct val="0"/>
+              </a:spcAft>
+              <a:buClr>
+                <a:schemeClr val="tx1"/>
+              </a:buClr>
+              <a:buSzPct val="50000"/>
+              <a:buFont typeface="Monotype Sorts" pitchFamily="96" charset="2"/>
+              <a:buChar char="l"/>
+              <a:defRPr sz="1350">
+                <a:solidFill>
+                  <a:schemeClr val="accent2"/>
+                </a:solidFill>
+                <a:latin typeface="+mn-lt"/>
+              </a:defRPr>
+            </a:lvl7pPr>
+            <a:lvl8pPr marL="2571750" indent="-171450" algn="l" rtl="0" eaLnBrk="0" fontAlgn="base" hangingPunct="0">
+              <a:spcBef>
+                <a:spcPct val="20000"/>
+              </a:spcBef>
+              <a:spcAft>
+                <a:spcPct val="0"/>
+              </a:spcAft>
+              <a:buClr>
+                <a:schemeClr val="tx1"/>
+              </a:buClr>
+              <a:buSzPct val="50000"/>
+              <a:buFont typeface="Monotype Sorts" pitchFamily="96" charset="2"/>
+              <a:buChar char="l"/>
+              <a:defRPr sz="1350">
+                <a:solidFill>
+                  <a:schemeClr val="accent2"/>
+                </a:solidFill>
+                <a:latin typeface="+mn-lt"/>
+              </a:defRPr>
+            </a:lvl8pPr>
+            <a:lvl9pPr marL="2914650" indent="-171450" algn="l" rtl="0" eaLnBrk="0" fontAlgn="base" hangingPunct="0">
+              <a:spcBef>
+                <a:spcPct val="20000"/>
+              </a:spcBef>
+              <a:spcAft>
+                <a:spcPct val="0"/>
+              </a:spcAft>
+              <a:buClr>
+                <a:schemeClr val="tx1"/>
+              </a:buClr>
+              <a:buSzPct val="50000"/>
+              <a:buFont typeface="Monotype Sorts" pitchFamily="96" charset="2"/>
+              <a:buChar char="l"/>
+              <a:defRPr sz="1350">
+                <a:solidFill>
+                  <a:schemeClr val="accent2"/>
+                </a:solidFill>
+                <a:latin typeface="+mn-lt"/>
+              </a:defRPr>
+            </a:lvl9pPr>
+          </a:lstStyle>
+          <a:p>
+            <a:r>
+              <a:rPr lang="en-US" sz="2800" b="0" kern="0" dirty="0"/>
+              <a:t>Midterm Oct 20, 2021</a:t>
+            </a:r>
+          </a:p>
+          <a:p>
+            <a:pPr lvl="1"/>
+            <a:r>
+              <a:rPr lang="en-US" sz="2400" b="0" kern="0" dirty="0"/>
+              <a:t>3PM and 11PM</a:t>
+            </a:r>
           </a:p>
         </p:txBody>
       </p:sp>
@@ -21859,21 +19958,21 @@
             <a:pPr lvl="1"/>
             <a:r>
               <a:rPr lang="en-US" dirty="0"/>
-              <a:t>Persistent connections </a:t>
+              <a:t>Persistent (latency)</a:t>
             </a:r>
           </a:p>
           <a:p>
             <a:pPr lvl="1"/>
             <a:r>
               <a:rPr lang="en-US" dirty="0"/>
-              <a:t>Parallel/concurrent connections </a:t>
+              <a:t>Parallel/concurrent (bandwidth and latency)</a:t>
             </a:r>
           </a:p>
           <a:p>
             <a:pPr lvl="1"/>
             <a:r>
               <a:rPr lang="en-US" dirty="0"/>
-              <a:t>Pipelined transfers over the same connection</a:t>
+              <a:t>Pipelined over the same connection (latency)</a:t>
             </a:r>
           </a:p>
           <a:p>
@@ -23458,7 +21557,7 @@
             </a:ln>
             <a:extLst>
               <a:ext uri="{C572A759-6A51-4108-AA02-DFA0A04FC94B}">
-                <ma14:wrappingTextBoxFlag xmlns:ma14="http://schemas.microsoft.com/office/mac/drawingml/2011/main" xmlns="" val="1"/>
+                <ma14:wrappingTextBoxFlag xmlns="" xmlns:ma14="http://schemas.microsoft.com/office/mac/drawingml/2011/main" val="1"/>
               </a:ext>
             </a:extLst>
           </p:spPr>
@@ -23628,7 +21727,7 @@
           </a:ln>
           <a:extLst>
             <a:ext uri="{C572A759-6A51-4108-AA02-DFA0A04FC94B}">
-              <ma14:wrappingTextBoxFlag xmlns:ma14="http://schemas.microsoft.com/office/mac/drawingml/2011/main" xmlns="" val="1"/>
+              <ma14:wrappingTextBoxFlag xmlns="" xmlns:ma14="http://schemas.microsoft.com/office/mac/drawingml/2011/main" val="1"/>
             </a:ext>
           </a:extLst>
         </p:spPr>
@@ -23687,7 +21786,7 @@
           </a:ln>
           <a:extLst>
             <a:ext uri="{C572A759-6A51-4108-AA02-DFA0A04FC94B}">
-              <ma14:wrappingTextBoxFlag xmlns:ma14="http://schemas.microsoft.com/office/mac/drawingml/2011/main" xmlns="" val="1"/>
+              <ma14:wrappingTextBoxFlag xmlns="" xmlns:ma14="http://schemas.microsoft.com/office/mac/drawingml/2011/main" val="1"/>
             </a:ext>
           </a:extLst>
         </p:spPr>
@@ -23826,7 +21925,7 @@
           </a:ln>
           <a:extLst>
             <a:ext uri="{C572A759-6A51-4108-AA02-DFA0A04FC94B}">
-              <ma14:wrappingTextBoxFlag xmlns:ma14="http://schemas.microsoft.com/office/mac/drawingml/2011/main" xmlns="" val="1"/>
+              <ma14:wrappingTextBoxFlag xmlns="" xmlns:ma14="http://schemas.microsoft.com/office/mac/drawingml/2011/main" val="1"/>
             </a:ext>
           </a:extLst>
         </p:spPr>
@@ -23885,7 +21984,7 @@
           </a:ln>
           <a:extLst>
             <a:ext uri="{C572A759-6A51-4108-AA02-DFA0A04FC94B}">
-              <ma14:wrappingTextBoxFlag xmlns:ma14="http://schemas.microsoft.com/office/mac/drawingml/2011/main" xmlns="" val="1"/>
+              <ma14:wrappingTextBoxFlag xmlns="" xmlns:ma14="http://schemas.microsoft.com/office/mac/drawingml/2011/main" val="1"/>
             </a:ext>
           </a:extLst>
         </p:spPr>
@@ -23960,7 +22059,7 @@
           </a:ln>
           <a:extLst>
             <a:ext uri="{C572A759-6A51-4108-AA02-DFA0A04FC94B}">
-              <ma14:wrappingTextBoxFlag xmlns:ma14="http://schemas.microsoft.com/office/mac/drawingml/2011/main" xmlns="" val="1"/>
+              <ma14:wrappingTextBoxFlag xmlns="" xmlns:ma14="http://schemas.microsoft.com/office/mac/drawingml/2011/main" val="1"/>
             </a:ext>
           </a:extLst>
         </p:spPr>
@@ -24734,7 +22833,7 @@
             </a:ln>
             <a:extLst>
               <a:ext uri="{C572A759-6A51-4108-AA02-DFA0A04FC94B}">
-                <ma14:wrappingTextBoxFlag xmlns:ma14="http://schemas.microsoft.com/office/mac/drawingml/2011/main" xmlns="" val="1"/>
+                <ma14:wrappingTextBoxFlag xmlns="" xmlns:ma14="http://schemas.microsoft.com/office/mac/drawingml/2011/main" val="1"/>
               </a:ext>
             </a:extLst>
           </p:spPr>
@@ -24904,7 +23003,7 @@
           </a:ln>
           <a:extLst>
             <a:ext uri="{C572A759-6A51-4108-AA02-DFA0A04FC94B}">
-              <ma14:wrappingTextBoxFlag xmlns:ma14="http://schemas.microsoft.com/office/mac/drawingml/2011/main" xmlns="" val="1"/>
+              <ma14:wrappingTextBoxFlag xmlns="" xmlns:ma14="http://schemas.microsoft.com/office/mac/drawingml/2011/main" val="1"/>
             </a:ext>
           </a:extLst>
         </p:spPr>
@@ -24963,7 +23062,7 @@
           </a:ln>
           <a:extLst>
             <a:ext uri="{C572A759-6A51-4108-AA02-DFA0A04FC94B}">
-              <ma14:wrappingTextBoxFlag xmlns:ma14="http://schemas.microsoft.com/office/mac/drawingml/2011/main" xmlns="" val="1"/>
+              <ma14:wrappingTextBoxFlag xmlns="" xmlns:ma14="http://schemas.microsoft.com/office/mac/drawingml/2011/main" val="1"/>
             </a:ext>
           </a:extLst>
         </p:spPr>
@@ -25102,7 +23201,7 @@
           </a:ln>
           <a:extLst>
             <a:ext uri="{C572A759-6A51-4108-AA02-DFA0A04FC94B}">
-              <ma14:wrappingTextBoxFlag xmlns:ma14="http://schemas.microsoft.com/office/mac/drawingml/2011/main" xmlns="" val="1"/>
+              <ma14:wrappingTextBoxFlag xmlns="" xmlns:ma14="http://schemas.microsoft.com/office/mac/drawingml/2011/main" val="1"/>
             </a:ext>
           </a:extLst>
         </p:spPr>
@@ -25161,7 +23260,7 @@
           </a:ln>
           <a:extLst>
             <a:ext uri="{C572A759-6A51-4108-AA02-DFA0A04FC94B}">
-              <ma14:wrappingTextBoxFlag xmlns:ma14="http://schemas.microsoft.com/office/mac/drawingml/2011/main" xmlns="" val="1"/>
+              <ma14:wrappingTextBoxFlag xmlns="" xmlns:ma14="http://schemas.microsoft.com/office/mac/drawingml/2011/main" val="1"/>
             </a:ext>
           </a:extLst>
         </p:spPr>
@@ -25236,7 +23335,7 @@
           </a:ln>
           <a:extLst>
             <a:ext uri="{C572A759-6A51-4108-AA02-DFA0A04FC94B}">
-              <ma14:wrappingTextBoxFlag xmlns:ma14="http://schemas.microsoft.com/office/mac/drawingml/2011/main" xmlns="" val="1"/>
+              <ma14:wrappingTextBoxFlag xmlns="" xmlns:ma14="http://schemas.microsoft.com/office/mac/drawingml/2011/main" val="1"/>
             </a:ext>
           </a:extLst>
         </p:spPr>
@@ -25344,7 +23443,7 @@
           </a:ln>
           <a:extLst>
             <a:ext uri="{C572A759-6A51-4108-AA02-DFA0A04FC94B}">
-              <ma14:wrappingTextBoxFlag xmlns:ma14="http://schemas.microsoft.com/office/mac/drawingml/2011/main" xmlns="" val="1"/>
+              <ma14:wrappingTextBoxFlag xmlns="" xmlns:ma14="http://schemas.microsoft.com/office/mac/drawingml/2011/main" val="1"/>
             </a:ext>
           </a:extLst>
         </p:spPr>
@@ -25419,7 +23518,7 @@
           </a:ln>
           <a:extLst>
             <a:ext uri="{C572A759-6A51-4108-AA02-DFA0A04FC94B}">
-              <ma14:wrappingTextBoxFlag xmlns:ma14="http://schemas.microsoft.com/office/mac/drawingml/2011/main" xmlns="" val="1"/>
+              <ma14:wrappingTextBoxFlag xmlns="" xmlns:ma14="http://schemas.microsoft.com/office/mac/drawingml/2011/main" val="1"/>
             </a:ext>
           </a:extLst>
         </p:spPr>
@@ -26148,7 +24247,7 @@
             </a:ln>
             <a:extLst>
               <a:ext uri="{C572A759-6A51-4108-AA02-DFA0A04FC94B}">
-                <ma14:wrappingTextBoxFlag xmlns:ma14="http://schemas.microsoft.com/office/mac/drawingml/2011/main" xmlns="" val="1"/>
+                <ma14:wrappingTextBoxFlag xmlns="" xmlns:ma14="http://schemas.microsoft.com/office/mac/drawingml/2011/main" val="1"/>
               </a:ext>
             </a:extLst>
           </p:spPr>
@@ -26318,7 +24417,7 @@
           </a:ln>
           <a:extLst>
             <a:ext uri="{C572A759-6A51-4108-AA02-DFA0A04FC94B}">
-              <ma14:wrappingTextBoxFlag xmlns:ma14="http://schemas.microsoft.com/office/mac/drawingml/2011/main" xmlns="" val="1"/>
+              <ma14:wrappingTextBoxFlag xmlns="" xmlns:ma14="http://schemas.microsoft.com/office/mac/drawingml/2011/main" val="1"/>
             </a:ext>
           </a:extLst>
         </p:spPr>
@@ -26377,7 +24476,7 @@
           </a:ln>
           <a:extLst>
             <a:ext uri="{C572A759-6A51-4108-AA02-DFA0A04FC94B}">
-              <ma14:wrappingTextBoxFlag xmlns:ma14="http://schemas.microsoft.com/office/mac/drawingml/2011/main" xmlns="" val="1"/>
+              <ma14:wrappingTextBoxFlag xmlns="" xmlns:ma14="http://schemas.microsoft.com/office/mac/drawingml/2011/main" val="1"/>
             </a:ext>
           </a:extLst>
         </p:spPr>
@@ -26519,7 +24618,7 @@
           </a:ln>
           <a:extLst>
             <a:ext uri="{C572A759-6A51-4108-AA02-DFA0A04FC94B}">
-              <ma14:wrappingTextBoxFlag xmlns:ma14="http://schemas.microsoft.com/office/mac/drawingml/2011/main" xmlns="" val="1"/>
+              <ma14:wrappingTextBoxFlag xmlns="" xmlns:ma14="http://schemas.microsoft.com/office/mac/drawingml/2011/main" val="1"/>
             </a:ext>
           </a:extLst>
         </p:spPr>
@@ -26578,7 +24677,7 @@
           </a:ln>
           <a:extLst>
             <a:ext uri="{C572A759-6A51-4108-AA02-DFA0A04FC94B}">
-              <ma14:wrappingTextBoxFlag xmlns:ma14="http://schemas.microsoft.com/office/mac/drawingml/2011/main" xmlns="" val="1"/>
+              <ma14:wrappingTextBoxFlag xmlns="" xmlns:ma14="http://schemas.microsoft.com/office/mac/drawingml/2011/main" val="1"/>
             </a:ext>
           </a:extLst>
         </p:spPr>
@@ -26653,7 +24752,7 @@
           </a:ln>
           <a:extLst>
             <a:ext uri="{C572A759-6A51-4108-AA02-DFA0A04FC94B}">
-              <ma14:wrappingTextBoxFlag xmlns:ma14="http://schemas.microsoft.com/office/mac/drawingml/2011/main" xmlns="" val="1"/>
+              <ma14:wrappingTextBoxFlag xmlns="" xmlns:ma14="http://schemas.microsoft.com/office/mac/drawingml/2011/main" val="1"/>
             </a:ext>
           </a:extLst>
         </p:spPr>
@@ -26761,7 +24860,7 @@
           </a:ln>
           <a:extLst>
             <a:ext uri="{C572A759-6A51-4108-AA02-DFA0A04FC94B}">
-              <ma14:wrappingTextBoxFlag xmlns:ma14="http://schemas.microsoft.com/office/mac/drawingml/2011/main" xmlns="" val="1"/>
+              <ma14:wrappingTextBoxFlag xmlns="" xmlns:ma14="http://schemas.microsoft.com/office/mac/drawingml/2011/main" val="1"/>
             </a:ext>
           </a:extLst>
         </p:spPr>
@@ -26836,7 +24935,7 @@
           </a:ln>
           <a:extLst>
             <a:ext uri="{C572A759-6A51-4108-AA02-DFA0A04FC94B}">
-              <ma14:wrappingTextBoxFlag xmlns:ma14="http://schemas.microsoft.com/office/mac/drawingml/2011/main" xmlns="" val="1"/>
+              <ma14:wrappingTextBoxFlag xmlns="" xmlns:ma14="http://schemas.microsoft.com/office/mac/drawingml/2011/main" val="1"/>
             </a:ext>
           </a:extLst>
         </p:spPr>
@@ -27574,7 +25673,7 @@
             </a:ln>
             <a:extLst>
               <a:ext uri="{C572A759-6A51-4108-AA02-DFA0A04FC94B}">
-                <ma14:wrappingTextBoxFlag xmlns:ma14="http://schemas.microsoft.com/office/mac/drawingml/2011/main" xmlns="" val="1"/>
+                <ma14:wrappingTextBoxFlag xmlns="" xmlns:ma14="http://schemas.microsoft.com/office/mac/drawingml/2011/main" val="1"/>
               </a:ext>
             </a:extLst>
           </p:spPr>
@@ -27744,7 +25843,7 @@
           </a:ln>
           <a:extLst>
             <a:ext uri="{C572A759-6A51-4108-AA02-DFA0A04FC94B}">
-              <ma14:wrappingTextBoxFlag xmlns:ma14="http://schemas.microsoft.com/office/mac/drawingml/2011/main" xmlns="" val="1"/>
+              <ma14:wrappingTextBoxFlag xmlns="" xmlns:ma14="http://schemas.microsoft.com/office/mac/drawingml/2011/main" val="1"/>
             </a:ext>
           </a:extLst>
         </p:spPr>
@@ -27803,7 +25902,7 @@
           </a:ln>
           <a:extLst>
             <a:ext uri="{C572A759-6A51-4108-AA02-DFA0A04FC94B}">
-              <ma14:wrappingTextBoxFlag xmlns:ma14="http://schemas.microsoft.com/office/mac/drawingml/2011/main" xmlns="" val="1"/>
+              <ma14:wrappingTextBoxFlag xmlns="" xmlns:ma14="http://schemas.microsoft.com/office/mac/drawingml/2011/main" val="1"/>
             </a:ext>
           </a:extLst>
         </p:spPr>
@@ -27905,7 +26004,7 @@
           </a:ln>
           <a:extLst>
             <a:ext uri="{C572A759-6A51-4108-AA02-DFA0A04FC94B}">
-              <ma14:wrappingTextBoxFlag xmlns:ma14="http://schemas.microsoft.com/office/mac/drawingml/2011/main" xmlns="" val="1"/>
+              <ma14:wrappingTextBoxFlag xmlns="" xmlns:ma14="http://schemas.microsoft.com/office/mac/drawingml/2011/main" val="1"/>
             </a:ext>
           </a:extLst>
         </p:spPr>
@@ -27964,7 +26063,7 @@
           </a:ln>
           <a:extLst>
             <a:ext uri="{C572A759-6A51-4108-AA02-DFA0A04FC94B}">
-              <ma14:wrappingTextBoxFlag xmlns:ma14="http://schemas.microsoft.com/office/mac/drawingml/2011/main" xmlns="" val="1"/>
+              <ma14:wrappingTextBoxFlag xmlns="" xmlns:ma14="http://schemas.microsoft.com/office/mac/drawingml/2011/main" val="1"/>
             </a:ext>
           </a:extLst>
         </p:spPr>
@@ -28048,7 +26147,7 @@
           </a:ln>
           <a:extLst>
             <a:ext uri="{C572A759-6A51-4108-AA02-DFA0A04FC94B}">
-              <ma14:wrappingTextBoxFlag xmlns:ma14="http://schemas.microsoft.com/office/mac/drawingml/2011/main" xmlns="" val="1"/>
+              <ma14:wrappingTextBoxFlag xmlns="" xmlns:ma14="http://schemas.microsoft.com/office/mac/drawingml/2011/main" val="1"/>
             </a:ext>
           </a:extLst>
         </p:spPr>
@@ -28156,7 +26255,7 @@
           </a:ln>
           <a:extLst>
             <a:ext uri="{C572A759-6A51-4108-AA02-DFA0A04FC94B}">
-              <ma14:wrappingTextBoxFlag xmlns:ma14="http://schemas.microsoft.com/office/mac/drawingml/2011/main" xmlns="" val="1"/>
+              <ma14:wrappingTextBoxFlag xmlns="" xmlns:ma14="http://schemas.microsoft.com/office/mac/drawingml/2011/main" val="1"/>
             </a:ext>
           </a:extLst>
         </p:spPr>
@@ -28231,7 +26330,7 @@
           </a:ln>
           <a:extLst>
             <a:ext uri="{C572A759-6A51-4108-AA02-DFA0A04FC94B}">
-              <ma14:wrappingTextBoxFlag xmlns:ma14="http://schemas.microsoft.com/office/mac/drawingml/2011/main" xmlns="" val="1"/>
+              <ma14:wrappingTextBoxFlag xmlns="" xmlns:ma14="http://schemas.microsoft.com/office/mac/drawingml/2011/main" val="1"/>
             </a:ext>
           </a:extLst>
         </p:spPr>
@@ -29010,7 +27109,7 @@
             </a:ln>
             <a:extLst>
               <a:ext uri="{C572A759-6A51-4108-AA02-DFA0A04FC94B}">
-                <ma14:wrappingTextBoxFlag xmlns:ma14="http://schemas.microsoft.com/office/mac/drawingml/2011/main" xmlns="" val="1"/>
+                <ma14:wrappingTextBoxFlag xmlns="" xmlns:ma14="http://schemas.microsoft.com/office/mac/drawingml/2011/main" val="1"/>
               </a:ext>
             </a:extLst>
           </p:spPr>
@@ -29180,7 +27279,7 @@
           </a:ln>
           <a:extLst>
             <a:ext uri="{C572A759-6A51-4108-AA02-DFA0A04FC94B}">
-              <ma14:wrappingTextBoxFlag xmlns:ma14="http://schemas.microsoft.com/office/mac/drawingml/2011/main" xmlns="" val="1"/>
+              <ma14:wrappingTextBoxFlag xmlns="" xmlns:ma14="http://schemas.microsoft.com/office/mac/drawingml/2011/main" val="1"/>
             </a:ext>
           </a:extLst>
         </p:spPr>
@@ -29239,7 +27338,7 @@
           </a:ln>
           <a:extLst>
             <a:ext uri="{C572A759-6A51-4108-AA02-DFA0A04FC94B}">
-              <ma14:wrappingTextBoxFlag xmlns:ma14="http://schemas.microsoft.com/office/mac/drawingml/2011/main" xmlns="" val="1"/>
+              <ma14:wrappingTextBoxFlag xmlns="" xmlns:ma14="http://schemas.microsoft.com/office/mac/drawingml/2011/main" val="1"/>
             </a:ext>
           </a:extLst>
         </p:spPr>
@@ -29301,7 +27400,7 @@
           </a:ln>
           <a:extLst>
             <a:ext uri="{C572A759-6A51-4108-AA02-DFA0A04FC94B}">
-              <ma14:wrappingTextBoxFlag xmlns:ma14="http://schemas.microsoft.com/office/mac/drawingml/2011/main" xmlns="" val="1"/>
+              <ma14:wrappingTextBoxFlag xmlns="" xmlns:ma14="http://schemas.microsoft.com/office/mac/drawingml/2011/main" val="1"/>
             </a:ext>
           </a:extLst>
         </p:spPr>
@@ -29360,7 +27459,7 @@
           </a:ln>
           <a:extLst>
             <a:ext uri="{C572A759-6A51-4108-AA02-DFA0A04FC94B}">
-              <ma14:wrappingTextBoxFlag xmlns:ma14="http://schemas.microsoft.com/office/mac/drawingml/2011/main" xmlns="" val="1"/>
+              <ma14:wrappingTextBoxFlag xmlns="" xmlns:ma14="http://schemas.microsoft.com/office/mac/drawingml/2011/main" val="1"/>
             </a:ext>
           </a:extLst>
         </p:spPr>
@@ -29444,7 +27543,7 @@
           </a:ln>
           <a:extLst>
             <a:ext uri="{C572A759-6A51-4108-AA02-DFA0A04FC94B}">
-              <ma14:wrappingTextBoxFlag xmlns:ma14="http://schemas.microsoft.com/office/mac/drawingml/2011/main" xmlns="" val="1"/>
+              <ma14:wrappingTextBoxFlag xmlns="" xmlns:ma14="http://schemas.microsoft.com/office/mac/drawingml/2011/main" val="1"/>
             </a:ext>
           </a:extLst>
         </p:spPr>
@@ -29552,7 +27651,7 @@
           </a:ln>
           <a:extLst>
             <a:ext uri="{C572A759-6A51-4108-AA02-DFA0A04FC94B}">
-              <ma14:wrappingTextBoxFlag xmlns:ma14="http://schemas.microsoft.com/office/mac/drawingml/2011/main" xmlns="" val="1"/>
+              <ma14:wrappingTextBoxFlag xmlns="" xmlns:ma14="http://schemas.microsoft.com/office/mac/drawingml/2011/main" val="1"/>
             </a:ext>
           </a:extLst>
         </p:spPr>
@@ -29627,7 +27726,7 @@
           </a:ln>
           <a:extLst>
             <a:ext uri="{C572A759-6A51-4108-AA02-DFA0A04FC94B}">
-              <ma14:wrappingTextBoxFlag xmlns:ma14="http://schemas.microsoft.com/office/mac/drawingml/2011/main" xmlns="" val="1"/>
+              <ma14:wrappingTextBoxFlag xmlns="" xmlns:ma14="http://schemas.microsoft.com/office/mac/drawingml/2011/main" val="1"/>
             </a:ext>
           </a:extLst>
         </p:spPr>
@@ -30822,7 +28921,7 @@
             </a:ln>
             <a:extLst>
               <a:ext uri="{C572A759-6A51-4108-AA02-DFA0A04FC94B}">
-                <ma14:wrappingTextBoxFlag xmlns:ma14="http://schemas.microsoft.com/office/mac/drawingml/2011/main" xmlns="" val="1"/>
+                <ma14:wrappingTextBoxFlag xmlns="" xmlns:ma14="http://schemas.microsoft.com/office/mac/drawingml/2011/main" val="1"/>
               </a:ext>
             </a:extLst>
           </p:spPr>
@@ -30992,7 +29091,7 @@
           </a:ln>
           <a:extLst>
             <a:ext uri="{C572A759-6A51-4108-AA02-DFA0A04FC94B}">
-              <ma14:wrappingTextBoxFlag xmlns:ma14="http://schemas.microsoft.com/office/mac/drawingml/2011/main" xmlns="" val="1"/>
+              <ma14:wrappingTextBoxFlag xmlns="" xmlns:ma14="http://schemas.microsoft.com/office/mac/drawingml/2011/main" val="1"/>
             </a:ext>
           </a:extLst>
         </p:spPr>
@@ -31051,7 +29150,7 @@
           </a:ln>
           <a:extLst>
             <a:ext uri="{C572A759-6A51-4108-AA02-DFA0A04FC94B}">
-              <ma14:wrappingTextBoxFlag xmlns:ma14="http://schemas.microsoft.com/office/mac/drawingml/2011/main" xmlns="" val="1"/>
+              <ma14:wrappingTextBoxFlag xmlns="" xmlns:ma14="http://schemas.microsoft.com/office/mac/drawingml/2011/main" val="1"/>
             </a:ext>
           </a:extLst>
         </p:spPr>
@@ -31190,7 +29289,7 @@
           </a:ln>
           <a:extLst>
             <a:ext uri="{C572A759-6A51-4108-AA02-DFA0A04FC94B}">
-              <ma14:wrappingTextBoxFlag xmlns:ma14="http://schemas.microsoft.com/office/mac/drawingml/2011/main" xmlns="" val="1"/>
+              <ma14:wrappingTextBoxFlag xmlns="" xmlns:ma14="http://schemas.microsoft.com/office/mac/drawingml/2011/main" val="1"/>
             </a:ext>
           </a:extLst>
         </p:spPr>
@@ -31249,7 +29348,7 @@
           </a:ln>
           <a:extLst>
             <a:ext uri="{C572A759-6A51-4108-AA02-DFA0A04FC94B}">
-              <ma14:wrappingTextBoxFlag xmlns:ma14="http://schemas.microsoft.com/office/mac/drawingml/2011/main" xmlns="" val="1"/>
+              <ma14:wrappingTextBoxFlag xmlns="" xmlns:ma14="http://schemas.microsoft.com/office/mac/drawingml/2011/main" val="1"/>
             </a:ext>
           </a:extLst>
         </p:spPr>
@@ -31324,7 +29423,7 @@
           </a:ln>
           <a:extLst>
             <a:ext uri="{C572A759-6A51-4108-AA02-DFA0A04FC94B}">
-              <ma14:wrappingTextBoxFlag xmlns:ma14="http://schemas.microsoft.com/office/mac/drawingml/2011/main" xmlns="" val="1"/>
+              <ma14:wrappingTextBoxFlag xmlns="" xmlns:ma14="http://schemas.microsoft.com/office/mac/drawingml/2011/main" val="1"/>
             </a:ext>
           </a:extLst>
         </p:spPr>
@@ -31432,7 +29531,7 @@
           </a:ln>
           <a:extLst>
             <a:ext uri="{C572A759-6A51-4108-AA02-DFA0A04FC94B}">
-              <ma14:wrappingTextBoxFlag xmlns:ma14="http://schemas.microsoft.com/office/mac/drawingml/2011/main" xmlns="" val="1"/>
+              <ma14:wrappingTextBoxFlag xmlns="" xmlns:ma14="http://schemas.microsoft.com/office/mac/drawingml/2011/main" val="1"/>
             </a:ext>
           </a:extLst>
         </p:spPr>
@@ -33759,15 +31858,7 @@
             <a:pPr lvl="1"/>
             <a:r>
               <a:rPr lang="en-US" dirty="0"/>
-              <a:t>Don</a:t>
-            </a:r>
-            <a:r>
-              <a:rPr lang="ja-JP" altLang="en-US" dirty="0"/>
-              <a:t>’</a:t>
-            </a:r>
-            <a:r>
-              <a:rPr lang="en-US" dirty="0"/>
-              <a:t>t care which server responds</a:t>
+              <a:t>Don’t care which server responds</a:t>
             </a:r>
           </a:p>
         </p:txBody>
